--- a/RegrasNegocio/RN_Requisitos.pptx
+++ b/RegrasNegocio/RN_Requisitos.pptx
@@ -2,8 +2,11 @@
 <file path=ppt/presentation.xml><?xml version="1.0" encoding="utf-8"?>
 <p:presentation xmlns:a="http://schemas.openxmlformats.org/drawingml/2006/main" xmlns:r="http://schemas.openxmlformats.org/officeDocument/2006/relationships" xmlns:p="http://schemas.openxmlformats.org/presentationml/2006/main" saveSubsetFonts="1">
   <p:sldMasterIdLst>
-    <p:sldMasterId id="2147483648" r:id="rId1"/>
+    <p:sldMasterId id="2147483660" r:id="rId1"/>
   </p:sldMasterIdLst>
+  <p:notesMasterIdLst>
+    <p:notesMasterId r:id="rId24"/>
+  </p:notesMasterIdLst>
   <p:sldIdLst>
     <p:sldId id="256" r:id="rId2"/>
     <p:sldId id="257" r:id="rId3"/>
@@ -13,14 +16,28 @@
     <p:sldId id="260" r:id="rId7"/>
     <p:sldId id="262" r:id="rId8"/>
     <p:sldId id="263" r:id="rId9"/>
+    <p:sldId id="264" r:id="rId10"/>
+    <p:sldId id="266" r:id="rId11"/>
+    <p:sldId id="267" r:id="rId12"/>
+    <p:sldId id="268" r:id="rId13"/>
+    <p:sldId id="269" r:id="rId14"/>
+    <p:sldId id="270" r:id="rId15"/>
+    <p:sldId id="271" r:id="rId16"/>
+    <p:sldId id="272" r:id="rId17"/>
+    <p:sldId id="273" r:id="rId18"/>
+    <p:sldId id="274" r:id="rId19"/>
+    <p:sldId id="275" r:id="rId20"/>
+    <p:sldId id="265" r:id="rId21"/>
+    <p:sldId id="276" r:id="rId22"/>
+    <p:sldId id="277" r:id="rId23"/>
   </p:sldIdLst>
   <p:sldSz cx="12192000" cy="6858000"/>
   <p:notesSz cx="6858000" cy="9144000"/>
   <p:defaultTextStyle>
     <a:defPPr>
-      <a:defRPr lang="pt-BR"/>
+      <a:defRPr lang="en-US"/>
     </a:defPPr>
-    <a:lvl1pPr marL="0" algn="l" defTabSz="914400" rtl="0" eaLnBrk="1" latinLnBrk="0" hangingPunct="1">
+    <a:lvl1pPr marL="0" algn="l" defTabSz="457200" rtl="0" eaLnBrk="1" latinLnBrk="0" hangingPunct="1">
       <a:defRPr sz="1800" kern="1200">
         <a:solidFill>
           <a:schemeClr val="tx1"/>
@@ -30,7 +47,7 @@
         <a:cs typeface="+mn-cs"/>
       </a:defRPr>
     </a:lvl1pPr>
-    <a:lvl2pPr marL="457200" algn="l" defTabSz="914400" rtl="0" eaLnBrk="1" latinLnBrk="0" hangingPunct="1">
+    <a:lvl2pPr marL="457200" algn="l" defTabSz="457200" rtl="0" eaLnBrk="1" latinLnBrk="0" hangingPunct="1">
       <a:defRPr sz="1800" kern="1200">
         <a:solidFill>
           <a:schemeClr val="tx1"/>
@@ -40,7 +57,7 @@
         <a:cs typeface="+mn-cs"/>
       </a:defRPr>
     </a:lvl2pPr>
-    <a:lvl3pPr marL="914400" algn="l" defTabSz="914400" rtl="0" eaLnBrk="1" latinLnBrk="0" hangingPunct="1">
+    <a:lvl3pPr marL="914400" algn="l" defTabSz="457200" rtl="0" eaLnBrk="1" latinLnBrk="0" hangingPunct="1">
       <a:defRPr sz="1800" kern="1200">
         <a:solidFill>
           <a:schemeClr val="tx1"/>
@@ -50,7 +67,7 @@
         <a:cs typeface="+mn-cs"/>
       </a:defRPr>
     </a:lvl3pPr>
-    <a:lvl4pPr marL="1371600" algn="l" defTabSz="914400" rtl="0" eaLnBrk="1" latinLnBrk="0" hangingPunct="1">
+    <a:lvl4pPr marL="1371600" algn="l" defTabSz="457200" rtl="0" eaLnBrk="1" latinLnBrk="0" hangingPunct="1">
       <a:defRPr sz="1800" kern="1200">
         <a:solidFill>
           <a:schemeClr val="tx1"/>
@@ -60,7 +77,7 @@
         <a:cs typeface="+mn-cs"/>
       </a:defRPr>
     </a:lvl4pPr>
-    <a:lvl5pPr marL="1828800" algn="l" defTabSz="914400" rtl="0" eaLnBrk="1" latinLnBrk="0" hangingPunct="1">
+    <a:lvl5pPr marL="1828800" algn="l" defTabSz="457200" rtl="0" eaLnBrk="1" latinLnBrk="0" hangingPunct="1">
       <a:defRPr sz="1800" kern="1200">
         <a:solidFill>
           <a:schemeClr val="tx1"/>
@@ -70,7 +87,7 @@
         <a:cs typeface="+mn-cs"/>
       </a:defRPr>
     </a:lvl5pPr>
-    <a:lvl6pPr marL="2286000" algn="l" defTabSz="914400" rtl="0" eaLnBrk="1" latinLnBrk="0" hangingPunct="1">
+    <a:lvl6pPr marL="2286000" algn="l" defTabSz="457200" rtl="0" eaLnBrk="1" latinLnBrk="0" hangingPunct="1">
       <a:defRPr sz="1800" kern="1200">
         <a:solidFill>
           <a:schemeClr val="tx1"/>
@@ -80,7 +97,7 @@
         <a:cs typeface="+mn-cs"/>
       </a:defRPr>
     </a:lvl6pPr>
-    <a:lvl7pPr marL="2743200" algn="l" defTabSz="914400" rtl="0" eaLnBrk="1" latinLnBrk="0" hangingPunct="1">
+    <a:lvl7pPr marL="2743200" algn="l" defTabSz="457200" rtl="0" eaLnBrk="1" latinLnBrk="0" hangingPunct="1">
       <a:defRPr sz="1800" kern="1200">
         <a:solidFill>
           <a:schemeClr val="tx1"/>
@@ -90,7 +107,7 @@
         <a:cs typeface="+mn-cs"/>
       </a:defRPr>
     </a:lvl7pPr>
-    <a:lvl8pPr marL="3200400" algn="l" defTabSz="914400" rtl="0" eaLnBrk="1" latinLnBrk="0" hangingPunct="1">
+    <a:lvl8pPr marL="3200400" algn="l" defTabSz="457200" rtl="0" eaLnBrk="1" latinLnBrk="0" hangingPunct="1">
       <a:defRPr sz="1800" kern="1200">
         <a:solidFill>
           <a:schemeClr val="tx1"/>
@@ -100,7 +117,7 @@
         <a:cs typeface="+mn-cs"/>
       </a:defRPr>
     </a:lvl8pPr>
-    <a:lvl9pPr marL="3657600" algn="l" defTabSz="914400" rtl="0" eaLnBrk="1" latinLnBrk="0" hangingPunct="1">
+    <a:lvl9pPr marL="3657600" algn="l" defTabSz="457200" rtl="0" eaLnBrk="1" latinLnBrk="0" hangingPunct="1">
       <a:defRPr sz="1800" kern="1200">
         <a:solidFill>
           <a:schemeClr val="tx1"/>
@@ -119,8 +136,1450 @@
 </p:presentation>
 </file>
 
+<file path=ppt/notesMasters/notesMaster1.xml><?xml version="1.0" encoding="utf-8"?>
+<p:notesMaster xmlns:a="http://schemas.openxmlformats.org/drawingml/2006/main" xmlns:r="http://schemas.openxmlformats.org/officeDocument/2006/relationships" xmlns:p="http://schemas.openxmlformats.org/presentationml/2006/main">
+  <p:cSld>
+    <p:bg>
+      <p:bgRef idx="1001">
+        <a:schemeClr val="bg1"/>
+      </p:bgRef>
+    </p:bg>
+    <p:spTree>
+      <p:nvGrpSpPr>
+        <p:cNvPr id="1" name=""/>
+        <p:cNvGrpSpPr/>
+        <p:nvPr/>
+      </p:nvGrpSpPr>
+      <p:grpSpPr>
+        <a:xfrm>
+          <a:off x="0" y="0"/>
+          <a:ext cx="0" cy="0"/>
+          <a:chOff x="0" y="0"/>
+          <a:chExt cx="0" cy="0"/>
+        </a:xfrm>
+      </p:grpSpPr>
+      <p:sp>
+        <p:nvSpPr>
+          <p:cNvPr id="2" name="Espaço Reservado para Cabeçalho 1"/>
+          <p:cNvSpPr>
+            <a:spLocks noGrp="1"/>
+          </p:cNvSpPr>
+          <p:nvPr>
+            <p:ph type="hdr" sz="quarter"/>
+          </p:nvPr>
+        </p:nvSpPr>
+        <p:spPr>
+          <a:xfrm>
+            <a:off x="0" y="0"/>
+            <a:ext cx="2971800" cy="458788"/>
+          </a:xfrm>
+          <a:prstGeom prst="rect">
+            <a:avLst/>
+          </a:prstGeom>
+        </p:spPr>
+        <p:txBody>
+          <a:bodyPr vert="horz" lIns="91440" tIns="45720" rIns="91440" bIns="45720" rtlCol="0"/>
+          <a:lstStyle>
+            <a:lvl1pPr algn="l">
+              <a:defRPr sz="1200"/>
+            </a:lvl1pPr>
+          </a:lstStyle>
+          <a:p>
+            <a:endParaRPr lang="pt-BR"/>
+          </a:p>
+        </p:txBody>
+      </p:sp>
+      <p:sp>
+        <p:nvSpPr>
+          <p:cNvPr id="3" name="Espaço Reservado para Data 2"/>
+          <p:cNvSpPr>
+            <a:spLocks noGrp="1"/>
+          </p:cNvSpPr>
+          <p:nvPr>
+            <p:ph type="dt" idx="1"/>
+          </p:nvPr>
+        </p:nvSpPr>
+        <p:spPr>
+          <a:xfrm>
+            <a:off x="3884613" y="0"/>
+            <a:ext cx="2971800" cy="458788"/>
+          </a:xfrm>
+          <a:prstGeom prst="rect">
+            <a:avLst/>
+          </a:prstGeom>
+        </p:spPr>
+        <p:txBody>
+          <a:bodyPr vert="horz" lIns="91440" tIns="45720" rIns="91440" bIns="45720" rtlCol="0"/>
+          <a:lstStyle>
+            <a:lvl1pPr algn="r">
+              <a:defRPr sz="1200"/>
+            </a:lvl1pPr>
+          </a:lstStyle>
+          <a:p>
+            <a:fld id="{7BE5F2B4-302C-40F1-87F6-1DD0D7C29049}" type="datetimeFigureOut">
+              <a:rPr lang="pt-BR" smtClean="0"/>
+              <a:t>22/01/2024</a:t>
+            </a:fld>
+            <a:endParaRPr lang="pt-BR"/>
+          </a:p>
+        </p:txBody>
+      </p:sp>
+      <p:sp>
+        <p:nvSpPr>
+          <p:cNvPr id="4" name="Espaço Reservado para Imagem de Slide 3"/>
+          <p:cNvSpPr>
+            <a:spLocks noGrp="1" noRot="1" noChangeAspect="1"/>
+          </p:cNvSpPr>
+          <p:nvPr>
+            <p:ph type="sldImg" idx="2"/>
+          </p:nvPr>
+        </p:nvSpPr>
+        <p:spPr>
+          <a:xfrm>
+            <a:off x="685800" y="1143000"/>
+            <a:ext cx="5486400" cy="3086100"/>
+          </a:xfrm>
+          <a:prstGeom prst="rect">
+            <a:avLst/>
+          </a:prstGeom>
+          <a:noFill/>
+          <a:ln w="12700">
+            <a:solidFill>
+              <a:prstClr val="black"/>
+            </a:solidFill>
+          </a:ln>
+        </p:spPr>
+        <p:txBody>
+          <a:bodyPr vert="horz" lIns="91440" tIns="45720" rIns="91440" bIns="45720" rtlCol="0" anchor="ctr"/>
+          <a:lstStyle/>
+          <a:p>
+            <a:endParaRPr lang="pt-BR"/>
+          </a:p>
+        </p:txBody>
+      </p:sp>
+      <p:sp>
+        <p:nvSpPr>
+          <p:cNvPr id="5" name="Espaço Reservado para Anotações 4"/>
+          <p:cNvSpPr>
+            <a:spLocks noGrp="1"/>
+          </p:cNvSpPr>
+          <p:nvPr>
+            <p:ph type="body" sz="quarter" idx="3"/>
+          </p:nvPr>
+        </p:nvSpPr>
+        <p:spPr>
+          <a:xfrm>
+            <a:off x="685800" y="4400550"/>
+            <a:ext cx="5486400" cy="3600450"/>
+          </a:xfrm>
+          <a:prstGeom prst="rect">
+            <a:avLst/>
+          </a:prstGeom>
+        </p:spPr>
+        <p:txBody>
+          <a:bodyPr vert="horz" lIns="91440" tIns="45720" rIns="91440" bIns="45720" rtlCol="0"/>
+          <a:lstStyle/>
+          <a:p>
+            <a:pPr lvl="0"/>
+            <a:r>
+              <a:rPr lang="pt-BR" smtClean="0"/>
+              <a:t>Editar estilos de texto Mestre</a:t>
+            </a:r>
+          </a:p>
+          <a:p>
+            <a:pPr lvl="1"/>
+            <a:r>
+              <a:rPr lang="pt-BR" smtClean="0"/>
+              <a:t>Segundo nível</a:t>
+            </a:r>
+          </a:p>
+          <a:p>
+            <a:pPr lvl="2"/>
+            <a:r>
+              <a:rPr lang="pt-BR" smtClean="0"/>
+              <a:t>Terceiro nível</a:t>
+            </a:r>
+          </a:p>
+          <a:p>
+            <a:pPr lvl="3"/>
+            <a:r>
+              <a:rPr lang="pt-BR" smtClean="0"/>
+              <a:t>Quarto nível</a:t>
+            </a:r>
+          </a:p>
+          <a:p>
+            <a:pPr lvl="4"/>
+            <a:r>
+              <a:rPr lang="pt-BR" smtClean="0"/>
+              <a:t>Quinto nível</a:t>
+            </a:r>
+            <a:endParaRPr lang="pt-BR"/>
+          </a:p>
+        </p:txBody>
+      </p:sp>
+      <p:sp>
+        <p:nvSpPr>
+          <p:cNvPr id="6" name="Espaço Reservado para Rodapé 5"/>
+          <p:cNvSpPr>
+            <a:spLocks noGrp="1"/>
+          </p:cNvSpPr>
+          <p:nvPr>
+            <p:ph type="ftr" sz="quarter" idx="4"/>
+          </p:nvPr>
+        </p:nvSpPr>
+        <p:spPr>
+          <a:xfrm>
+            <a:off x="0" y="8685213"/>
+            <a:ext cx="2971800" cy="458787"/>
+          </a:xfrm>
+          <a:prstGeom prst="rect">
+            <a:avLst/>
+          </a:prstGeom>
+        </p:spPr>
+        <p:txBody>
+          <a:bodyPr vert="horz" lIns="91440" tIns="45720" rIns="91440" bIns="45720" rtlCol="0" anchor="b"/>
+          <a:lstStyle>
+            <a:lvl1pPr algn="l">
+              <a:defRPr sz="1200"/>
+            </a:lvl1pPr>
+          </a:lstStyle>
+          <a:p>
+            <a:endParaRPr lang="pt-BR"/>
+          </a:p>
+        </p:txBody>
+      </p:sp>
+      <p:sp>
+        <p:nvSpPr>
+          <p:cNvPr id="7" name="Espaço Reservado para Número de Slide 6"/>
+          <p:cNvSpPr>
+            <a:spLocks noGrp="1"/>
+          </p:cNvSpPr>
+          <p:nvPr>
+            <p:ph type="sldNum" sz="quarter" idx="5"/>
+          </p:nvPr>
+        </p:nvSpPr>
+        <p:spPr>
+          <a:xfrm>
+            <a:off x="3884613" y="8685213"/>
+            <a:ext cx="2971800" cy="458787"/>
+          </a:xfrm>
+          <a:prstGeom prst="rect">
+            <a:avLst/>
+          </a:prstGeom>
+        </p:spPr>
+        <p:txBody>
+          <a:bodyPr vert="horz" lIns="91440" tIns="45720" rIns="91440" bIns="45720" rtlCol="0" anchor="b"/>
+          <a:lstStyle>
+            <a:lvl1pPr algn="r">
+              <a:defRPr sz="1200"/>
+            </a:lvl1pPr>
+          </a:lstStyle>
+          <a:p>
+            <a:fld id="{B19B26D6-D95D-4D02-825B-CAF9C310D28B}" type="slidenum">
+              <a:rPr lang="pt-BR" smtClean="0"/>
+              <a:t>‹nº›</a:t>
+            </a:fld>
+            <a:endParaRPr lang="pt-BR"/>
+          </a:p>
+        </p:txBody>
+      </p:sp>
+    </p:spTree>
+    <p:extLst>
+      <p:ext uri="{BB962C8B-B14F-4D97-AF65-F5344CB8AC3E}">
+        <p14:creationId xmlns:p14="http://schemas.microsoft.com/office/powerpoint/2010/main" val="1397184336"/>
+      </p:ext>
+    </p:extLst>
+  </p:cSld>
+  <p:clrMap bg1="lt1" tx1="dk1" bg2="lt2" tx2="dk2" accent1="accent1" accent2="accent2" accent3="accent3" accent4="accent4" accent5="accent5" accent6="accent6" hlink="hlink" folHlink="folHlink"/>
+  <p:notesStyle>
+    <a:lvl1pPr marL="0" algn="l" defTabSz="914400" rtl="0" eaLnBrk="1" latinLnBrk="0" hangingPunct="1">
+      <a:defRPr sz="1200" kern="1200">
+        <a:solidFill>
+          <a:schemeClr val="tx1"/>
+        </a:solidFill>
+        <a:latin typeface="+mn-lt"/>
+        <a:ea typeface="+mn-ea"/>
+        <a:cs typeface="+mn-cs"/>
+      </a:defRPr>
+    </a:lvl1pPr>
+    <a:lvl2pPr marL="457200" algn="l" defTabSz="914400" rtl="0" eaLnBrk="1" latinLnBrk="0" hangingPunct="1">
+      <a:defRPr sz="1200" kern="1200">
+        <a:solidFill>
+          <a:schemeClr val="tx1"/>
+        </a:solidFill>
+        <a:latin typeface="+mn-lt"/>
+        <a:ea typeface="+mn-ea"/>
+        <a:cs typeface="+mn-cs"/>
+      </a:defRPr>
+    </a:lvl2pPr>
+    <a:lvl3pPr marL="914400" algn="l" defTabSz="914400" rtl="0" eaLnBrk="1" latinLnBrk="0" hangingPunct="1">
+      <a:defRPr sz="1200" kern="1200">
+        <a:solidFill>
+          <a:schemeClr val="tx1"/>
+        </a:solidFill>
+        <a:latin typeface="+mn-lt"/>
+        <a:ea typeface="+mn-ea"/>
+        <a:cs typeface="+mn-cs"/>
+      </a:defRPr>
+    </a:lvl3pPr>
+    <a:lvl4pPr marL="1371600" algn="l" defTabSz="914400" rtl="0" eaLnBrk="1" latinLnBrk="0" hangingPunct="1">
+      <a:defRPr sz="1200" kern="1200">
+        <a:solidFill>
+          <a:schemeClr val="tx1"/>
+        </a:solidFill>
+        <a:latin typeface="+mn-lt"/>
+        <a:ea typeface="+mn-ea"/>
+        <a:cs typeface="+mn-cs"/>
+      </a:defRPr>
+    </a:lvl4pPr>
+    <a:lvl5pPr marL="1828800" algn="l" defTabSz="914400" rtl="0" eaLnBrk="1" latinLnBrk="0" hangingPunct="1">
+      <a:defRPr sz="1200" kern="1200">
+        <a:solidFill>
+          <a:schemeClr val="tx1"/>
+        </a:solidFill>
+        <a:latin typeface="+mn-lt"/>
+        <a:ea typeface="+mn-ea"/>
+        <a:cs typeface="+mn-cs"/>
+      </a:defRPr>
+    </a:lvl5pPr>
+    <a:lvl6pPr marL="2286000" algn="l" defTabSz="914400" rtl="0" eaLnBrk="1" latinLnBrk="0" hangingPunct="1">
+      <a:defRPr sz="1200" kern="1200">
+        <a:solidFill>
+          <a:schemeClr val="tx1"/>
+        </a:solidFill>
+        <a:latin typeface="+mn-lt"/>
+        <a:ea typeface="+mn-ea"/>
+        <a:cs typeface="+mn-cs"/>
+      </a:defRPr>
+    </a:lvl6pPr>
+    <a:lvl7pPr marL="2743200" algn="l" defTabSz="914400" rtl="0" eaLnBrk="1" latinLnBrk="0" hangingPunct="1">
+      <a:defRPr sz="1200" kern="1200">
+        <a:solidFill>
+          <a:schemeClr val="tx1"/>
+        </a:solidFill>
+        <a:latin typeface="+mn-lt"/>
+        <a:ea typeface="+mn-ea"/>
+        <a:cs typeface="+mn-cs"/>
+      </a:defRPr>
+    </a:lvl7pPr>
+    <a:lvl8pPr marL="3200400" algn="l" defTabSz="914400" rtl="0" eaLnBrk="1" latinLnBrk="0" hangingPunct="1">
+      <a:defRPr sz="1200" kern="1200">
+        <a:solidFill>
+          <a:schemeClr val="tx1"/>
+        </a:solidFill>
+        <a:latin typeface="+mn-lt"/>
+        <a:ea typeface="+mn-ea"/>
+        <a:cs typeface="+mn-cs"/>
+      </a:defRPr>
+    </a:lvl8pPr>
+    <a:lvl9pPr marL="3657600" algn="l" defTabSz="914400" rtl="0" eaLnBrk="1" latinLnBrk="0" hangingPunct="1">
+      <a:defRPr sz="1200" kern="1200">
+        <a:solidFill>
+          <a:schemeClr val="tx1"/>
+        </a:solidFill>
+        <a:latin typeface="+mn-lt"/>
+        <a:ea typeface="+mn-ea"/>
+        <a:cs typeface="+mn-cs"/>
+      </a:defRPr>
+    </a:lvl9pPr>
+  </p:notesStyle>
+</p:notesMaster>
+</file>
+
+<file path=ppt/notesSlides/notesSlide1.xml><?xml version="1.0" encoding="utf-8"?>
+<p:notes xmlns:a="http://schemas.openxmlformats.org/drawingml/2006/main" xmlns:r="http://schemas.openxmlformats.org/officeDocument/2006/relationships" xmlns:p="http://schemas.openxmlformats.org/presentationml/2006/main">
+  <p:cSld>
+    <p:spTree>
+      <p:nvGrpSpPr>
+        <p:cNvPr id="1" name=""/>
+        <p:cNvGrpSpPr/>
+        <p:nvPr/>
+      </p:nvGrpSpPr>
+      <p:grpSpPr>
+        <a:xfrm>
+          <a:off x="0" y="0"/>
+          <a:ext cx="0" cy="0"/>
+          <a:chOff x="0" y="0"/>
+          <a:chExt cx="0" cy="0"/>
+        </a:xfrm>
+      </p:grpSpPr>
+      <p:sp>
+        <p:nvSpPr>
+          <p:cNvPr id="2" name="Espaço Reservado para Imagem de Slide 1"/>
+          <p:cNvSpPr>
+            <a:spLocks noGrp="1" noRot="1" noChangeAspect="1"/>
+          </p:cNvSpPr>
+          <p:nvPr>
+            <p:ph type="sldImg"/>
+          </p:nvPr>
+        </p:nvSpPr>
+        <p:spPr/>
+      </p:sp>
+      <p:sp>
+        <p:nvSpPr>
+          <p:cNvPr id="3" name="Espaço Reservado para Anotações 2"/>
+          <p:cNvSpPr>
+            <a:spLocks noGrp="1"/>
+          </p:cNvSpPr>
+          <p:nvPr>
+            <p:ph type="body" idx="1"/>
+          </p:nvPr>
+        </p:nvSpPr>
+        <p:spPr/>
+        <p:txBody>
+          <a:bodyPr/>
+          <a:lstStyle/>
+          <a:p>
+            <a:endParaRPr lang="pt-BR" dirty="0"/>
+          </a:p>
+        </p:txBody>
+      </p:sp>
+      <p:sp>
+        <p:nvSpPr>
+          <p:cNvPr id="4" name="Espaço Reservado para Número de Slide 3"/>
+          <p:cNvSpPr>
+            <a:spLocks noGrp="1"/>
+          </p:cNvSpPr>
+          <p:nvPr>
+            <p:ph type="sldNum" sz="quarter" idx="10"/>
+          </p:nvPr>
+        </p:nvSpPr>
+        <p:spPr/>
+        <p:txBody>
+          <a:bodyPr/>
+          <a:lstStyle/>
+          <a:p>
+            <a:fld id="{B19B26D6-D95D-4D02-825B-CAF9C310D28B}" type="slidenum">
+              <a:rPr lang="pt-BR" smtClean="0"/>
+              <a:t>9</a:t>
+            </a:fld>
+            <a:endParaRPr lang="pt-BR"/>
+          </a:p>
+        </p:txBody>
+      </p:sp>
+    </p:spTree>
+    <p:extLst>
+      <p:ext uri="{BB962C8B-B14F-4D97-AF65-F5344CB8AC3E}">
+        <p14:creationId xmlns:p14="http://schemas.microsoft.com/office/powerpoint/2010/main" val="2954100596"/>
+      </p:ext>
+    </p:extLst>
+  </p:cSld>
+  <p:clrMapOvr>
+    <a:masterClrMapping/>
+  </p:clrMapOvr>
+</p:notes>
+</file>
+
+<file path=ppt/notesSlides/notesSlide10.xml><?xml version="1.0" encoding="utf-8"?>
+<p:notes xmlns:a="http://schemas.openxmlformats.org/drawingml/2006/main" xmlns:r="http://schemas.openxmlformats.org/officeDocument/2006/relationships" xmlns:p="http://schemas.openxmlformats.org/presentationml/2006/main">
+  <p:cSld>
+    <p:spTree>
+      <p:nvGrpSpPr>
+        <p:cNvPr id="1" name=""/>
+        <p:cNvGrpSpPr/>
+        <p:nvPr/>
+      </p:nvGrpSpPr>
+      <p:grpSpPr>
+        <a:xfrm>
+          <a:off x="0" y="0"/>
+          <a:ext cx="0" cy="0"/>
+          <a:chOff x="0" y="0"/>
+          <a:chExt cx="0" cy="0"/>
+        </a:xfrm>
+      </p:grpSpPr>
+      <p:sp>
+        <p:nvSpPr>
+          <p:cNvPr id="2" name="Espaço Reservado para Imagem de Slide 1"/>
+          <p:cNvSpPr>
+            <a:spLocks noGrp="1" noRot="1" noChangeAspect="1"/>
+          </p:cNvSpPr>
+          <p:nvPr>
+            <p:ph type="sldImg"/>
+          </p:nvPr>
+        </p:nvSpPr>
+        <p:spPr/>
+      </p:sp>
+      <p:sp>
+        <p:nvSpPr>
+          <p:cNvPr id="3" name="Espaço Reservado para Anotações 2"/>
+          <p:cNvSpPr>
+            <a:spLocks noGrp="1"/>
+          </p:cNvSpPr>
+          <p:nvPr>
+            <p:ph type="body" idx="1"/>
+          </p:nvPr>
+        </p:nvSpPr>
+        <p:spPr/>
+        <p:txBody>
+          <a:bodyPr/>
+          <a:lstStyle/>
+          <a:p>
+            <a:endParaRPr lang="pt-BR" dirty="0"/>
+          </a:p>
+        </p:txBody>
+      </p:sp>
+      <p:sp>
+        <p:nvSpPr>
+          <p:cNvPr id="4" name="Espaço Reservado para Número de Slide 3"/>
+          <p:cNvSpPr>
+            <a:spLocks noGrp="1"/>
+          </p:cNvSpPr>
+          <p:nvPr>
+            <p:ph type="sldNum" sz="quarter" idx="10"/>
+          </p:nvPr>
+        </p:nvSpPr>
+        <p:spPr/>
+        <p:txBody>
+          <a:bodyPr/>
+          <a:lstStyle/>
+          <a:p>
+            <a:fld id="{B19B26D6-D95D-4D02-825B-CAF9C310D28B}" type="slidenum">
+              <a:rPr lang="pt-BR" smtClean="0"/>
+              <a:t>18</a:t>
+            </a:fld>
+            <a:endParaRPr lang="pt-BR"/>
+          </a:p>
+        </p:txBody>
+      </p:sp>
+    </p:spTree>
+    <p:extLst>
+      <p:ext uri="{BB962C8B-B14F-4D97-AF65-F5344CB8AC3E}">
+        <p14:creationId xmlns:p14="http://schemas.microsoft.com/office/powerpoint/2010/main" val="3383046615"/>
+      </p:ext>
+    </p:extLst>
+  </p:cSld>
+  <p:clrMapOvr>
+    <a:masterClrMapping/>
+  </p:clrMapOvr>
+</p:notes>
+</file>
+
+<file path=ppt/notesSlides/notesSlide11.xml><?xml version="1.0" encoding="utf-8"?>
+<p:notes xmlns:a="http://schemas.openxmlformats.org/drawingml/2006/main" xmlns:r="http://schemas.openxmlformats.org/officeDocument/2006/relationships" xmlns:p="http://schemas.openxmlformats.org/presentationml/2006/main">
+  <p:cSld>
+    <p:spTree>
+      <p:nvGrpSpPr>
+        <p:cNvPr id="1" name=""/>
+        <p:cNvGrpSpPr/>
+        <p:nvPr/>
+      </p:nvGrpSpPr>
+      <p:grpSpPr>
+        <a:xfrm>
+          <a:off x="0" y="0"/>
+          <a:ext cx="0" cy="0"/>
+          <a:chOff x="0" y="0"/>
+          <a:chExt cx="0" cy="0"/>
+        </a:xfrm>
+      </p:grpSpPr>
+      <p:sp>
+        <p:nvSpPr>
+          <p:cNvPr id="2" name="Espaço Reservado para Imagem de Slide 1"/>
+          <p:cNvSpPr>
+            <a:spLocks noGrp="1" noRot="1" noChangeAspect="1"/>
+          </p:cNvSpPr>
+          <p:nvPr>
+            <p:ph type="sldImg"/>
+          </p:nvPr>
+        </p:nvSpPr>
+        <p:spPr/>
+      </p:sp>
+      <p:sp>
+        <p:nvSpPr>
+          <p:cNvPr id="3" name="Espaço Reservado para Anotações 2"/>
+          <p:cNvSpPr>
+            <a:spLocks noGrp="1"/>
+          </p:cNvSpPr>
+          <p:nvPr>
+            <p:ph type="body" idx="1"/>
+          </p:nvPr>
+        </p:nvSpPr>
+        <p:spPr/>
+        <p:txBody>
+          <a:bodyPr/>
+          <a:lstStyle/>
+          <a:p>
+            <a:endParaRPr lang="pt-BR" dirty="0"/>
+          </a:p>
+        </p:txBody>
+      </p:sp>
+      <p:sp>
+        <p:nvSpPr>
+          <p:cNvPr id="4" name="Espaço Reservado para Número de Slide 3"/>
+          <p:cNvSpPr>
+            <a:spLocks noGrp="1"/>
+          </p:cNvSpPr>
+          <p:nvPr>
+            <p:ph type="sldNum" sz="quarter" idx="10"/>
+          </p:nvPr>
+        </p:nvSpPr>
+        <p:spPr/>
+        <p:txBody>
+          <a:bodyPr/>
+          <a:lstStyle/>
+          <a:p>
+            <a:fld id="{B19B26D6-D95D-4D02-825B-CAF9C310D28B}" type="slidenum">
+              <a:rPr lang="pt-BR" smtClean="0"/>
+              <a:t>19</a:t>
+            </a:fld>
+            <a:endParaRPr lang="pt-BR"/>
+          </a:p>
+        </p:txBody>
+      </p:sp>
+    </p:spTree>
+    <p:extLst>
+      <p:ext uri="{BB962C8B-B14F-4D97-AF65-F5344CB8AC3E}">
+        <p14:creationId xmlns:p14="http://schemas.microsoft.com/office/powerpoint/2010/main" val="1478723484"/>
+      </p:ext>
+    </p:extLst>
+  </p:cSld>
+  <p:clrMapOvr>
+    <a:masterClrMapping/>
+  </p:clrMapOvr>
+</p:notes>
+</file>
+
+<file path=ppt/notesSlides/notesSlide12.xml><?xml version="1.0" encoding="utf-8"?>
+<p:notes xmlns:a="http://schemas.openxmlformats.org/drawingml/2006/main" xmlns:r="http://schemas.openxmlformats.org/officeDocument/2006/relationships" xmlns:p="http://schemas.openxmlformats.org/presentationml/2006/main">
+  <p:cSld>
+    <p:spTree>
+      <p:nvGrpSpPr>
+        <p:cNvPr id="1" name=""/>
+        <p:cNvGrpSpPr/>
+        <p:nvPr/>
+      </p:nvGrpSpPr>
+      <p:grpSpPr>
+        <a:xfrm>
+          <a:off x="0" y="0"/>
+          <a:ext cx="0" cy="0"/>
+          <a:chOff x="0" y="0"/>
+          <a:chExt cx="0" cy="0"/>
+        </a:xfrm>
+      </p:grpSpPr>
+      <p:sp>
+        <p:nvSpPr>
+          <p:cNvPr id="2" name="Espaço Reservado para Imagem de Slide 1"/>
+          <p:cNvSpPr>
+            <a:spLocks noGrp="1" noRot="1" noChangeAspect="1"/>
+          </p:cNvSpPr>
+          <p:nvPr>
+            <p:ph type="sldImg"/>
+          </p:nvPr>
+        </p:nvSpPr>
+        <p:spPr/>
+      </p:sp>
+      <p:sp>
+        <p:nvSpPr>
+          <p:cNvPr id="3" name="Espaço Reservado para Anotações 2"/>
+          <p:cNvSpPr>
+            <a:spLocks noGrp="1"/>
+          </p:cNvSpPr>
+          <p:nvPr>
+            <p:ph type="body" idx="1"/>
+          </p:nvPr>
+        </p:nvSpPr>
+        <p:spPr/>
+        <p:txBody>
+          <a:bodyPr/>
+          <a:lstStyle/>
+          <a:p>
+            <a:endParaRPr lang="pt-BR" dirty="0"/>
+          </a:p>
+        </p:txBody>
+      </p:sp>
+      <p:sp>
+        <p:nvSpPr>
+          <p:cNvPr id="4" name="Espaço Reservado para Número de Slide 3"/>
+          <p:cNvSpPr>
+            <a:spLocks noGrp="1"/>
+          </p:cNvSpPr>
+          <p:nvPr>
+            <p:ph type="sldNum" sz="quarter" idx="10"/>
+          </p:nvPr>
+        </p:nvSpPr>
+        <p:spPr/>
+        <p:txBody>
+          <a:bodyPr/>
+          <a:lstStyle/>
+          <a:p>
+            <a:fld id="{B19B26D6-D95D-4D02-825B-CAF9C310D28B}" type="slidenum">
+              <a:rPr lang="pt-BR" smtClean="0"/>
+              <a:t>21</a:t>
+            </a:fld>
+            <a:endParaRPr lang="pt-BR"/>
+          </a:p>
+        </p:txBody>
+      </p:sp>
+    </p:spTree>
+    <p:extLst>
+      <p:ext uri="{BB962C8B-B14F-4D97-AF65-F5344CB8AC3E}">
+        <p14:creationId xmlns:p14="http://schemas.microsoft.com/office/powerpoint/2010/main" val="4128880498"/>
+      </p:ext>
+    </p:extLst>
+  </p:cSld>
+  <p:clrMapOvr>
+    <a:masterClrMapping/>
+  </p:clrMapOvr>
+</p:notes>
+</file>
+
+<file path=ppt/notesSlides/notesSlide13.xml><?xml version="1.0" encoding="utf-8"?>
+<p:notes xmlns:a="http://schemas.openxmlformats.org/drawingml/2006/main" xmlns:r="http://schemas.openxmlformats.org/officeDocument/2006/relationships" xmlns:p="http://schemas.openxmlformats.org/presentationml/2006/main">
+  <p:cSld>
+    <p:spTree>
+      <p:nvGrpSpPr>
+        <p:cNvPr id="1" name=""/>
+        <p:cNvGrpSpPr/>
+        <p:nvPr/>
+      </p:nvGrpSpPr>
+      <p:grpSpPr>
+        <a:xfrm>
+          <a:off x="0" y="0"/>
+          <a:ext cx="0" cy="0"/>
+          <a:chOff x="0" y="0"/>
+          <a:chExt cx="0" cy="0"/>
+        </a:xfrm>
+      </p:grpSpPr>
+      <p:sp>
+        <p:nvSpPr>
+          <p:cNvPr id="2" name="Espaço Reservado para Imagem de Slide 1"/>
+          <p:cNvSpPr>
+            <a:spLocks noGrp="1" noRot="1" noChangeAspect="1"/>
+          </p:cNvSpPr>
+          <p:nvPr>
+            <p:ph type="sldImg"/>
+          </p:nvPr>
+        </p:nvSpPr>
+        <p:spPr/>
+      </p:sp>
+      <p:sp>
+        <p:nvSpPr>
+          <p:cNvPr id="3" name="Espaço Reservado para Anotações 2"/>
+          <p:cNvSpPr>
+            <a:spLocks noGrp="1"/>
+          </p:cNvSpPr>
+          <p:nvPr>
+            <p:ph type="body" idx="1"/>
+          </p:nvPr>
+        </p:nvSpPr>
+        <p:spPr/>
+        <p:txBody>
+          <a:bodyPr/>
+          <a:lstStyle/>
+          <a:p>
+            <a:endParaRPr lang="pt-BR" dirty="0"/>
+          </a:p>
+        </p:txBody>
+      </p:sp>
+      <p:sp>
+        <p:nvSpPr>
+          <p:cNvPr id="4" name="Espaço Reservado para Número de Slide 3"/>
+          <p:cNvSpPr>
+            <a:spLocks noGrp="1"/>
+          </p:cNvSpPr>
+          <p:nvPr>
+            <p:ph type="sldNum" sz="quarter" idx="10"/>
+          </p:nvPr>
+        </p:nvSpPr>
+        <p:spPr/>
+        <p:txBody>
+          <a:bodyPr/>
+          <a:lstStyle/>
+          <a:p>
+            <a:fld id="{B19B26D6-D95D-4D02-825B-CAF9C310D28B}" type="slidenum">
+              <a:rPr lang="pt-BR" smtClean="0"/>
+              <a:t>22</a:t>
+            </a:fld>
+            <a:endParaRPr lang="pt-BR"/>
+          </a:p>
+        </p:txBody>
+      </p:sp>
+    </p:spTree>
+    <p:extLst>
+      <p:ext uri="{BB962C8B-B14F-4D97-AF65-F5344CB8AC3E}">
+        <p14:creationId xmlns:p14="http://schemas.microsoft.com/office/powerpoint/2010/main" val="2899043348"/>
+      </p:ext>
+    </p:extLst>
+  </p:cSld>
+  <p:clrMapOvr>
+    <a:masterClrMapping/>
+  </p:clrMapOvr>
+</p:notes>
+</file>
+
+<file path=ppt/notesSlides/notesSlide2.xml><?xml version="1.0" encoding="utf-8"?>
+<p:notes xmlns:a="http://schemas.openxmlformats.org/drawingml/2006/main" xmlns:r="http://schemas.openxmlformats.org/officeDocument/2006/relationships" xmlns:p="http://schemas.openxmlformats.org/presentationml/2006/main">
+  <p:cSld>
+    <p:spTree>
+      <p:nvGrpSpPr>
+        <p:cNvPr id="1" name=""/>
+        <p:cNvGrpSpPr/>
+        <p:nvPr/>
+      </p:nvGrpSpPr>
+      <p:grpSpPr>
+        <a:xfrm>
+          <a:off x="0" y="0"/>
+          <a:ext cx="0" cy="0"/>
+          <a:chOff x="0" y="0"/>
+          <a:chExt cx="0" cy="0"/>
+        </a:xfrm>
+      </p:grpSpPr>
+      <p:sp>
+        <p:nvSpPr>
+          <p:cNvPr id="2" name="Espaço Reservado para Imagem de Slide 1"/>
+          <p:cNvSpPr>
+            <a:spLocks noGrp="1" noRot="1" noChangeAspect="1"/>
+          </p:cNvSpPr>
+          <p:nvPr>
+            <p:ph type="sldImg"/>
+          </p:nvPr>
+        </p:nvSpPr>
+        <p:spPr/>
+      </p:sp>
+      <p:sp>
+        <p:nvSpPr>
+          <p:cNvPr id="3" name="Espaço Reservado para Anotações 2"/>
+          <p:cNvSpPr>
+            <a:spLocks noGrp="1"/>
+          </p:cNvSpPr>
+          <p:nvPr>
+            <p:ph type="body" idx="1"/>
+          </p:nvPr>
+        </p:nvSpPr>
+        <p:spPr/>
+        <p:txBody>
+          <a:bodyPr/>
+          <a:lstStyle/>
+          <a:p>
+            <a:endParaRPr lang="pt-BR" dirty="0"/>
+          </a:p>
+        </p:txBody>
+      </p:sp>
+      <p:sp>
+        <p:nvSpPr>
+          <p:cNvPr id="4" name="Espaço Reservado para Número de Slide 3"/>
+          <p:cNvSpPr>
+            <a:spLocks noGrp="1"/>
+          </p:cNvSpPr>
+          <p:nvPr>
+            <p:ph type="sldNum" sz="quarter" idx="10"/>
+          </p:nvPr>
+        </p:nvSpPr>
+        <p:spPr/>
+        <p:txBody>
+          <a:bodyPr/>
+          <a:lstStyle/>
+          <a:p>
+            <a:fld id="{B19B26D6-D95D-4D02-825B-CAF9C310D28B}" type="slidenum">
+              <a:rPr lang="pt-BR" smtClean="0"/>
+              <a:t>10</a:t>
+            </a:fld>
+            <a:endParaRPr lang="pt-BR"/>
+          </a:p>
+        </p:txBody>
+      </p:sp>
+    </p:spTree>
+    <p:extLst>
+      <p:ext uri="{BB962C8B-B14F-4D97-AF65-F5344CB8AC3E}">
+        <p14:creationId xmlns:p14="http://schemas.microsoft.com/office/powerpoint/2010/main" val="728836037"/>
+      </p:ext>
+    </p:extLst>
+  </p:cSld>
+  <p:clrMapOvr>
+    <a:masterClrMapping/>
+  </p:clrMapOvr>
+</p:notes>
+</file>
+
+<file path=ppt/notesSlides/notesSlide3.xml><?xml version="1.0" encoding="utf-8"?>
+<p:notes xmlns:a="http://schemas.openxmlformats.org/drawingml/2006/main" xmlns:r="http://schemas.openxmlformats.org/officeDocument/2006/relationships" xmlns:p="http://schemas.openxmlformats.org/presentationml/2006/main">
+  <p:cSld>
+    <p:spTree>
+      <p:nvGrpSpPr>
+        <p:cNvPr id="1" name=""/>
+        <p:cNvGrpSpPr/>
+        <p:nvPr/>
+      </p:nvGrpSpPr>
+      <p:grpSpPr>
+        <a:xfrm>
+          <a:off x="0" y="0"/>
+          <a:ext cx="0" cy="0"/>
+          <a:chOff x="0" y="0"/>
+          <a:chExt cx="0" cy="0"/>
+        </a:xfrm>
+      </p:grpSpPr>
+      <p:sp>
+        <p:nvSpPr>
+          <p:cNvPr id="2" name="Espaço Reservado para Imagem de Slide 1"/>
+          <p:cNvSpPr>
+            <a:spLocks noGrp="1" noRot="1" noChangeAspect="1"/>
+          </p:cNvSpPr>
+          <p:nvPr>
+            <p:ph type="sldImg"/>
+          </p:nvPr>
+        </p:nvSpPr>
+        <p:spPr/>
+      </p:sp>
+      <p:sp>
+        <p:nvSpPr>
+          <p:cNvPr id="3" name="Espaço Reservado para Anotações 2"/>
+          <p:cNvSpPr>
+            <a:spLocks noGrp="1"/>
+          </p:cNvSpPr>
+          <p:nvPr>
+            <p:ph type="body" idx="1"/>
+          </p:nvPr>
+        </p:nvSpPr>
+        <p:spPr/>
+        <p:txBody>
+          <a:bodyPr/>
+          <a:lstStyle/>
+          <a:p>
+            <a:endParaRPr lang="pt-BR" dirty="0"/>
+          </a:p>
+        </p:txBody>
+      </p:sp>
+      <p:sp>
+        <p:nvSpPr>
+          <p:cNvPr id="4" name="Espaço Reservado para Número de Slide 3"/>
+          <p:cNvSpPr>
+            <a:spLocks noGrp="1"/>
+          </p:cNvSpPr>
+          <p:nvPr>
+            <p:ph type="sldNum" sz="quarter" idx="10"/>
+          </p:nvPr>
+        </p:nvSpPr>
+        <p:spPr/>
+        <p:txBody>
+          <a:bodyPr/>
+          <a:lstStyle/>
+          <a:p>
+            <a:fld id="{B19B26D6-D95D-4D02-825B-CAF9C310D28B}" type="slidenum">
+              <a:rPr lang="pt-BR" smtClean="0"/>
+              <a:t>11</a:t>
+            </a:fld>
+            <a:endParaRPr lang="pt-BR"/>
+          </a:p>
+        </p:txBody>
+      </p:sp>
+    </p:spTree>
+    <p:extLst>
+      <p:ext uri="{BB962C8B-B14F-4D97-AF65-F5344CB8AC3E}">
+        <p14:creationId xmlns:p14="http://schemas.microsoft.com/office/powerpoint/2010/main" val="4238167450"/>
+      </p:ext>
+    </p:extLst>
+  </p:cSld>
+  <p:clrMapOvr>
+    <a:masterClrMapping/>
+  </p:clrMapOvr>
+</p:notes>
+</file>
+
+<file path=ppt/notesSlides/notesSlide4.xml><?xml version="1.0" encoding="utf-8"?>
+<p:notes xmlns:a="http://schemas.openxmlformats.org/drawingml/2006/main" xmlns:r="http://schemas.openxmlformats.org/officeDocument/2006/relationships" xmlns:p="http://schemas.openxmlformats.org/presentationml/2006/main">
+  <p:cSld>
+    <p:spTree>
+      <p:nvGrpSpPr>
+        <p:cNvPr id="1" name=""/>
+        <p:cNvGrpSpPr/>
+        <p:nvPr/>
+      </p:nvGrpSpPr>
+      <p:grpSpPr>
+        <a:xfrm>
+          <a:off x="0" y="0"/>
+          <a:ext cx="0" cy="0"/>
+          <a:chOff x="0" y="0"/>
+          <a:chExt cx="0" cy="0"/>
+        </a:xfrm>
+      </p:grpSpPr>
+      <p:sp>
+        <p:nvSpPr>
+          <p:cNvPr id="2" name="Espaço Reservado para Imagem de Slide 1"/>
+          <p:cNvSpPr>
+            <a:spLocks noGrp="1" noRot="1" noChangeAspect="1"/>
+          </p:cNvSpPr>
+          <p:nvPr>
+            <p:ph type="sldImg"/>
+          </p:nvPr>
+        </p:nvSpPr>
+        <p:spPr/>
+      </p:sp>
+      <p:sp>
+        <p:nvSpPr>
+          <p:cNvPr id="3" name="Espaço Reservado para Anotações 2"/>
+          <p:cNvSpPr>
+            <a:spLocks noGrp="1"/>
+          </p:cNvSpPr>
+          <p:nvPr>
+            <p:ph type="body" idx="1"/>
+          </p:nvPr>
+        </p:nvSpPr>
+        <p:spPr/>
+        <p:txBody>
+          <a:bodyPr/>
+          <a:lstStyle/>
+          <a:p>
+            <a:endParaRPr lang="pt-BR" dirty="0"/>
+          </a:p>
+        </p:txBody>
+      </p:sp>
+      <p:sp>
+        <p:nvSpPr>
+          <p:cNvPr id="4" name="Espaço Reservado para Número de Slide 3"/>
+          <p:cNvSpPr>
+            <a:spLocks noGrp="1"/>
+          </p:cNvSpPr>
+          <p:nvPr>
+            <p:ph type="sldNum" sz="quarter" idx="10"/>
+          </p:nvPr>
+        </p:nvSpPr>
+        <p:spPr/>
+        <p:txBody>
+          <a:bodyPr/>
+          <a:lstStyle/>
+          <a:p>
+            <a:fld id="{B19B26D6-D95D-4D02-825B-CAF9C310D28B}" type="slidenum">
+              <a:rPr lang="pt-BR" smtClean="0"/>
+              <a:t>12</a:t>
+            </a:fld>
+            <a:endParaRPr lang="pt-BR"/>
+          </a:p>
+        </p:txBody>
+      </p:sp>
+    </p:spTree>
+    <p:extLst>
+      <p:ext uri="{BB962C8B-B14F-4D97-AF65-F5344CB8AC3E}">
+        <p14:creationId xmlns:p14="http://schemas.microsoft.com/office/powerpoint/2010/main" val="2502024259"/>
+      </p:ext>
+    </p:extLst>
+  </p:cSld>
+  <p:clrMapOvr>
+    <a:masterClrMapping/>
+  </p:clrMapOvr>
+</p:notes>
+</file>
+
+<file path=ppt/notesSlides/notesSlide5.xml><?xml version="1.0" encoding="utf-8"?>
+<p:notes xmlns:a="http://schemas.openxmlformats.org/drawingml/2006/main" xmlns:r="http://schemas.openxmlformats.org/officeDocument/2006/relationships" xmlns:p="http://schemas.openxmlformats.org/presentationml/2006/main">
+  <p:cSld>
+    <p:spTree>
+      <p:nvGrpSpPr>
+        <p:cNvPr id="1" name=""/>
+        <p:cNvGrpSpPr/>
+        <p:nvPr/>
+      </p:nvGrpSpPr>
+      <p:grpSpPr>
+        <a:xfrm>
+          <a:off x="0" y="0"/>
+          <a:ext cx="0" cy="0"/>
+          <a:chOff x="0" y="0"/>
+          <a:chExt cx="0" cy="0"/>
+        </a:xfrm>
+      </p:grpSpPr>
+      <p:sp>
+        <p:nvSpPr>
+          <p:cNvPr id="2" name="Espaço Reservado para Imagem de Slide 1"/>
+          <p:cNvSpPr>
+            <a:spLocks noGrp="1" noRot="1" noChangeAspect="1"/>
+          </p:cNvSpPr>
+          <p:nvPr>
+            <p:ph type="sldImg"/>
+          </p:nvPr>
+        </p:nvSpPr>
+        <p:spPr/>
+      </p:sp>
+      <p:sp>
+        <p:nvSpPr>
+          <p:cNvPr id="3" name="Espaço Reservado para Anotações 2"/>
+          <p:cNvSpPr>
+            <a:spLocks noGrp="1"/>
+          </p:cNvSpPr>
+          <p:nvPr>
+            <p:ph type="body" idx="1"/>
+          </p:nvPr>
+        </p:nvSpPr>
+        <p:spPr/>
+        <p:txBody>
+          <a:bodyPr/>
+          <a:lstStyle/>
+          <a:p>
+            <a:endParaRPr lang="pt-BR" dirty="0"/>
+          </a:p>
+        </p:txBody>
+      </p:sp>
+      <p:sp>
+        <p:nvSpPr>
+          <p:cNvPr id="4" name="Espaço Reservado para Número de Slide 3"/>
+          <p:cNvSpPr>
+            <a:spLocks noGrp="1"/>
+          </p:cNvSpPr>
+          <p:nvPr>
+            <p:ph type="sldNum" sz="quarter" idx="10"/>
+          </p:nvPr>
+        </p:nvSpPr>
+        <p:spPr/>
+        <p:txBody>
+          <a:bodyPr/>
+          <a:lstStyle/>
+          <a:p>
+            <a:fld id="{B19B26D6-D95D-4D02-825B-CAF9C310D28B}" type="slidenum">
+              <a:rPr lang="pt-BR" smtClean="0"/>
+              <a:t>13</a:t>
+            </a:fld>
+            <a:endParaRPr lang="pt-BR"/>
+          </a:p>
+        </p:txBody>
+      </p:sp>
+    </p:spTree>
+    <p:extLst>
+      <p:ext uri="{BB962C8B-B14F-4D97-AF65-F5344CB8AC3E}">
+        <p14:creationId xmlns:p14="http://schemas.microsoft.com/office/powerpoint/2010/main" val="2384370859"/>
+      </p:ext>
+    </p:extLst>
+  </p:cSld>
+  <p:clrMapOvr>
+    <a:masterClrMapping/>
+  </p:clrMapOvr>
+</p:notes>
+</file>
+
+<file path=ppt/notesSlides/notesSlide6.xml><?xml version="1.0" encoding="utf-8"?>
+<p:notes xmlns:a="http://schemas.openxmlformats.org/drawingml/2006/main" xmlns:r="http://schemas.openxmlformats.org/officeDocument/2006/relationships" xmlns:p="http://schemas.openxmlformats.org/presentationml/2006/main">
+  <p:cSld>
+    <p:spTree>
+      <p:nvGrpSpPr>
+        <p:cNvPr id="1" name=""/>
+        <p:cNvGrpSpPr/>
+        <p:nvPr/>
+      </p:nvGrpSpPr>
+      <p:grpSpPr>
+        <a:xfrm>
+          <a:off x="0" y="0"/>
+          <a:ext cx="0" cy="0"/>
+          <a:chOff x="0" y="0"/>
+          <a:chExt cx="0" cy="0"/>
+        </a:xfrm>
+      </p:grpSpPr>
+      <p:sp>
+        <p:nvSpPr>
+          <p:cNvPr id="2" name="Espaço Reservado para Imagem de Slide 1"/>
+          <p:cNvSpPr>
+            <a:spLocks noGrp="1" noRot="1" noChangeAspect="1"/>
+          </p:cNvSpPr>
+          <p:nvPr>
+            <p:ph type="sldImg"/>
+          </p:nvPr>
+        </p:nvSpPr>
+        <p:spPr/>
+      </p:sp>
+      <p:sp>
+        <p:nvSpPr>
+          <p:cNvPr id="3" name="Espaço Reservado para Anotações 2"/>
+          <p:cNvSpPr>
+            <a:spLocks noGrp="1"/>
+          </p:cNvSpPr>
+          <p:nvPr>
+            <p:ph type="body" idx="1"/>
+          </p:nvPr>
+        </p:nvSpPr>
+        <p:spPr/>
+        <p:txBody>
+          <a:bodyPr/>
+          <a:lstStyle/>
+          <a:p>
+            <a:endParaRPr lang="pt-BR" dirty="0"/>
+          </a:p>
+        </p:txBody>
+      </p:sp>
+      <p:sp>
+        <p:nvSpPr>
+          <p:cNvPr id="4" name="Espaço Reservado para Número de Slide 3"/>
+          <p:cNvSpPr>
+            <a:spLocks noGrp="1"/>
+          </p:cNvSpPr>
+          <p:nvPr>
+            <p:ph type="sldNum" sz="quarter" idx="10"/>
+          </p:nvPr>
+        </p:nvSpPr>
+        <p:spPr/>
+        <p:txBody>
+          <a:bodyPr/>
+          <a:lstStyle/>
+          <a:p>
+            <a:fld id="{B19B26D6-D95D-4D02-825B-CAF9C310D28B}" type="slidenum">
+              <a:rPr lang="pt-BR" smtClean="0"/>
+              <a:t>14</a:t>
+            </a:fld>
+            <a:endParaRPr lang="pt-BR"/>
+          </a:p>
+        </p:txBody>
+      </p:sp>
+    </p:spTree>
+    <p:extLst>
+      <p:ext uri="{BB962C8B-B14F-4D97-AF65-F5344CB8AC3E}">
+        <p14:creationId xmlns:p14="http://schemas.microsoft.com/office/powerpoint/2010/main" val="2081249863"/>
+      </p:ext>
+    </p:extLst>
+  </p:cSld>
+  <p:clrMapOvr>
+    <a:masterClrMapping/>
+  </p:clrMapOvr>
+</p:notes>
+</file>
+
+<file path=ppt/notesSlides/notesSlide7.xml><?xml version="1.0" encoding="utf-8"?>
+<p:notes xmlns:a="http://schemas.openxmlformats.org/drawingml/2006/main" xmlns:r="http://schemas.openxmlformats.org/officeDocument/2006/relationships" xmlns:p="http://schemas.openxmlformats.org/presentationml/2006/main">
+  <p:cSld>
+    <p:spTree>
+      <p:nvGrpSpPr>
+        <p:cNvPr id="1" name=""/>
+        <p:cNvGrpSpPr/>
+        <p:nvPr/>
+      </p:nvGrpSpPr>
+      <p:grpSpPr>
+        <a:xfrm>
+          <a:off x="0" y="0"/>
+          <a:ext cx="0" cy="0"/>
+          <a:chOff x="0" y="0"/>
+          <a:chExt cx="0" cy="0"/>
+        </a:xfrm>
+      </p:grpSpPr>
+      <p:sp>
+        <p:nvSpPr>
+          <p:cNvPr id="2" name="Espaço Reservado para Imagem de Slide 1"/>
+          <p:cNvSpPr>
+            <a:spLocks noGrp="1" noRot="1" noChangeAspect="1"/>
+          </p:cNvSpPr>
+          <p:nvPr>
+            <p:ph type="sldImg"/>
+          </p:nvPr>
+        </p:nvSpPr>
+        <p:spPr/>
+      </p:sp>
+      <p:sp>
+        <p:nvSpPr>
+          <p:cNvPr id="3" name="Espaço Reservado para Anotações 2"/>
+          <p:cNvSpPr>
+            <a:spLocks noGrp="1"/>
+          </p:cNvSpPr>
+          <p:nvPr>
+            <p:ph type="body" idx="1"/>
+          </p:nvPr>
+        </p:nvSpPr>
+        <p:spPr/>
+        <p:txBody>
+          <a:bodyPr/>
+          <a:lstStyle/>
+          <a:p>
+            <a:endParaRPr lang="pt-BR" dirty="0"/>
+          </a:p>
+        </p:txBody>
+      </p:sp>
+      <p:sp>
+        <p:nvSpPr>
+          <p:cNvPr id="4" name="Espaço Reservado para Número de Slide 3"/>
+          <p:cNvSpPr>
+            <a:spLocks noGrp="1"/>
+          </p:cNvSpPr>
+          <p:nvPr>
+            <p:ph type="sldNum" sz="quarter" idx="10"/>
+          </p:nvPr>
+        </p:nvSpPr>
+        <p:spPr/>
+        <p:txBody>
+          <a:bodyPr/>
+          <a:lstStyle/>
+          <a:p>
+            <a:fld id="{B19B26D6-D95D-4D02-825B-CAF9C310D28B}" type="slidenum">
+              <a:rPr lang="pt-BR" smtClean="0"/>
+              <a:t>15</a:t>
+            </a:fld>
+            <a:endParaRPr lang="pt-BR"/>
+          </a:p>
+        </p:txBody>
+      </p:sp>
+    </p:spTree>
+    <p:extLst>
+      <p:ext uri="{BB962C8B-B14F-4D97-AF65-F5344CB8AC3E}">
+        <p14:creationId xmlns:p14="http://schemas.microsoft.com/office/powerpoint/2010/main" val="181720993"/>
+      </p:ext>
+    </p:extLst>
+  </p:cSld>
+  <p:clrMapOvr>
+    <a:masterClrMapping/>
+  </p:clrMapOvr>
+</p:notes>
+</file>
+
+<file path=ppt/notesSlides/notesSlide8.xml><?xml version="1.0" encoding="utf-8"?>
+<p:notes xmlns:a="http://schemas.openxmlformats.org/drawingml/2006/main" xmlns:r="http://schemas.openxmlformats.org/officeDocument/2006/relationships" xmlns:p="http://schemas.openxmlformats.org/presentationml/2006/main">
+  <p:cSld>
+    <p:spTree>
+      <p:nvGrpSpPr>
+        <p:cNvPr id="1" name=""/>
+        <p:cNvGrpSpPr/>
+        <p:nvPr/>
+      </p:nvGrpSpPr>
+      <p:grpSpPr>
+        <a:xfrm>
+          <a:off x="0" y="0"/>
+          <a:ext cx="0" cy="0"/>
+          <a:chOff x="0" y="0"/>
+          <a:chExt cx="0" cy="0"/>
+        </a:xfrm>
+      </p:grpSpPr>
+      <p:sp>
+        <p:nvSpPr>
+          <p:cNvPr id="2" name="Espaço Reservado para Imagem de Slide 1"/>
+          <p:cNvSpPr>
+            <a:spLocks noGrp="1" noRot="1" noChangeAspect="1"/>
+          </p:cNvSpPr>
+          <p:nvPr>
+            <p:ph type="sldImg"/>
+          </p:nvPr>
+        </p:nvSpPr>
+        <p:spPr/>
+      </p:sp>
+      <p:sp>
+        <p:nvSpPr>
+          <p:cNvPr id="3" name="Espaço Reservado para Anotações 2"/>
+          <p:cNvSpPr>
+            <a:spLocks noGrp="1"/>
+          </p:cNvSpPr>
+          <p:nvPr>
+            <p:ph type="body" idx="1"/>
+          </p:nvPr>
+        </p:nvSpPr>
+        <p:spPr/>
+        <p:txBody>
+          <a:bodyPr/>
+          <a:lstStyle/>
+          <a:p>
+            <a:endParaRPr lang="pt-BR" dirty="0"/>
+          </a:p>
+        </p:txBody>
+      </p:sp>
+      <p:sp>
+        <p:nvSpPr>
+          <p:cNvPr id="4" name="Espaço Reservado para Número de Slide 3"/>
+          <p:cNvSpPr>
+            <a:spLocks noGrp="1"/>
+          </p:cNvSpPr>
+          <p:nvPr>
+            <p:ph type="sldNum" sz="quarter" idx="10"/>
+          </p:nvPr>
+        </p:nvSpPr>
+        <p:spPr/>
+        <p:txBody>
+          <a:bodyPr/>
+          <a:lstStyle/>
+          <a:p>
+            <a:fld id="{B19B26D6-D95D-4D02-825B-CAF9C310D28B}" type="slidenum">
+              <a:rPr lang="pt-BR" smtClean="0"/>
+              <a:t>16</a:t>
+            </a:fld>
+            <a:endParaRPr lang="pt-BR"/>
+          </a:p>
+        </p:txBody>
+      </p:sp>
+    </p:spTree>
+    <p:extLst>
+      <p:ext uri="{BB962C8B-B14F-4D97-AF65-F5344CB8AC3E}">
+        <p14:creationId xmlns:p14="http://schemas.microsoft.com/office/powerpoint/2010/main" val="14795952"/>
+      </p:ext>
+    </p:extLst>
+  </p:cSld>
+  <p:clrMapOvr>
+    <a:masterClrMapping/>
+  </p:clrMapOvr>
+</p:notes>
+</file>
+
+<file path=ppt/notesSlides/notesSlide9.xml><?xml version="1.0" encoding="utf-8"?>
+<p:notes xmlns:a="http://schemas.openxmlformats.org/drawingml/2006/main" xmlns:r="http://schemas.openxmlformats.org/officeDocument/2006/relationships" xmlns:p="http://schemas.openxmlformats.org/presentationml/2006/main">
+  <p:cSld>
+    <p:spTree>
+      <p:nvGrpSpPr>
+        <p:cNvPr id="1" name=""/>
+        <p:cNvGrpSpPr/>
+        <p:nvPr/>
+      </p:nvGrpSpPr>
+      <p:grpSpPr>
+        <a:xfrm>
+          <a:off x="0" y="0"/>
+          <a:ext cx="0" cy="0"/>
+          <a:chOff x="0" y="0"/>
+          <a:chExt cx="0" cy="0"/>
+        </a:xfrm>
+      </p:grpSpPr>
+      <p:sp>
+        <p:nvSpPr>
+          <p:cNvPr id="2" name="Espaço Reservado para Imagem de Slide 1"/>
+          <p:cNvSpPr>
+            <a:spLocks noGrp="1" noRot="1" noChangeAspect="1"/>
+          </p:cNvSpPr>
+          <p:nvPr>
+            <p:ph type="sldImg"/>
+          </p:nvPr>
+        </p:nvSpPr>
+        <p:spPr/>
+      </p:sp>
+      <p:sp>
+        <p:nvSpPr>
+          <p:cNvPr id="3" name="Espaço Reservado para Anotações 2"/>
+          <p:cNvSpPr>
+            <a:spLocks noGrp="1"/>
+          </p:cNvSpPr>
+          <p:nvPr>
+            <p:ph type="body" idx="1"/>
+          </p:nvPr>
+        </p:nvSpPr>
+        <p:spPr/>
+        <p:txBody>
+          <a:bodyPr/>
+          <a:lstStyle/>
+          <a:p>
+            <a:endParaRPr lang="pt-BR" dirty="0"/>
+          </a:p>
+        </p:txBody>
+      </p:sp>
+      <p:sp>
+        <p:nvSpPr>
+          <p:cNvPr id="4" name="Espaço Reservado para Número de Slide 3"/>
+          <p:cNvSpPr>
+            <a:spLocks noGrp="1"/>
+          </p:cNvSpPr>
+          <p:nvPr>
+            <p:ph type="sldNum" sz="quarter" idx="10"/>
+          </p:nvPr>
+        </p:nvSpPr>
+        <p:spPr/>
+        <p:txBody>
+          <a:bodyPr/>
+          <a:lstStyle/>
+          <a:p>
+            <a:fld id="{B19B26D6-D95D-4D02-825B-CAF9C310D28B}" type="slidenum">
+              <a:rPr lang="pt-BR" smtClean="0"/>
+              <a:t>17</a:t>
+            </a:fld>
+            <a:endParaRPr lang="pt-BR"/>
+          </a:p>
+        </p:txBody>
+      </p:sp>
+    </p:spTree>
+    <p:extLst>
+      <p:ext uri="{BB962C8B-B14F-4D97-AF65-F5344CB8AC3E}">
+        <p14:creationId xmlns:p14="http://schemas.microsoft.com/office/powerpoint/2010/main" val="2811767526"/>
+      </p:ext>
+    </p:extLst>
+  </p:cSld>
+  <p:clrMapOvr>
+    <a:masterClrMapping/>
+  </p:clrMapOvr>
+</p:notes>
+</file>
+
 <file path=ppt/slideLayouts/slideLayout1.xml><?xml version="1.0" encoding="utf-8"?>
-<p:sldLayout xmlns:a="http://schemas.openxmlformats.org/drawingml/2006/main" xmlns:r="http://schemas.openxmlformats.org/officeDocument/2006/relationships" xmlns:p="http://schemas.openxmlformats.org/presentationml/2006/main" type="title" preserve="1">
+<p:sldLayout xmlns:a="http://schemas.openxmlformats.org/drawingml/2006/main" xmlns:r="http://schemas.openxmlformats.org/officeDocument/2006/relationships" xmlns:p="http://schemas.openxmlformats.org/presentationml/2006/main" showMasterSp="0" type="title" preserve="1">
   <p:cSld name="Slide de Título">
     <p:spTree>
       <p:nvGrpSpPr>
@@ -138,50 +1597,305 @@
       </p:grpSpPr>
       <p:sp>
         <p:nvSpPr>
-          <p:cNvPr id="2" name="Título 1">
-            <a:extLst>
-              <a:ext uri="{FF2B5EF4-FFF2-40B4-BE49-F238E27FC236}">
-                <a16:creationId xmlns:a16="http://schemas.microsoft.com/office/drawing/2014/main" id="{2EB05211-7281-6BB1-32D7-A126A3594E7D}"/>
-              </a:ext>
-            </a:extLst>
-          </p:cNvPr>
-          <p:cNvSpPr>
-            <a:spLocks noGrp="1"/>
-          </p:cNvSpPr>
-          <p:nvPr>
-            <p:ph type="ctrTitle"/>
-          </p:nvPr>
+          <p:cNvPr id="7" name="Rectangle 6"/>
+          <p:cNvSpPr/>
+          <p:nvPr/>
         </p:nvSpPr>
         <p:spPr>
           <a:xfrm>
-            <a:off x="1524000" y="1122363"/>
-            <a:ext cx="9144000" cy="2387600"/>
+            <a:off x="920834" y="1346946"/>
+            <a:ext cx="10222992" cy="80683"/>
+          </a:xfrm>
+          <a:prstGeom prst="rect">
+            <a:avLst/>
+          </a:prstGeom>
+          <a:blipFill dpi="0" rotWithShape="1">
+            <a:blip r:embed="rId2">
+              <a:alphaModFix amt="85000"/>
+              <a:lum bright="70000" contrast="-70000"/>
+              <a:extLst>
+                <a:ext uri="{BEBA8EAE-BF5A-486C-A8C5-ECC9F3942E4B}">
+                  <a14:imgProps xmlns:a14="http://schemas.microsoft.com/office/drawing/2010/main">
+                    <a14:imgLayer r:embed="rId3">
+                      <a14:imgEffect>
+                        <a14:sharpenSoften amount="61000"/>
+                      </a14:imgEffect>
+                    </a14:imgLayer>
+                  </a14:imgProps>
+                </a:ext>
+                <a:ext uri="{28A0092B-C50C-407E-A947-70E740481C1C}">
+                  <a14:useLocalDpi xmlns:a14="http://schemas.microsoft.com/office/drawing/2010/main" val="0"/>
+                </a:ext>
+              </a:extLst>
+            </a:blip>
+            <a:srcRect/>
+            <a:tile tx="0" ty="-762000" sx="92000" sy="89000" flip="xy" algn="ctr"/>
+          </a:blipFill>
+          <a:ln>
+            <a:noFill/>
+          </a:ln>
+        </p:spPr>
+        <p:style>
+          <a:lnRef idx="2">
+            <a:schemeClr val="accent1">
+              <a:shade val="50000"/>
+            </a:schemeClr>
+          </a:lnRef>
+          <a:fillRef idx="1">
+            <a:schemeClr val="accent1"/>
+          </a:fillRef>
+          <a:effectRef idx="0">
+            <a:schemeClr val="accent1"/>
+          </a:effectRef>
+          <a:fontRef idx="minor">
+            <a:schemeClr val="lt1"/>
+          </a:fontRef>
+        </p:style>
+      </p:sp>
+      <p:sp>
+        <p:nvSpPr>
+          <p:cNvPr id="8" name="Rectangle 7"/>
+          <p:cNvSpPr/>
+          <p:nvPr/>
+        </p:nvSpPr>
+        <p:spPr>
+          <a:xfrm>
+            <a:off x="920834" y="4299696"/>
+            <a:ext cx="10222992" cy="80683"/>
+          </a:xfrm>
+          <a:prstGeom prst="rect">
+            <a:avLst/>
+          </a:prstGeom>
+          <a:blipFill dpi="0" rotWithShape="1">
+            <a:blip r:embed="rId2">
+              <a:alphaModFix amt="85000"/>
+              <a:lum bright="70000" contrast="-70000"/>
+              <a:extLst>
+                <a:ext uri="{BEBA8EAE-BF5A-486C-A8C5-ECC9F3942E4B}">
+                  <a14:imgProps xmlns:a14="http://schemas.microsoft.com/office/drawing/2010/main">
+                    <a14:imgLayer r:embed="rId3">
+                      <a14:imgEffect>
+                        <a14:sharpenSoften amount="61000"/>
+                      </a14:imgEffect>
+                    </a14:imgLayer>
+                  </a14:imgProps>
+                </a:ext>
+                <a:ext uri="{28A0092B-C50C-407E-A947-70E740481C1C}">
+                  <a14:useLocalDpi xmlns:a14="http://schemas.microsoft.com/office/drawing/2010/main" val="0"/>
+                </a:ext>
+              </a:extLst>
+            </a:blip>
+            <a:srcRect/>
+            <a:tile tx="0" ty="-717550" sx="92000" sy="89000" flip="xy" algn="ctr"/>
+          </a:blipFill>
+          <a:ln>
+            <a:noFill/>
+          </a:ln>
+        </p:spPr>
+        <p:style>
+          <a:lnRef idx="2">
+            <a:schemeClr val="accent1">
+              <a:shade val="50000"/>
+            </a:schemeClr>
+          </a:lnRef>
+          <a:fillRef idx="1">
+            <a:schemeClr val="accent1"/>
+          </a:fillRef>
+          <a:effectRef idx="0">
+            <a:schemeClr val="accent1"/>
+          </a:effectRef>
+          <a:fontRef idx="minor">
+            <a:schemeClr val="lt1"/>
+          </a:fontRef>
+        </p:style>
+      </p:sp>
+      <p:sp>
+        <p:nvSpPr>
+          <p:cNvPr id="9" name="Rectangle 8"/>
+          <p:cNvSpPr/>
+          <p:nvPr/>
+        </p:nvSpPr>
+        <p:spPr>
+          <a:xfrm>
+            <a:off x="920834" y="1484779"/>
+            <a:ext cx="10222992" cy="2743200"/>
+          </a:xfrm>
+          <a:prstGeom prst="rect">
+            <a:avLst/>
+          </a:prstGeom>
+          <a:blipFill dpi="0" rotWithShape="1">
+            <a:blip r:embed="rId2">
+              <a:alphaModFix amt="85000"/>
+              <a:lum bright="70000" contrast="-70000"/>
+              <a:extLst>
+                <a:ext uri="{BEBA8EAE-BF5A-486C-A8C5-ECC9F3942E4B}">
+                  <a14:imgProps xmlns:a14="http://schemas.microsoft.com/office/drawing/2010/main">
+                    <a14:imgLayer r:embed="rId3">
+                      <a14:imgEffect>
+                        <a14:sharpenSoften amount="61000"/>
+                      </a14:imgEffect>
+                    </a14:imgLayer>
+                  </a14:imgProps>
+                </a:ext>
+                <a:ext uri="{28A0092B-C50C-407E-A947-70E740481C1C}">
+                  <a14:useLocalDpi xmlns:a14="http://schemas.microsoft.com/office/drawing/2010/main" val="0"/>
+                </a:ext>
+              </a:extLst>
+            </a:blip>
+            <a:srcRect/>
+            <a:tile tx="0" ty="-704850" sx="92000" sy="89000" flip="xy" algn="ctr"/>
+          </a:blipFill>
+          <a:ln>
+            <a:noFill/>
+          </a:ln>
+        </p:spPr>
+        <p:style>
+          <a:lnRef idx="2">
+            <a:schemeClr val="accent1">
+              <a:shade val="50000"/>
+            </a:schemeClr>
+          </a:lnRef>
+          <a:fillRef idx="1">
+            <a:schemeClr val="accent1"/>
+          </a:fillRef>
+          <a:effectRef idx="0">
+            <a:schemeClr val="accent1"/>
+          </a:effectRef>
+          <a:fontRef idx="minor">
+            <a:schemeClr val="lt1"/>
+          </a:fontRef>
+        </p:style>
+      </p:sp>
+      <p:grpSp>
+        <p:nvGrpSpPr>
+          <p:cNvPr id="10" name="Group 9"/>
+          <p:cNvGrpSpPr/>
+          <p:nvPr/>
+        </p:nvGrpSpPr>
+        <p:grpSpPr>
+          <a:xfrm>
+            <a:off x="9649215" y="4068923"/>
+            <a:ext cx="1080904" cy="1080902"/>
+            <a:chOff x="9685338" y="4460675"/>
+            <a:chExt cx="1080904" cy="1080902"/>
+          </a:xfrm>
+        </p:grpSpPr>
+        <p:sp>
+          <p:nvSpPr>
+            <p:cNvPr id="11" name="Oval 10"/>
+            <p:cNvSpPr/>
+            <p:nvPr/>
+          </p:nvSpPr>
+          <p:spPr>
+            <a:xfrm>
+              <a:off x="9685338" y="4460675"/>
+              <a:ext cx="1080904" cy="1080902"/>
+            </a:xfrm>
+            <a:prstGeom prst="ellipse">
+              <a:avLst/>
+            </a:prstGeom>
+            <a:blipFill dpi="0" rotWithShape="1">
+              <a:blip r:embed="rId4">
+                <a:duotone>
+                  <a:schemeClr val="accent1">
+                    <a:shade val="45000"/>
+                    <a:satMod val="135000"/>
+                  </a:schemeClr>
+                  <a:prstClr val="white"/>
+                </a:duotone>
+                <a:extLst>
+                  <a:ext uri="{BEBA8EAE-BF5A-486C-A8C5-ECC9F3942E4B}">
+                    <a14:imgProps xmlns:a14="http://schemas.microsoft.com/office/drawing/2010/main">
+                      <a14:imgLayer r:embed="rId5">
+                        <a14:imgEffect>
+                          <a14:saturation sat="95000"/>
+                        </a14:imgEffect>
+                      </a14:imgLayer>
+                    </a14:imgProps>
+                  </a:ext>
+                </a:extLst>
+              </a:blip>
+              <a:srcRect/>
+              <a:tile tx="0" ty="0" sx="85000" sy="85000" flip="none" algn="tl"/>
+            </a:blipFill>
+            <a:ln w="25400" cap="flat" cmpd="sng" algn="ctr">
+              <a:noFill/>
+              <a:prstDash val="solid"/>
+            </a:ln>
+            <a:effectLst/>
+          </p:spPr>
+        </p:sp>
+        <p:sp>
+          <p:nvSpPr>
+            <p:cNvPr id="12" name="Oval 11"/>
+            <p:cNvSpPr/>
+            <p:nvPr/>
+          </p:nvSpPr>
+          <p:spPr>
+            <a:xfrm>
+              <a:off x="9793429" y="4568765"/>
+              <a:ext cx="864723" cy="864722"/>
+            </a:xfrm>
+            <a:prstGeom prst="ellipse">
+              <a:avLst/>
+            </a:prstGeom>
+            <a:noFill/>
+            <a:ln w="25400" cap="flat" cmpd="sng" algn="ctr">
+              <a:solidFill>
+                <a:sysClr val="window" lastClr="FFFFFF"/>
+              </a:solidFill>
+              <a:prstDash val="solid"/>
+            </a:ln>
+            <a:effectLst/>
+          </p:spPr>
+        </p:sp>
+      </p:grpSp>
+      <p:sp>
+        <p:nvSpPr>
+          <p:cNvPr id="2" name="Title 1"/>
+          <p:cNvSpPr>
+            <a:spLocks noGrp="1"/>
+          </p:cNvSpPr>
+          <p:nvPr>
+            <p:ph type="ctrTitle"/>
+          </p:nvPr>
+        </p:nvSpPr>
+        <p:spPr>
+          <a:xfrm>
+            <a:off x="1051560" y="1432223"/>
+            <a:ext cx="9966960" cy="3035808"/>
           </a:xfrm>
         </p:spPr>
         <p:txBody>
-          <a:bodyPr anchor="b"/>
+          <a:bodyPr anchor="ctr">
+            <a:noAutofit/>
+          </a:bodyPr>
           <a:lstStyle>
-            <a:lvl1pPr algn="ctr">
-              <a:defRPr sz="6000"/>
+            <a:lvl1pPr algn="l">
+              <a:lnSpc>
+                <a:spcPct val="80000"/>
+              </a:lnSpc>
+              <a:defRPr sz="9600" cap="all" baseline="0">
+                <a:blipFill dpi="0" rotWithShape="1">
+                  <a:blip r:embed="rId4"/>
+                  <a:srcRect/>
+                  <a:tile tx="6350" ty="-127000" sx="65000" sy="64000" flip="none" algn="tl"/>
+                </a:blipFill>
+              </a:defRPr>
             </a:lvl1pPr>
           </a:lstStyle>
           <a:p>
             <a:r>
-              <a:rPr lang="pt-BR"/>
-              <a:t>Clique para editar o título Mestre</a:t>
-            </a:r>
-          </a:p>
-        </p:txBody>
-      </p:sp>
-      <p:sp>
-        <p:nvSpPr>
-          <p:cNvPr id="3" name="Subtítulo 2">
-            <a:extLst>
-              <a:ext uri="{FF2B5EF4-FFF2-40B4-BE49-F238E27FC236}">
-                <a16:creationId xmlns:a16="http://schemas.microsoft.com/office/drawing/2014/main" id="{7669ABA4-202B-7485-5379-D80610FFCC08}"/>
-              </a:ext>
-            </a:extLst>
-          </p:cNvPr>
+              <a:rPr lang="pt-BR" smtClean="0"/>
+              <a:t>Clique para editar o título mestre</a:t>
+            </a:r>
+            <a:endParaRPr lang="en-US" dirty="0"/>
+          </a:p>
+        </p:txBody>
+      </p:sp>
+      <p:sp>
+        <p:nvSpPr>
+          <p:cNvPr id="3" name="Subtitle 2"/>
           <p:cNvSpPr>
             <a:spLocks noGrp="1"/>
           </p:cNvSpPr>
@@ -191,132 +1905,130 @@
         </p:nvSpPr>
         <p:spPr>
           <a:xfrm>
-            <a:off x="1524000" y="3602038"/>
-            <a:ext cx="9144000" cy="1655762"/>
+            <a:off x="1069848" y="4389120"/>
+            <a:ext cx="7891272" cy="1069848"/>
           </a:xfrm>
         </p:spPr>
         <p:txBody>
+          <a:bodyPr>
+            <a:normAutofit/>
+          </a:bodyPr>
+          <a:lstStyle>
+            <a:lvl1pPr marL="0" indent="0" algn="l">
+              <a:buNone/>
+              <a:defRPr sz="2200">
+                <a:solidFill>
+                  <a:schemeClr val="tx1"/>
+                </a:solidFill>
+              </a:defRPr>
+            </a:lvl1pPr>
+            <a:lvl2pPr marL="457200" indent="0" algn="ctr">
+              <a:buNone/>
+              <a:defRPr sz="2200"/>
+            </a:lvl2pPr>
+            <a:lvl3pPr marL="914400" indent="0" algn="ctr">
+              <a:buNone/>
+              <a:defRPr sz="2200"/>
+            </a:lvl3pPr>
+            <a:lvl4pPr marL="1371600" indent="0" algn="ctr">
+              <a:buNone/>
+              <a:defRPr sz="2000"/>
+            </a:lvl4pPr>
+            <a:lvl5pPr marL="1828800" indent="0" algn="ctr">
+              <a:buNone/>
+              <a:defRPr sz="2000"/>
+            </a:lvl5pPr>
+            <a:lvl6pPr marL="2286000" indent="0" algn="ctr">
+              <a:buNone/>
+              <a:defRPr sz="2000"/>
+            </a:lvl6pPr>
+            <a:lvl7pPr marL="2743200" indent="0" algn="ctr">
+              <a:buNone/>
+              <a:defRPr sz="2000"/>
+            </a:lvl7pPr>
+            <a:lvl8pPr marL="3200400" indent="0" algn="ctr">
+              <a:buNone/>
+              <a:defRPr sz="2000"/>
+            </a:lvl8pPr>
+            <a:lvl9pPr marL="3657600" indent="0" algn="ctr">
+              <a:buNone/>
+              <a:defRPr sz="2000"/>
+            </a:lvl9pPr>
+          </a:lstStyle>
+          <a:p>
+            <a:r>
+              <a:rPr lang="pt-BR" smtClean="0"/>
+              <a:t>Clique para editar o estilo do subtítulo Mestre</a:t>
+            </a:r>
+            <a:endParaRPr lang="en-US" dirty="0"/>
+          </a:p>
+        </p:txBody>
+      </p:sp>
+      <p:sp>
+        <p:nvSpPr>
+          <p:cNvPr id="4" name="Date Placeholder 3"/>
+          <p:cNvSpPr>
+            <a:spLocks noGrp="1"/>
+          </p:cNvSpPr>
+          <p:nvPr>
+            <p:ph type="dt" sz="half" idx="10"/>
+          </p:nvPr>
+        </p:nvSpPr>
+        <p:spPr/>
+        <p:txBody>
+          <a:bodyPr/>
+          <a:lstStyle/>
+          <a:p>
+            <a:fld id="{0A1764AE-7598-4101-9D63-6EC8D69CE664}" type="datetimeFigureOut">
+              <a:rPr lang="pt-BR" smtClean="0"/>
+              <a:t>22/01/2024</a:t>
+            </a:fld>
+            <a:endParaRPr lang="pt-BR"/>
+          </a:p>
+        </p:txBody>
+      </p:sp>
+      <p:sp>
+        <p:nvSpPr>
+          <p:cNvPr id="5" name="Footer Placeholder 4"/>
+          <p:cNvSpPr>
+            <a:spLocks noGrp="1"/>
+          </p:cNvSpPr>
+          <p:nvPr>
+            <p:ph type="ftr" sz="quarter" idx="11"/>
+          </p:nvPr>
+        </p:nvSpPr>
+        <p:spPr/>
+        <p:txBody>
+          <a:bodyPr/>
+          <a:lstStyle/>
+          <a:p>
+            <a:endParaRPr lang="pt-BR"/>
+          </a:p>
+        </p:txBody>
+      </p:sp>
+      <p:sp>
+        <p:nvSpPr>
+          <p:cNvPr id="6" name="Slide Number Placeholder 5"/>
+          <p:cNvSpPr>
+            <a:spLocks noGrp="1"/>
+          </p:cNvSpPr>
+          <p:nvPr>
+            <p:ph type="sldNum" sz="quarter" idx="12"/>
+          </p:nvPr>
+        </p:nvSpPr>
+        <p:spPr>
+          <a:xfrm>
+            <a:off x="9592733" y="4289334"/>
+            <a:ext cx="1193868" cy="640080"/>
+          </a:xfrm>
+        </p:spPr>
+        <p:txBody>
           <a:bodyPr/>
           <a:lstStyle>
-            <a:lvl1pPr marL="0" indent="0" algn="ctr">
-              <a:buNone/>
-              <a:defRPr sz="2400"/>
+            <a:lvl1pPr>
+              <a:defRPr sz="2800"/>
             </a:lvl1pPr>
-            <a:lvl2pPr marL="457200" indent="0" algn="ctr">
-              <a:buNone/>
-              <a:defRPr sz="2000"/>
-            </a:lvl2pPr>
-            <a:lvl3pPr marL="914400" indent="0" algn="ctr">
-              <a:buNone/>
-              <a:defRPr sz="1800"/>
-            </a:lvl3pPr>
-            <a:lvl4pPr marL="1371600" indent="0" algn="ctr">
-              <a:buNone/>
-              <a:defRPr sz="1600"/>
-            </a:lvl4pPr>
-            <a:lvl5pPr marL="1828800" indent="0" algn="ctr">
-              <a:buNone/>
-              <a:defRPr sz="1600"/>
-            </a:lvl5pPr>
-            <a:lvl6pPr marL="2286000" indent="0" algn="ctr">
-              <a:buNone/>
-              <a:defRPr sz="1600"/>
-            </a:lvl6pPr>
-            <a:lvl7pPr marL="2743200" indent="0" algn="ctr">
-              <a:buNone/>
-              <a:defRPr sz="1600"/>
-            </a:lvl7pPr>
-            <a:lvl8pPr marL="3200400" indent="0" algn="ctr">
-              <a:buNone/>
-              <a:defRPr sz="1600"/>
-            </a:lvl8pPr>
-            <a:lvl9pPr marL="3657600" indent="0" algn="ctr">
-              <a:buNone/>
-              <a:defRPr sz="1600"/>
-            </a:lvl9pPr>
           </a:lstStyle>
-          <a:p>
-            <a:r>
-              <a:rPr lang="pt-BR"/>
-              <a:t>Clique para editar o estilo do subtítulo Mestre</a:t>
-            </a:r>
-          </a:p>
-        </p:txBody>
-      </p:sp>
-      <p:sp>
-        <p:nvSpPr>
-          <p:cNvPr id="4" name="Espaço Reservado para Data 3">
-            <a:extLst>
-              <a:ext uri="{FF2B5EF4-FFF2-40B4-BE49-F238E27FC236}">
-                <a16:creationId xmlns:a16="http://schemas.microsoft.com/office/drawing/2014/main" id="{4DB6109A-89B8-3296-B4B5-56908CCDC705}"/>
-              </a:ext>
-            </a:extLst>
-          </p:cNvPr>
-          <p:cNvSpPr>
-            <a:spLocks noGrp="1"/>
-          </p:cNvSpPr>
-          <p:nvPr>
-            <p:ph type="dt" sz="half" idx="10"/>
-          </p:nvPr>
-        </p:nvSpPr>
-        <p:spPr/>
-        <p:txBody>
-          <a:bodyPr/>
-          <a:lstStyle/>
-          <a:p>
-            <a:fld id="{0A1764AE-7598-4101-9D63-6EC8D69CE664}" type="datetimeFigureOut">
-              <a:rPr lang="pt-BR" smtClean="0"/>
-              <a:t>12/12/2023</a:t>
-            </a:fld>
-            <a:endParaRPr lang="pt-BR"/>
-          </a:p>
-        </p:txBody>
-      </p:sp>
-      <p:sp>
-        <p:nvSpPr>
-          <p:cNvPr id="5" name="Espaço Reservado para Rodapé 4">
-            <a:extLst>
-              <a:ext uri="{FF2B5EF4-FFF2-40B4-BE49-F238E27FC236}">
-                <a16:creationId xmlns:a16="http://schemas.microsoft.com/office/drawing/2014/main" id="{5EEC16C0-EC91-1A6A-CAA4-557093375509}"/>
-              </a:ext>
-            </a:extLst>
-          </p:cNvPr>
-          <p:cNvSpPr>
-            <a:spLocks noGrp="1"/>
-          </p:cNvSpPr>
-          <p:nvPr>
-            <p:ph type="ftr" sz="quarter" idx="11"/>
-          </p:nvPr>
-        </p:nvSpPr>
-        <p:spPr/>
-        <p:txBody>
-          <a:bodyPr/>
-          <a:lstStyle/>
-          <a:p>
-            <a:endParaRPr lang="pt-BR"/>
-          </a:p>
-        </p:txBody>
-      </p:sp>
-      <p:sp>
-        <p:nvSpPr>
-          <p:cNvPr id="6" name="Espaço Reservado para Número de Slide 5">
-            <a:extLst>
-              <a:ext uri="{FF2B5EF4-FFF2-40B4-BE49-F238E27FC236}">
-                <a16:creationId xmlns:a16="http://schemas.microsoft.com/office/drawing/2014/main" id="{597BE89B-A1D8-22B0-6CA2-BAEFADB7CCB1}"/>
-              </a:ext>
-            </a:extLst>
-          </p:cNvPr>
-          <p:cNvSpPr>
-            <a:spLocks noGrp="1"/>
-          </p:cNvSpPr>
-          <p:nvPr>
-            <p:ph type="sldNum" sz="quarter" idx="12"/>
-          </p:nvPr>
-        </p:nvSpPr>
-        <p:spPr/>
-        <p:txBody>
-          <a:bodyPr/>
-          <a:lstStyle/>
           <a:p>
             <a:fld id="{84EAA556-297A-4E44-9FC9-9ADE912AD739}" type="slidenum">
               <a:rPr lang="pt-BR" smtClean="0"/>
@@ -329,7 +2041,7 @@
     </p:spTree>
     <p:extLst>
       <p:ext uri="{BB962C8B-B14F-4D97-AF65-F5344CB8AC3E}">
-        <p14:creationId xmlns:p14="http://schemas.microsoft.com/office/powerpoint/2010/main" val="3912965537"/>
+        <p14:creationId xmlns:p14="http://schemas.microsoft.com/office/powerpoint/2010/main" val="3071166703"/>
       </p:ext>
     </p:extLst>
   </p:cSld>
@@ -358,13 +2070,7 @@
       </p:grpSpPr>
       <p:sp>
         <p:nvSpPr>
-          <p:cNvPr id="2" name="Título 1">
-            <a:extLst>
-              <a:ext uri="{FF2B5EF4-FFF2-40B4-BE49-F238E27FC236}">
-                <a16:creationId xmlns:a16="http://schemas.microsoft.com/office/drawing/2014/main" id="{4A371462-67CF-064B-BC5B-97EFBDB2948F}"/>
-              </a:ext>
-            </a:extLst>
-          </p:cNvPr>
+          <p:cNvPr id="2" name="Title 1"/>
           <p:cNvSpPr>
             <a:spLocks noGrp="1"/>
           </p:cNvSpPr>
@@ -378,21 +2084,16 @@
           <a:lstStyle/>
           <a:p>
             <a:r>
-              <a:rPr lang="pt-BR"/>
-              <a:t>Clique para editar o título Mestre</a:t>
-            </a:r>
-          </a:p>
-        </p:txBody>
-      </p:sp>
-      <p:sp>
-        <p:nvSpPr>
-          <p:cNvPr id="3" name="Espaço Reservado para Texto Vertical 2">
-            <a:extLst>
-              <a:ext uri="{FF2B5EF4-FFF2-40B4-BE49-F238E27FC236}">
-                <a16:creationId xmlns:a16="http://schemas.microsoft.com/office/drawing/2014/main" id="{F5D918D6-2514-7E06-797F-46811F09C358}"/>
-              </a:ext>
-            </a:extLst>
-          </p:cNvPr>
+              <a:rPr lang="pt-BR" smtClean="0"/>
+              <a:t>Clique para editar o título mestre</a:t>
+            </a:r>
+            <a:endParaRPr lang="en-US" dirty="0"/>
+          </a:p>
+        </p:txBody>
+      </p:sp>
+      <p:sp>
+        <p:nvSpPr>
+          <p:cNvPr id="3" name="Vertical Text Placeholder 2"/>
           <p:cNvSpPr>
             <a:spLocks noGrp="1"/>
           </p:cNvSpPr>
@@ -407,49 +2108,44 @@
           <a:p>
             <a:pPr lvl="0"/>
             <a:r>
-              <a:rPr lang="pt-BR"/>
-              <a:t>Clique para editar os estilos de texto Mestres</a:t>
+              <a:rPr lang="pt-BR" smtClean="0"/>
+              <a:t>Editar estilos de texto Mestre</a:t>
             </a:r>
           </a:p>
           <a:p>
             <a:pPr lvl="1"/>
             <a:r>
-              <a:rPr lang="pt-BR"/>
+              <a:rPr lang="pt-BR" smtClean="0"/>
               <a:t>Segundo nível</a:t>
             </a:r>
           </a:p>
           <a:p>
             <a:pPr lvl="2"/>
             <a:r>
-              <a:rPr lang="pt-BR"/>
+              <a:rPr lang="pt-BR" smtClean="0"/>
               <a:t>Terceiro nível</a:t>
             </a:r>
           </a:p>
           <a:p>
             <a:pPr lvl="3"/>
             <a:r>
-              <a:rPr lang="pt-BR"/>
+              <a:rPr lang="pt-BR" smtClean="0"/>
               <a:t>Quarto nível</a:t>
             </a:r>
           </a:p>
           <a:p>
             <a:pPr lvl="4"/>
             <a:r>
-              <a:rPr lang="pt-BR"/>
+              <a:rPr lang="pt-BR" smtClean="0"/>
               <a:t>Quinto nível</a:t>
             </a:r>
-          </a:p>
-        </p:txBody>
-      </p:sp>
-      <p:sp>
-        <p:nvSpPr>
-          <p:cNvPr id="4" name="Espaço Reservado para Data 3">
-            <a:extLst>
-              <a:ext uri="{FF2B5EF4-FFF2-40B4-BE49-F238E27FC236}">
-                <a16:creationId xmlns:a16="http://schemas.microsoft.com/office/drawing/2014/main" id="{41E15502-6387-25F6-3504-F0B0F3E1E62A}"/>
-              </a:ext>
-            </a:extLst>
-          </p:cNvPr>
+            <a:endParaRPr lang="en-US" dirty="0"/>
+          </a:p>
+        </p:txBody>
+      </p:sp>
+      <p:sp>
+        <p:nvSpPr>
+          <p:cNvPr id="4" name="Date Placeholder 3"/>
           <p:cNvSpPr>
             <a:spLocks noGrp="1"/>
           </p:cNvSpPr>
@@ -464,7 +2160,7 @@
           <a:p>
             <a:fld id="{0A1764AE-7598-4101-9D63-6EC8D69CE664}" type="datetimeFigureOut">
               <a:rPr lang="pt-BR" smtClean="0"/>
-              <a:t>12/12/2023</a:t>
+              <a:t>22/01/2024</a:t>
             </a:fld>
             <a:endParaRPr lang="pt-BR"/>
           </a:p>
@@ -472,13 +2168,7 @@
       </p:sp>
       <p:sp>
         <p:nvSpPr>
-          <p:cNvPr id="5" name="Espaço Reservado para Rodapé 4">
-            <a:extLst>
-              <a:ext uri="{FF2B5EF4-FFF2-40B4-BE49-F238E27FC236}">
-                <a16:creationId xmlns:a16="http://schemas.microsoft.com/office/drawing/2014/main" id="{BB252788-D239-6DBB-CBDC-07783CE516F8}"/>
-              </a:ext>
-            </a:extLst>
-          </p:cNvPr>
+          <p:cNvPr id="5" name="Footer Placeholder 4"/>
           <p:cNvSpPr>
             <a:spLocks noGrp="1"/>
           </p:cNvSpPr>
@@ -497,13 +2187,7 @@
       </p:sp>
       <p:sp>
         <p:nvSpPr>
-          <p:cNvPr id="6" name="Espaço Reservado para Número de Slide 5">
-            <a:extLst>
-              <a:ext uri="{FF2B5EF4-FFF2-40B4-BE49-F238E27FC236}">
-                <a16:creationId xmlns:a16="http://schemas.microsoft.com/office/drawing/2014/main" id="{128EA3EE-2775-1736-C774-CC48015CF944}"/>
-              </a:ext>
-            </a:extLst>
-          </p:cNvPr>
+          <p:cNvPr id="6" name="Slide Number Placeholder 5"/>
           <p:cNvSpPr>
             <a:spLocks noGrp="1"/>
           </p:cNvSpPr>
@@ -527,7 +2211,7 @@
     </p:spTree>
     <p:extLst>
       <p:ext uri="{BB962C8B-B14F-4D97-AF65-F5344CB8AC3E}">
-        <p14:creationId xmlns:p14="http://schemas.microsoft.com/office/powerpoint/2010/main" val="2321430907"/>
+        <p14:creationId xmlns:p14="http://schemas.microsoft.com/office/powerpoint/2010/main" val="3198494416"/>
       </p:ext>
     </p:extLst>
   </p:cSld>
@@ -556,13 +2240,7 @@
       </p:grpSpPr>
       <p:sp>
         <p:nvSpPr>
-          <p:cNvPr id="2" name="Título Vertical 1">
-            <a:extLst>
-              <a:ext uri="{FF2B5EF4-FFF2-40B4-BE49-F238E27FC236}">
-                <a16:creationId xmlns:a16="http://schemas.microsoft.com/office/drawing/2014/main" id="{8F72A7EB-C76E-CEDD-959B-F7939EFEE716}"/>
-              </a:ext>
-            </a:extLst>
-          </p:cNvPr>
+          <p:cNvPr id="2" name="Vertical Title 1"/>
           <p:cNvSpPr>
             <a:spLocks noGrp="1"/>
           </p:cNvSpPr>
@@ -572,8 +2250,8 @@
         </p:nvSpPr>
         <p:spPr>
           <a:xfrm>
-            <a:off x="8724900" y="365125"/>
-            <a:ext cx="2628900" cy="5811838"/>
+            <a:off x="8724900" y="533400"/>
+            <a:ext cx="2552700" cy="5638800"/>
           </a:xfrm>
         </p:spPr>
         <p:txBody>
@@ -581,21 +2259,16 @@
           <a:lstStyle/>
           <a:p>
             <a:r>
-              <a:rPr lang="pt-BR"/>
-              <a:t>Clique para editar o título Mestre</a:t>
-            </a:r>
-          </a:p>
-        </p:txBody>
-      </p:sp>
-      <p:sp>
-        <p:nvSpPr>
-          <p:cNvPr id="3" name="Espaço Reservado para Texto Vertical 2">
-            <a:extLst>
-              <a:ext uri="{FF2B5EF4-FFF2-40B4-BE49-F238E27FC236}">
-                <a16:creationId xmlns:a16="http://schemas.microsoft.com/office/drawing/2014/main" id="{8036D0CA-E516-C2BD-C175-0880B455D6C8}"/>
-              </a:ext>
-            </a:extLst>
-          </p:cNvPr>
+              <a:rPr lang="pt-BR" smtClean="0"/>
+              <a:t>Clique para editar o título mestre</a:t>
+            </a:r>
+            <a:endParaRPr lang="en-US" dirty="0"/>
+          </a:p>
+        </p:txBody>
+      </p:sp>
+      <p:sp>
+        <p:nvSpPr>
+          <p:cNvPr id="3" name="Vertical Text Placeholder 2"/>
           <p:cNvSpPr>
             <a:spLocks noGrp="1"/>
           </p:cNvSpPr>
@@ -605,8 +2278,8 @@
         </p:nvSpPr>
         <p:spPr>
           <a:xfrm>
-            <a:off x="838200" y="365125"/>
-            <a:ext cx="7734300" cy="5811838"/>
+            <a:off x="1066800" y="533400"/>
+            <a:ext cx="7505700" cy="5638800"/>
           </a:xfrm>
         </p:spPr>
         <p:txBody>
@@ -615,49 +2288,44 @@
           <a:p>
             <a:pPr lvl="0"/>
             <a:r>
-              <a:rPr lang="pt-BR"/>
-              <a:t>Clique para editar os estilos de texto Mestres</a:t>
+              <a:rPr lang="pt-BR" smtClean="0"/>
+              <a:t>Editar estilos de texto Mestre</a:t>
             </a:r>
           </a:p>
           <a:p>
             <a:pPr lvl="1"/>
             <a:r>
-              <a:rPr lang="pt-BR"/>
+              <a:rPr lang="pt-BR" smtClean="0"/>
               <a:t>Segundo nível</a:t>
             </a:r>
           </a:p>
           <a:p>
             <a:pPr lvl="2"/>
             <a:r>
-              <a:rPr lang="pt-BR"/>
+              <a:rPr lang="pt-BR" smtClean="0"/>
               <a:t>Terceiro nível</a:t>
             </a:r>
           </a:p>
           <a:p>
             <a:pPr lvl="3"/>
             <a:r>
-              <a:rPr lang="pt-BR"/>
+              <a:rPr lang="pt-BR" smtClean="0"/>
               <a:t>Quarto nível</a:t>
             </a:r>
           </a:p>
           <a:p>
             <a:pPr lvl="4"/>
             <a:r>
-              <a:rPr lang="pt-BR"/>
+              <a:rPr lang="pt-BR" smtClean="0"/>
               <a:t>Quinto nível</a:t>
             </a:r>
-          </a:p>
-        </p:txBody>
-      </p:sp>
-      <p:sp>
-        <p:nvSpPr>
-          <p:cNvPr id="4" name="Espaço Reservado para Data 3">
-            <a:extLst>
-              <a:ext uri="{FF2B5EF4-FFF2-40B4-BE49-F238E27FC236}">
-                <a16:creationId xmlns:a16="http://schemas.microsoft.com/office/drawing/2014/main" id="{226D4CA0-43FB-AC60-6624-92DC32B02255}"/>
-              </a:ext>
-            </a:extLst>
-          </p:cNvPr>
+            <a:endParaRPr lang="en-US" dirty="0"/>
+          </a:p>
+        </p:txBody>
+      </p:sp>
+      <p:sp>
+        <p:nvSpPr>
+          <p:cNvPr id="4" name="Date Placeholder 3"/>
           <p:cNvSpPr>
             <a:spLocks noGrp="1"/>
           </p:cNvSpPr>
@@ -672,7 +2340,7 @@
           <a:p>
             <a:fld id="{0A1764AE-7598-4101-9D63-6EC8D69CE664}" type="datetimeFigureOut">
               <a:rPr lang="pt-BR" smtClean="0"/>
-              <a:t>12/12/2023</a:t>
+              <a:t>22/01/2024</a:t>
             </a:fld>
             <a:endParaRPr lang="pt-BR"/>
           </a:p>
@@ -680,13 +2348,7 @@
       </p:sp>
       <p:sp>
         <p:nvSpPr>
-          <p:cNvPr id="5" name="Espaço Reservado para Rodapé 4">
-            <a:extLst>
-              <a:ext uri="{FF2B5EF4-FFF2-40B4-BE49-F238E27FC236}">
-                <a16:creationId xmlns:a16="http://schemas.microsoft.com/office/drawing/2014/main" id="{25C72ABC-C00B-4902-597D-D2BF84CFFB18}"/>
-              </a:ext>
-            </a:extLst>
-          </p:cNvPr>
+          <p:cNvPr id="5" name="Footer Placeholder 4"/>
           <p:cNvSpPr>
             <a:spLocks noGrp="1"/>
           </p:cNvSpPr>
@@ -705,13 +2367,7 @@
       </p:sp>
       <p:sp>
         <p:nvSpPr>
-          <p:cNvPr id="6" name="Espaço Reservado para Número de Slide 5">
-            <a:extLst>
-              <a:ext uri="{FF2B5EF4-FFF2-40B4-BE49-F238E27FC236}">
-                <a16:creationId xmlns:a16="http://schemas.microsoft.com/office/drawing/2014/main" id="{79E04C83-D3B7-1364-E69E-5814BBD760AF}"/>
-              </a:ext>
-            </a:extLst>
-          </p:cNvPr>
+          <p:cNvPr id="6" name="Slide Number Placeholder 5"/>
           <p:cNvSpPr>
             <a:spLocks noGrp="1"/>
           </p:cNvSpPr>
@@ -735,7 +2391,7 @@
     </p:spTree>
     <p:extLst>
       <p:ext uri="{BB962C8B-B14F-4D97-AF65-F5344CB8AC3E}">
-        <p14:creationId xmlns:p14="http://schemas.microsoft.com/office/powerpoint/2010/main" val="3435603660"/>
+        <p14:creationId xmlns:p14="http://schemas.microsoft.com/office/powerpoint/2010/main" val="236044013"/>
       </p:ext>
     </p:extLst>
   </p:cSld>
@@ -764,13 +2420,7 @@
       </p:grpSpPr>
       <p:sp>
         <p:nvSpPr>
-          <p:cNvPr id="2" name="Título 1">
-            <a:extLst>
-              <a:ext uri="{FF2B5EF4-FFF2-40B4-BE49-F238E27FC236}">
-                <a16:creationId xmlns:a16="http://schemas.microsoft.com/office/drawing/2014/main" id="{5AC592A0-DE2D-E77A-021E-C14CBA977A42}"/>
-              </a:ext>
-            </a:extLst>
-          </p:cNvPr>
+          <p:cNvPr id="2" name="Title 1"/>
           <p:cNvSpPr>
             <a:spLocks noGrp="1"/>
           </p:cNvSpPr>
@@ -784,21 +2434,16 @@
           <a:lstStyle/>
           <a:p>
             <a:r>
-              <a:rPr lang="pt-BR"/>
-              <a:t>Clique para editar o título Mestre</a:t>
-            </a:r>
-          </a:p>
-        </p:txBody>
-      </p:sp>
-      <p:sp>
-        <p:nvSpPr>
-          <p:cNvPr id="3" name="Espaço Reservado para Conteúdo 2">
-            <a:extLst>
-              <a:ext uri="{FF2B5EF4-FFF2-40B4-BE49-F238E27FC236}">
-                <a16:creationId xmlns:a16="http://schemas.microsoft.com/office/drawing/2014/main" id="{6961576B-1F2E-150D-02BD-FF2833B3B823}"/>
-              </a:ext>
-            </a:extLst>
-          </p:cNvPr>
+              <a:rPr lang="pt-BR" smtClean="0"/>
+              <a:t>Clique para editar o título mestre</a:t>
+            </a:r>
+            <a:endParaRPr lang="en-US" dirty="0"/>
+          </a:p>
+        </p:txBody>
+      </p:sp>
+      <p:sp>
+        <p:nvSpPr>
+          <p:cNvPr id="3" name="Content Placeholder 2"/>
           <p:cNvSpPr>
             <a:spLocks noGrp="1"/>
           </p:cNvSpPr>
@@ -813,49 +2458,44 @@
           <a:p>
             <a:pPr lvl="0"/>
             <a:r>
-              <a:rPr lang="pt-BR"/>
-              <a:t>Clique para editar os estilos de texto Mestres</a:t>
+              <a:rPr lang="pt-BR" smtClean="0"/>
+              <a:t>Editar estilos de texto Mestre</a:t>
             </a:r>
           </a:p>
           <a:p>
             <a:pPr lvl="1"/>
             <a:r>
-              <a:rPr lang="pt-BR"/>
+              <a:rPr lang="pt-BR" smtClean="0"/>
               <a:t>Segundo nível</a:t>
             </a:r>
           </a:p>
           <a:p>
             <a:pPr lvl="2"/>
             <a:r>
-              <a:rPr lang="pt-BR"/>
+              <a:rPr lang="pt-BR" smtClean="0"/>
               <a:t>Terceiro nível</a:t>
             </a:r>
           </a:p>
           <a:p>
             <a:pPr lvl="3"/>
             <a:r>
-              <a:rPr lang="pt-BR"/>
+              <a:rPr lang="pt-BR" smtClean="0"/>
               <a:t>Quarto nível</a:t>
             </a:r>
           </a:p>
           <a:p>
             <a:pPr lvl="4"/>
             <a:r>
-              <a:rPr lang="pt-BR"/>
+              <a:rPr lang="pt-BR" smtClean="0"/>
               <a:t>Quinto nível</a:t>
             </a:r>
-          </a:p>
-        </p:txBody>
-      </p:sp>
-      <p:sp>
-        <p:nvSpPr>
-          <p:cNvPr id="4" name="Espaço Reservado para Data 3">
-            <a:extLst>
-              <a:ext uri="{FF2B5EF4-FFF2-40B4-BE49-F238E27FC236}">
-                <a16:creationId xmlns:a16="http://schemas.microsoft.com/office/drawing/2014/main" id="{14C49BED-C366-83AA-B037-627D0D6B855A}"/>
-              </a:ext>
-            </a:extLst>
-          </p:cNvPr>
+            <a:endParaRPr lang="en-US" dirty="0"/>
+          </a:p>
+        </p:txBody>
+      </p:sp>
+      <p:sp>
+        <p:nvSpPr>
+          <p:cNvPr id="4" name="Date Placeholder 3"/>
           <p:cNvSpPr>
             <a:spLocks noGrp="1"/>
           </p:cNvSpPr>
@@ -870,7 +2510,7 @@
           <a:p>
             <a:fld id="{0A1764AE-7598-4101-9D63-6EC8D69CE664}" type="datetimeFigureOut">
               <a:rPr lang="pt-BR" smtClean="0"/>
-              <a:t>12/12/2023</a:t>
+              <a:t>22/01/2024</a:t>
             </a:fld>
             <a:endParaRPr lang="pt-BR"/>
           </a:p>
@@ -878,13 +2518,7 @@
       </p:sp>
       <p:sp>
         <p:nvSpPr>
-          <p:cNvPr id="5" name="Espaço Reservado para Rodapé 4">
-            <a:extLst>
-              <a:ext uri="{FF2B5EF4-FFF2-40B4-BE49-F238E27FC236}">
-                <a16:creationId xmlns:a16="http://schemas.microsoft.com/office/drawing/2014/main" id="{42B4AE0A-0236-4B53-F2EC-FCD56F252999}"/>
-              </a:ext>
-            </a:extLst>
-          </p:cNvPr>
+          <p:cNvPr id="5" name="Footer Placeholder 4"/>
           <p:cNvSpPr>
             <a:spLocks noGrp="1"/>
           </p:cNvSpPr>
@@ -903,13 +2537,7 @@
       </p:sp>
       <p:sp>
         <p:nvSpPr>
-          <p:cNvPr id="6" name="Espaço Reservado para Número de Slide 5">
-            <a:extLst>
-              <a:ext uri="{FF2B5EF4-FFF2-40B4-BE49-F238E27FC236}">
-                <a16:creationId xmlns:a16="http://schemas.microsoft.com/office/drawing/2014/main" id="{C822B783-4376-5A2D-4074-315652F9DDB6}"/>
-              </a:ext>
-            </a:extLst>
-          </p:cNvPr>
+          <p:cNvPr id="6" name="Slide Number Placeholder 5"/>
           <p:cNvSpPr>
             <a:spLocks noGrp="1"/>
           </p:cNvSpPr>
@@ -933,7 +2561,7 @@
     </p:spTree>
     <p:extLst>
       <p:ext uri="{BB962C8B-B14F-4D97-AF65-F5344CB8AC3E}">
-        <p14:creationId xmlns:p14="http://schemas.microsoft.com/office/powerpoint/2010/main" val="3035741462"/>
+        <p14:creationId xmlns:p14="http://schemas.microsoft.com/office/powerpoint/2010/main" val="3516183357"/>
       </p:ext>
     </p:extLst>
   </p:cSld>
@@ -944,7 +2572,7 @@
 </file>
 
 <file path=ppt/slideLayouts/slideLayout3.xml><?xml version="1.0" encoding="utf-8"?>
-<p:sldLayout xmlns:a="http://schemas.openxmlformats.org/drawingml/2006/main" xmlns:r="http://schemas.openxmlformats.org/officeDocument/2006/relationships" xmlns:p="http://schemas.openxmlformats.org/presentationml/2006/main" type="secHead" preserve="1">
+<p:sldLayout xmlns:a="http://schemas.openxmlformats.org/drawingml/2006/main" xmlns:r="http://schemas.openxmlformats.org/officeDocument/2006/relationships" xmlns:p="http://schemas.openxmlformats.org/presentationml/2006/main" showMasterSp="0" type="secHead" preserve="1">
   <p:cSld name="Cabeçalho da Seção">
     <p:spTree>
       <p:nvGrpSpPr>
@@ -962,50 +2590,101 @@
       </p:grpSpPr>
       <p:sp>
         <p:nvSpPr>
-          <p:cNvPr id="2" name="Título 1">
-            <a:extLst>
-              <a:ext uri="{FF2B5EF4-FFF2-40B4-BE49-F238E27FC236}">
-                <a16:creationId xmlns:a16="http://schemas.microsoft.com/office/drawing/2014/main" id="{F1FB76B7-E6FD-09E9-1790-8747A3D07122}"/>
-              </a:ext>
-            </a:extLst>
-          </p:cNvPr>
-          <p:cNvSpPr>
-            <a:spLocks noGrp="1"/>
-          </p:cNvSpPr>
-          <p:nvPr>
-            <p:ph type="title"/>
-          </p:nvPr>
+          <p:cNvPr id="7" name="Rectangle 6"/>
+          <p:cNvSpPr/>
+          <p:nvPr/>
         </p:nvSpPr>
         <p:spPr>
           <a:xfrm>
-            <a:off x="831850" y="1709738"/>
-            <a:ext cx="10515600" cy="2852737"/>
+            <a:off x="0" y="4917989"/>
+            <a:ext cx="12192000" cy="1940010"/>
+          </a:xfrm>
+          <a:prstGeom prst="rect">
+            <a:avLst/>
+          </a:prstGeom>
+          <a:blipFill dpi="0" rotWithShape="1">
+            <a:blip r:embed="rId2">
+              <a:alphaModFix amt="85000"/>
+              <a:lum bright="70000" contrast="-70000"/>
+              <a:extLst>
+                <a:ext uri="{BEBA8EAE-BF5A-486C-A8C5-ECC9F3942E4B}">
+                  <a14:imgProps xmlns:a14="http://schemas.microsoft.com/office/drawing/2010/main">
+                    <a14:imgLayer r:embed="rId3">
+                      <a14:imgEffect>
+                        <a14:sharpenSoften amount="61000"/>
+                      </a14:imgEffect>
+                    </a14:imgLayer>
+                  </a14:imgProps>
+                </a:ext>
+                <a:ext uri="{28A0092B-C50C-407E-A947-70E740481C1C}">
+                  <a14:useLocalDpi xmlns:a14="http://schemas.microsoft.com/office/drawing/2010/main" val="0"/>
+                </a:ext>
+              </a:extLst>
+            </a:blip>
+            <a:srcRect/>
+            <a:tile tx="0" ty="-704850" sx="92000" sy="89000" flip="xy" algn="ctr"/>
+          </a:blipFill>
+          <a:ln>
+            <a:noFill/>
+          </a:ln>
+        </p:spPr>
+        <p:style>
+          <a:lnRef idx="2">
+            <a:schemeClr val="accent1">
+              <a:shade val="50000"/>
+            </a:schemeClr>
+          </a:lnRef>
+          <a:fillRef idx="1">
+            <a:schemeClr val="accent1"/>
+          </a:fillRef>
+          <a:effectRef idx="0">
+            <a:schemeClr val="accent1"/>
+          </a:effectRef>
+          <a:fontRef idx="minor">
+            <a:schemeClr val="lt1"/>
+          </a:fontRef>
+        </p:style>
+      </p:sp>
+      <p:sp>
+        <p:nvSpPr>
+          <p:cNvPr id="2" name="Title 1"/>
+          <p:cNvSpPr>
+            <a:spLocks noGrp="1"/>
+          </p:cNvSpPr>
+          <p:nvPr>
+            <p:ph type="title"/>
+          </p:nvPr>
+        </p:nvSpPr>
+        <p:spPr>
+          <a:xfrm>
+            <a:off x="2167128" y="1225296"/>
+            <a:ext cx="9281160" cy="3520440"/>
           </a:xfrm>
         </p:spPr>
         <p:txBody>
-          <a:bodyPr anchor="b"/>
+          <a:bodyPr anchor="ctr">
+            <a:normAutofit/>
+          </a:bodyPr>
           <a:lstStyle>
             <a:lvl1pPr>
-              <a:defRPr sz="6000"/>
+              <a:lnSpc>
+                <a:spcPct val="80000"/>
+              </a:lnSpc>
+              <a:defRPr sz="8000" b="0"/>
             </a:lvl1pPr>
           </a:lstStyle>
           <a:p>
             <a:r>
-              <a:rPr lang="pt-BR"/>
-              <a:t>Clique para editar o título Mestre</a:t>
-            </a:r>
-          </a:p>
-        </p:txBody>
-      </p:sp>
-      <p:sp>
-        <p:nvSpPr>
-          <p:cNvPr id="3" name="Espaço Reservado para Texto 2">
-            <a:extLst>
-              <a:ext uri="{FF2B5EF4-FFF2-40B4-BE49-F238E27FC236}">
-                <a16:creationId xmlns:a16="http://schemas.microsoft.com/office/drawing/2014/main" id="{E9E4CEDD-233A-EA0A-74C1-09D383290A95}"/>
-              </a:ext>
-            </a:extLst>
-          </p:cNvPr>
+              <a:rPr lang="pt-BR" smtClean="0"/>
+              <a:t>Clique para editar o título mestre</a:t>
+            </a:r>
+            <a:endParaRPr lang="en-US" dirty="0"/>
+          </a:p>
+        </p:txBody>
+      </p:sp>
+      <p:sp>
+        <p:nvSpPr>
+          <p:cNvPr id="3" name="Text Placeholder 2"/>
           <p:cNvSpPr>
             <a:spLocks noGrp="1"/>
           </p:cNvSpPr>
@@ -1015,26 +2694,26 @@
         </p:nvSpPr>
         <p:spPr>
           <a:xfrm>
-            <a:off x="831850" y="4589463"/>
-            <a:ext cx="10515600" cy="1500187"/>
+            <a:off x="2165774" y="5020056"/>
+            <a:ext cx="9052560" cy="1066800"/>
           </a:xfrm>
         </p:spPr>
         <p:txBody>
-          <a:bodyPr/>
+          <a:bodyPr anchor="t">
+            <a:normAutofit/>
+          </a:bodyPr>
           <a:lstStyle>
             <a:lvl1pPr marL="0" indent="0">
               <a:buNone/>
-              <a:defRPr sz="2400">
+              <a:defRPr sz="2000">
                 <a:solidFill>
-                  <a:schemeClr val="tx1">
-                    <a:tint val="75000"/>
-                  </a:schemeClr>
+                  <a:schemeClr val="tx1"/>
                 </a:solidFill>
               </a:defRPr>
             </a:lvl1pPr>
             <a:lvl2pPr marL="457200" indent="0">
               <a:buNone/>
-              <a:defRPr sz="2000">
+              <a:defRPr sz="1800">
                 <a:solidFill>
                   <a:schemeClr val="tx1">
                     <a:tint val="75000"/>
@@ -1044,7 +2723,7 @@
             </a:lvl2pPr>
             <a:lvl3pPr marL="914400" indent="0">
               <a:buNone/>
-              <a:defRPr sz="1800">
+              <a:defRPr sz="1600">
                 <a:solidFill>
                   <a:schemeClr val="tx1">
                     <a:tint val="75000"/>
@@ -1054,7 +2733,7 @@
             </a:lvl3pPr>
             <a:lvl4pPr marL="1371600" indent="0">
               <a:buNone/>
-              <a:defRPr sz="1600">
+              <a:defRPr sz="1400">
                 <a:solidFill>
                   <a:schemeClr val="tx1">
                     <a:tint val="75000"/>
@@ -1064,7 +2743,7 @@
             </a:lvl4pPr>
             <a:lvl5pPr marL="1828800" indent="0">
               <a:buNone/>
-              <a:defRPr sz="1600">
+              <a:defRPr sz="1400">
                 <a:solidFill>
                   <a:schemeClr val="tx1">
                     <a:tint val="75000"/>
@@ -1074,7 +2753,7 @@
             </a:lvl5pPr>
             <a:lvl6pPr marL="2286000" indent="0">
               <a:buNone/>
-              <a:defRPr sz="1600">
+              <a:defRPr sz="1400">
                 <a:solidFill>
                   <a:schemeClr val="tx1">
                     <a:tint val="75000"/>
@@ -1084,7 +2763,7 @@
             </a:lvl6pPr>
             <a:lvl7pPr marL="2743200" indent="0">
               <a:buNone/>
-              <a:defRPr sz="1600">
+              <a:defRPr sz="1400">
                 <a:solidFill>
                   <a:schemeClr val="tx1">
                     <a:tint val="75000"/>
@@ -1094,7 +2773,7 @@
             </a:lvl7pPr>
             <a:lvl8pPr marL="3200400" indent="0">
               <a:buNone/>
-              <a:defRPr sz="1600">
+              <a:defRPr sz="1400">
                 <a:solidFill>
                   <a:schemeClr val="tx1">
                     <a:tint val="75000"/>
@@ -1104,7 +2783,7 @@
             </a:lvl8pPr>
             <a:lvl9pPr marL="3657600" indent="0">
               <a:buNone/>
-              <a:defRPr sz="1600">
+              <a:defRPr sz="1400">
                 <a:solidFill>
                   <a:schemeClr val="tx1">
                     <a:tint val="75000"/>
@@ -1116,21 +2795,15 @@
           <a:p>
             <a:pPr lvl="0"/>
             <a:r>
-              <a:rPr lang="pt-BR"/>
-              <a:t>Clique para editar os estilos de texto Mestres</a:t>
-            </a:r>
-          </a:p>
-        </p:txBody>
-      </p:sp>
-      <p:sp>
-        <p:nvSpPr>
-          <p:cNvPr id="4" name="Espaço Reservado para Data 3">
-            <a:extLst>
-              <a:ext uri="{FF2B5EF4-FFF2-40B4-BE49-F238E27FC236}">
-                <a16:creationId xmlns:a16="http://schemas.microsoft.com/office/drawing/2014/main" id="{BEC03113-5A79-4485-B29D-B217A0F2574F}"/>
-              </a:ext>
-            </a:extLst>
-          </p:cNvPr>
+              <a:rPr lang="pt-BR" smtClean="0"/>
+              <a:t>Editar estilos de texto Mestre</a:t>
+            </a:r>
+          </a:p>
+        </p:txBody>
+      </p:sp>
+      <p:sp>
+        <p:nvSpPr>
+          <p:cNvPr id="4" name="Date Placeholder 3"/>
           <p:cNvSpPr>
             <a:spLocks noGrp="1"/>
           </p:cNvSpPr>
@@ -1138,14 +2811,19 @@
             <p:ph type="dt" sz="half" idx="10"/>
           </p:nvPr>
         </p:nvSpPr>
-        <p:spPr/>
+        <p:spPr>
+          <a:xfrm>
+            <a:off x="8593667" y="6272784"/>
+            <a:ext cx="2644309" cy="365125"/>
+          </a:xfrm>
+        </p:spPr>
         <p:txBody>
           <a:bodyPr/>
           <a:lstStyle/>
           <a:p>
             <a:fld id="{0A1764AE-7598-4101-9D63-6EC8D69CE664}" type="datetimeFigureOut">
               <a:rPr lang="pt-BR" smtClean="0"/>
-              <a:t>12/12/2023</a:t>
+              <a:t>22/01/2024</a:t>
             </a:fld>
             <a:endParaRPr lang="pt-BR"/>
           </a:p>
@@ -1153,13 +2831,7 @@
       </p:sp>
       <p:sp>
         <p:nvSpPr>
-          <p:cNvPr id="5" name="Espaço Reservado para Rodapé 4">
-            <a:extLst>
-              <a:ext uri="{FF2B5EF4-FFF2-40B4-BE49-F238E27FC236}">
-                <a16:creationId xmlns:a16="http://schemas.microsoft.com/office/drawing/2014/main" id="{B9A68206-DA39-29CA-3E43-5B6C80D0ACAC}"/>
-              </a:ext>
-            </a:extLst>
-          </p:cNvPr>
+          <p:cNvPr id="5" name="Footer Placeholder 4"/>
           <p:cNvSpPr>
             <a:spLocks noGrp="1"/>
           </p:cNvSpPr>
@@ -1167,7 +2839,12 @@
             <p:ph type="ftr" sz="quarter" idx="11"/>
           </p:nvPr>
         </p:nvSpPr>
-        <p:spPr/>
+        <p:spPr>
+          <a:xfrm>
+            <a:off x="2182708" y="6272784"/>
+            <a:ext cx="6327648" cy="365125"/>
+          </a:xfrm>
+        </p:spPr>
         <p:txBody>
           <a:bodyPr/>
           <a:lstStyle/>
@@ -1176,15 +2853,93 @@
           </a:p>
         </p:txBody>
       </p:sp>
-      <p:sp>
-        <p:nvSpPr>
-          <p:cNvPr id="6" name="Espaço Reservado para Número de Slide 5">
-            <a:extLst>
-              <a:ext uri="{FF2B5EF4-FFF2-40B4-BE49-F238E27FC236}">
-                <a16:creationId xmlns:a16="http://schemas.microsoft.com/office/drawing/2014/main" id="{84C4A3F7-BD6A-5BAA-09BB-D4827C72A423}"/>
-              </a:ext>
-            </a:extLst>
-          </p:cNvPr>
+      <p:grpSp>
+        <p:nvGrpSpPr>
+          <p:cNvPr id="8" name="Group 7"/>
+          <p:cNvGrpSpPr/>
+          <p:nvPr/>
+        </p:nvGrpSpPr>
+        <p:grpSpPr>
+          <a:xfrm>
+            <a:off x="897399" y="2325848"/>
+            <a:ext cx="1080904" cy="1080902"/>
+            <a:chOff x="9685338" y="4460675"/>
+            <a:chExt cx="1080904" cy="1080902"/>
+          </a:xfrm>
+        </p:grpSpPr>
+        <p:sp>
+          <p:nvSpPr>
+            <p:cNvPr id="9" name="Oval 8"/>
+            <p:cNvSpPr/>
+            <p:nvPr/>
+          </p:nvSpPr>
+          <p:spPr>
+            <a:xfrm>
+              <a:off x="9685338" y="4460675"/>
+              <a:ext cx="1080904" cy="1080902"/>
+            </a:xfrm>
+            <a:prstGeom prst="ellipse">
+              <a:avLst/>
+            </a:prstGeom>
+            <a:blipFill dpi="0" rotWithShape="1">
+              <a:blip r:embed="rId4">
+                <a:duotone>
+                  <a:schemeClr val="accent1">
+                    <a:shade val="45000"/>
+                    <a:satMod val="135000"/>
+                  </a:schemeClr>
+                  <a:prstClr val="white"/>
+                </a:duotone>
+                <a:extLst>
+                  <a:ext uri="{BEBA8EAE-BF5A-486C-A8C5-ECC9F3942E4B}">
+                    <a14:imgProps xmlns:a14="http://schemas.microsoft.com/office/drawing/2010/main">
+                      <a14:imgLayer r:embed="rId5">
+                        <a14:imgEffect>
+                          <a14:saturation sat="95000"/>
+                        </a14:imgEffect>
+                      </a14:imgLayer>
+                    </a14:imgProps>
+                  </a:ext>
+                </a:extLst>
+              </a:blip>
+              <a:srcRect/>
+              <a:tile tx="0" ty="0" sx="85000" sy="85000" flip="none" algn="tl"/>
+            </a:blipFill>
+            <a:ln w="25400" cap="flat" cmpd="sng" algn="ctr">
+              <a:noFill/>
+              <a:prstDash val="solid"/>
+            </a:ln>
+            <a:effectLst/>
+          </p:spPr>
+        </p:sp>
+        <p:sp>
+          <p:nvSpPr>
+            <p:cNvPr id="10" name="Oval 9"/>
+            <p:cNvSpPr/>
+            <p:nvPr/>
+          </p:nvSpPr>
+          <p:spPr>
+            <a:xfrm>
+              <a:off x="9793429" y="4568765"/>
+              <a:ext cx="864723" cy="864722"/>
+            </a:xfrm>
+            <a:prstGeom prst="ellipse">
+              <a:avLst/>
+            </a:prstGeom>
+            <a:noFill/>
+            <a:ln w="25400" cap="flat" cmpd="sng" algn="ctr">
+              <a:solidFill>
+                <a:sysClr val="window" lastClr="FFFFFF"/>
+              </a:solidFill>
+              <a:prstDash val="solid"/>
+            </a:ln>
+            <a:effectLst/>
+          </p:spPr>
+        </p:sp>
+      </p:grpSp>
+      <p:sp>
+        <p:nvSpPr>
+          <p:cNvPr id="6" name="Slide Number Placeholder 5"/>
           <p:cNvSpPr>
             <a:spLocks noGrp="1"/>
           </p:cNvSpPr>
@@ -1192,10 +2947,19 @@
             <p:ph type="sldNum" sz="quarter" idx="12"/>
           </p:nvPr>
         </p:nvSpPr>
-        <p:spPr/>
+        <p:spPr>
+          <a:xfrm>
+            <a:off x="843702" y="2506133"/>
+            <a:ext cx="1188298" cy="720332"/>
+          </a:xfrm>
+        </p:spPr>
         <p:txBody>
           <a:bodyPr/>
-          <a:lstStyle/>
+          <a:lstStyle>
+            <a:lvl1pPr>
+              <a:defRPr sz="2800"/>
+            </a:lvl1pPr>
+          </a:lstStyle>
           <a:p>
             <a:fld id="{84EAA556-297A-4E44-9FC9-9ADE912AD739}" type="slidenum">
               <a:rPr lang="pt-BR" smtClean="0"/>
@@ -1208,7 +2972,7 @@
     </p:spTree>
     <p:extLst>
       <p:ext uri="{BB962C8B-B14F-4D97-AF65-F5344CB8AC3E}">
-        <p14:creationId xmlns:p14="http://schemas.microsoft.com/office/powerpoint/2010/main" val="261034518"/>
+        <p14:creationId xmlns:p14="http://schemas.microsoft.com/office/powerpoint/2010/main" val="1456646819"/>
       </p:ext>
     </p:extLst>
   </p:cSld>
@@ -1237,13 +3001,7 @@
       </p:grpSpPr>
       <p:sp>
         <p:nvSpPr>
-          <p:cNvPr id="2" name="Título 1">
-            <a:extLst>
-              <a:ext uri="{FF2B5EF4-FFF2-40B4-BE49-F238E27FC236}">
-                <a16:creationId xmlns:a16="http://schemas.microsoft.com/office/drawing/2014/main" id="{10502386-D165-6AFB-97EE-0D73E5E10CE4}"/>
-              </a:ext>
-            </a:extLst>
-          </p:cNvPr>
+          <p:cNvPr id="2" name="Title 1"/>
           <p:cNvSpPr>
             <a:spLocks noGrp="1"/>
           </p:cNvSpPr>
@@ -1257,21 +3015,16 @@
           <a:lstStyle/>
           <a:p>
             <a:r>
-              <a:rPr lang="pt-BR"/>
-              <a:t>Clique para editar o título Mestre</a:t>
-            </a:r>
-          </a:p>
-        </p:txBody>
-      </p:sp>
-      <p:sp>
-        <p:nvSpPr>
-          <p:cNvPr id="3" name="Espaço Reservado para Conteúdo 2">
-            <a:extLst>
-              <a:ext uri="{FF2B5EF4-FFF2-40B4-BE49-F238E27FC236}">
-                <a16:creationId xmlns:a16="http://schemas.microsoft.com/office/drawing/2014/main" id="{DB43AC91-78AC-4637-FCA9-169600D7B7B8}"/>
-              </a:ext>
-            </a:extLst>
-          </p:cNvPr>
+              <a:rPr lang="pt-BR" smtClean="0"/>
+              <a:t>Clique para editar o título mestre</a:t>
+            </a:r>
+            <a:endParaRPr lang="en-US" dirty="0"/>
+          </a:p>
+        </p:txBody>
+      </p:sp>
+      <p:sp>
+        <p:nvSpPr>
+          <p:cNvPr id="3" name="Content Placeholder 2"/>
           <p:cNvSpPr>
             <a:spLocks noGrp="1"/>
           </p:cNvSpPr>
@@ -1281,59 +3034,82 @@
         </p:nvSpPr>
         <p:spPr>
           <a:xfrm>
-            <a:off x="838200" y="1825625"/>
-            <a:ext cx="5181600" cy="4351338"/>
+            <a:off x="1069848" y="2194560"/>
+            <a:ext cx="4754880" cy="3977640"/>
           </a:xfrm>
         </p:spPr>
         <p:txBody>
           <a:bodyPr/>
-          <a:lstStyle/>
+          <a:lstStyle>
+            <a:lvl1pPr>
+              <a:defRPr sz="2000"/>
+            </a:lvl1pPr>
+            <a:lvl2pPr>
+              <a:defRPr sz="1800"/>
+            </a:lvl2pPr>
+            <a:lvl3pPr>
+              <a:defRPr sz="1600"/>
+            </a:lvl3pPr>
+            <a:lvl4pPr>
+              <a:defRPr sz="1600"/>
+            </a:lvl4pPr>
+            <a:lvl5pPr>
+              <a:defRPr sz="1600"/>
+            </a:lvl5pPr>
+            <a:lvl6pPr>
+              <a:defRPr sz="1600"/>
+            </a:lvl6pPr>
+            <a:lvl7pPr>
+              <a:defRPr sz="1600"/>
+            </a:lvl7pPr>
+            <a:lvl8pPr>
+              <a:defRPr sz="1600"/>
+            </a:lvl8pPr>
+            <a:lvl9pPr>
+              <a:defRPr sz="1600"/>
+            </a:lvl9pPr>
+          </a:lstStyle>
           <a:p>
             <a:pPr lvl="0"/>
             <a:r>
-              <a:rPr lang="pt-BR"/>
-              <a:t>Clique para editar os estilos de texto Mestres</a:t>
+              <a:rPr lang="pt-BR" smtClean="0"/>
+              <a:t>Editar estilos de texto Mestre</a:t>
             </a:r>
           </a:p>
           <a:p>
             <a:pPr lvl="1"/>
             <a:r>
-              <a:rPr lang="pt-BR"/>
+              <a:rPr lang="pt-BR" smtClean="0"/>
               <a:t>Segundo nível</a:t>
             </a:r>
           </a:p>
           <a:p>
             <a:pPr lvl="2"/>
             <a:r>
-              <a:rPr lang="pt-BR"/>
+              <a:rPr lang="pt-BR" smtClean="0"/>
               <a:t>Terceiro nível</a:t>
             </a:r>
           </a:p>
           <a:p>
             <a:pPr lvl="3"/>
             <a:r>
-              <a:rPr lang="pt-BR"/>
+              <a:rPr lang="pt-BR" smtClean="0"/>
               <a:t>Quarto nível</a:t>
             </a:r>
           </a:p>
           <a:p>
             <a:pPr lvl="4"/>
             <a:r>
-              <a:rPr lang="pt-BR"/>
+              <a:rPr lang="pt-BR" smtClean="0"/>
               <a:t>Quinto nível</a:t>
             </a:r>
-          </a:p>
-        </p:txBody>
-      </p:sp>
-      <p:sp>
-        <p:nvSpPr>
-          <p:cNvPr id="4" name="Espaço Reservado para Conteúdo 3">
-            <a:extLst>
-              <a:ext uri="{FF2B5EF4-FFF2-40B4-BE49-F238E27FC236}">
-                <a16:creationId xmlns:a16="http://schemas.microsoft.com/office/drawing/2014/main" id="{A5148302-F134-9971-4FD3-1B50D4C9233E}"/>
-              </a:ext>
-            </a:extLst>
-          </p:cNvPr>
+            <a:endParaRPr lang="en-US" dirty="0"/>
+          </a:p>
+        </p:txBody>
+      </p:sp>
+      <p:sp>
+        <p:nvSpPr>
+          <p:cNvPr id="4" name="Content Placeholder 3"/>
           <p:cNvSpPr>
             <a:spLocks noGrp="1"/>
           </p:cNvSpPr>
@@ -1343,59 +3119,82 @@
         </p:nvSpPr>
         <p:spPr>
           <a:xfrm>
-            <a:off x="6172200" y="1825625"/>
-            <a:ext cx="5181600" cy="4351338"/>
+            <a:off x="6364224" y="2194560"/>
+            <a:ext cx="4754880" cy="3977640"/>
           </a:xfrm>
         </p:spPr>
         <p:txBody>
           <a:bodyPr/>
-          <a:lstStyle/>
+          <a:lstStyle>
+            <a:lvl1pPr>
+              <a:defRPr sz="2000"/>
+            </a:lvl1pPr>
+            <a:lvl2pPr>
+              <a:defRPr sz="1800"/>
+            </a:lvl2pPr>
+            <a:lvl3pPr>
+              <a:defRPr sz="1600"/>
+            </a:lvl3pPr>
+            <a:lvl4pPr>
+              <a:defRPr sz="1600"/>
+            </a:lvl4pPr>
+            <a:lvl5pPr>
+              <a:defRPr sz="1600"/>
+            </a:lvl5pPr>
+            <a:lvl6pPr>
+              <a:defRPr sz="1600"/>
+            </a:lvl6pPr>
+            <a:lvl7pPr>
+              <a:defRPr sz="1600"/>
+            </a:lvl7pPr>
+            <a:lvl8pPr>
+              <a:defRPr sz="1600"/>
+            </a:lvl8pPr>
+            <a:lvl9pPr>
+              <a:defRPr sz="1600"/>
+            </a:lvl9pPr>
+          </a:lstStyle>
           <a:p>
             <a:pPr lvl="0"/>
             <a:r>
-              <a:rPr lang="pt-BR"/>
-              <a:t>Clique para editar os estilos de texto Mestres</a:t>
+              <a:rPr lang="pt-BR" smtClean="0"/>
+              <a:t>Editar estilos de texto Mestre</a:t>
             </a:r>
           </a:p>
           <a:p>
             <a:pPr lvl="1"/>
             <a:r>
-              <a:rPr lang="pt-BR"/>
+              <a:rPr lang="pt-BR" smtClean="0"/>
               <a:t>Segundo nível</a:t>
             </a:r>
           </a:p>
           <a:p>
             <a:pPr lvl="2"/>
             <a:r>
-              <a:rPr lang="pt-BR"/>
+              <a:rPr lang="pt-BR" smtClean="0"/>
               <a:t>Terceiro nível</a:t>
             </a:r>
           </a:p>
           <a:p>
             <a:pPr lvl="3"/>
             <a:r>
-              <a:rPr lang="pt-BR"/>
+              <a:rPr lang="pt-BR" smtClean="0"/>
               <a:t>Quarto nível</a:t>
             </a:r>
           </a:p>
           <a:p>
             <a:pPr lvl="4"/>
             <a:r>
-              <a:rPr lang="pt-BR"/>
+              <a:rPr lang="pt-BR" smtClean="0"/>
               <a:t>Quinto nível</a:t>
             </a:r>
-          </a:p>
-        </p:txBody>
-      </p:sp>
-      <p:sp>
-        <p:nvSpPr>
-          <p:cNvPr id="5" name="Espaço Reservado para Data 4">
-            <a:extLst>
-              <a:ext uri="{FF2B5EF4-FFF2-40B4-BE49-F238E27FC236}">
-                <a16:creationId xmlns:a16="http://schemas.microsoft.com/office/drawing/2014/main" id="{73C09710-9781-FCF7-BC2A-4C11C64A42F6}"/>
-              </a:ext>
-            </a:extLst>
-          </p:cNvPr>
+            <a:endParaRPr lang="en-US" dirty="0"/>
+          </a:p>
+        </p:txBody>
+      </p:sp>
+      <p:sp>
+        <p:nvSpPr>
+          <p:cNvPr id="5" name="Date Placeholder 4"/>
           <p:cNvSpPr>
             <a:spLocks noGrp="1"/>
           </p:cNvSpPr>
@@ -1410,7 +3209,7 @@
           <a:p>
             <a:fld id="{0A1764AE-7598-4101-9D63-6EC8D69CE664}" type="datetimeFigureOut">
               <a:rPr lang="pt-BR" smtClean="0"/>
-              <a:t>12/12/2023</a:t>
+              <a:t>22/01/2024</a:t>
             </a:fld>
             <a:endParaRPr lang="pt-BR"/>
           </a:p>
@@ -1418,13 +3217,7 @@
       </p:sp>
       <p:sp>
         <p:nvSpPr>
-          <p:cNvPr id="6" name="Espaço Reservado para Rodapé 5">
-            <a:extLst>
-              <a:ext uri="{FF2B5EF4-FFF2-40B4-BE49-F238E27FC236}">
-                <a16:creationId xmlns:a16="http://schemas.microsoft.com/office/drawing/2014/main" id="{CE3CA3C3-D017-FD92-2490-D75299F3A355}"/>
-              </a:ext>
-            </a:extLst>
-          </p:cNvPr>
+          <p:cNvPr id="6" name="Footer Placeholder 5"/>
           <p:cNvSpPr>
             <a:spLocks noGrp="1"/>
           </p:cNvSpPr>
@@ -1443,13 +3236,7 @@
       </p:sp>
       <p:sp>
         <p:nvSpPr>
-          <p:cNvPr id="7" name="Espaço Reservado para Número de Slide 6">
-            <a:extLst>
-              <a:ext uri="{FF2B5EF4-FFF2-40B4-BE49-F238E27FC236}">
-                <a16:creationId xmlns:a16="http://schemas.microsoft.com/office/drawing/2014/main" id="{78455C23-1DDF-5934-AAED-636C1FBCEF90}"/>
-              </a:ext>
-            </a:extLst>
-          </p:cNvPr>
+          <p:cNvPr id="7" name="Slide Number Placeholder 6"/>
           <p:cNvSpPr>
             <a:spLocks noGrp="1"/>
           </p:cNvSpPr>
@@ -1473,7 +3260,7 @@
     </p:spTree>
     <p:extLst>
       <p:ext uri="{BB962C8B-B14F-4D97-AF65-F5344CB8AC3E}">
-        <p14:creationId xmlns:p14="http://schemas.microsoft.com/office/powerpoint/2010/main" val="75410785"/>
+        <p14:creationId xmlns:p14="http://schemas.microsoft.com/office/powerpoint/2010/main" val="4132231908"/>
       </p:ext>
     </p:extLst>
   </p:cSld>
@@ -1502,65 +3289,57 @@
       </p:grpSpPr>
       <p:sp>
         <p:nvSpPr>
-          <p:cNvPr id="2" name="Título 1">
-            <a:extLst>
-              <a:ext uri="{FF2B5EF4-FFF2-40B4-BE49-F238E27FC236}">
-                <a16:creationId xmlns:a16="http://schemas.microsoft.com/office/drawing/2014/main" id="{9817F0D7-C06C-E2EF-FE9E-D792DE0C741F}"/>
-              </a:ext>
-            </a:extLst>
-          </p:cNvPr>
+          <p:cNvPr id="10" name="Title 9"/>
           <p:cNvSpPr>
             <a:spLocks noGrp="1"/>
           </p:cNvSpPr>
           <p:nvPr>
             <p:ph type="title"/>
+          </p:nvPr>
+        </p:nvSpPr>
+        <p:spPr/>
+        <p:txBody>
+          <a:bodyPr/>
+          <a:lstStyle/>
+          <a:p>
+            <a:r>
+              <a:rPr lang="pt-BR" smtClean="0"/>
+              <a:t>Clique para editar o título mestre</a:t>
+            </a:r>
+            <a:endParaRPr lang="en-US" dirty="0"/>
+          </a:p>
+        </p:txBody>
+      </p:sp>
+      <p:sp>
+        <p:nvSpPr>
+          <p:cNvPr id="3" name="Text Placeholder 2"/>
+          <p:cNvSpPr>
+            <a:spLocks noGrp="1"/>
+          </p:cNvSpPr>
+          <p:nvPr>
+            <p:ph type="body" idx="1"/>
           </p:nvPr>
         </p:nvSpPr>
         <p:spPr>
           <a:xfrm>
-            <a:off x="839788" y="365125"/>
-            <a:ext cx="10515600" cy="1325563"/>
+            <a:off x="1066800" y="2048256"/>
+            <a:ext cx="4754880" cy="640080"/>
           </a:xfrm>
         </p:spPr>
         <p:txBody>
-          <a:bodyPr/>
-          <a:lstStyle/>
-          <a:p>
-            <a:r>
-              <a:rPr lang="pt-BR"/>
-              <a:t>Clique para editar o título Mestre</a:t>
-            </a:r>
-          </a:p>
-        </p:txBody>
-      </p:sp>
-      <p:sp>
-        <p:nvSpPr>
-          <p:cNvPr id="3" name="Espaço Reservado para Texto 2">
-            <a:extLst>
-              <a:ext uri="{FF2B5EF4-FFF2-40B4-BE49-F238E27FC236}">
-                <a16:creationId xmlns:a16="http://schemas.microsoft.com/office/drawing/2014/main" id="{D0394356-95F6-00FC-DB98-D96F00BE6AE5}"/>
-              </a:ext>
-            </a:extLst>
-          </p:cNvPr>
-          <p:cNvSpPr>
-            <a:spLocks noGrp="1"/>
-          </p:cNvSpPr>
-          <p:nvPr>
-            <p:ph type="body" idx="1"/>
-          </p:nvPr>
-        </p:nvSpPr>
-        <p:spPr>
-          <a:xfrm>
-            <a:off x="839788" y="1681163"/>
-            <a:ext cx="5157787" cy="823912"/>
-          </a:xfrm>
-        </p:spPr>
-        <p:txBody>
-          <a:bodyPr anchor="b"/>
+          <a:bodyPr anchor="ctr">
+            <a:normAutofit/>
+          </a:bodyPr>
           <a:lstStyle>
             <a:lvl1pPr marL="0" indent="0">
               <a:buNone/>
-              <a:defRPr sz="2400" b="1"/>
+              <a:defRPr sz="2000" b="1">
+                <a:solidFill>
+                  <a:schemeClr val="accent1">
+                    <a:lumMod val="75000"/>
+                  </a:schemeClr>
+                </a:solidFill>
+              </a:defRPr>
             </a:lvl1pPr>
             <a:lvl2pPr marL="457200" indent="0">
               <a:buNone/>
@@ -1598,21 +3377,15 @@
           <a:p>
             <a:pPr lvl="0"/>
             <a:r>
-              <a:rPr lang="pt-BR"/>
-              <a:t>Clique para editar os estilos de texto Mestres</a:t>
-            </a:r>
-          </a:p>
-        </p:txBody>
-      </p:sp>
-      <p:sp>
-        <p:nvSpPr>
-          <p:cNvPr id="4" name="Espaço Reservado para Conteúdo 3">
-            <a:extLst>
-              <a:ext uri="{FF2B5EF4-FFF2-40B4-BE49-F238E27FC236}">
-                <a16:creationId xmlns:a16="http://schemas.microsoft.com/office/drawing/2014/main" id="{42D4766A-00F5-2090-A621-6FB6F26549CF}"/>
-              </a:ext>
-            </a:extLst>
-          </p:cNvPr>
+              <a:rPr lang="pt-BR" smtClean="0"/>
+              <a:t>Editar estilos de texto Mestre</a:t>
+            </a:r>
+          </a:p>
+        </p:txBody>
+      </p:sp>
+      <p:sp>
+        <p:nvSpPr>
+          <p:cNvPr id="4" name="Content Placeholder 3"/>
           <p:cNvSpPr>
             <a:spLocks noGrp="1"/>
           </p:cNvSpPr>
@@ -1622,59 +3395,82 @@
         </p:nvSpPr>
         <p:spPr>
           <a:xfrm>
-            <a:off x="839788" y="2505075"/>
-            <a:ext cx="5157787" cy="3684588"/>
+            <a:off x="1069848" y="2743200"/>
+            <a:ext cx="4754880" cy="3291840"/>
           </a:xfrm>
         </p:spPr>
         <p:txBody>
           <a:bodyPr/>
-          <a:lstStyle/>
+          <a:lstStyle>
+            <a:lvl1pPr>
+              <a:defRPr sz="2000"/>
+            </a:lvl1pPr>
+            <a:lvl2pPr>
+              <a:defRPr sz="1800"/>
+            </a:lvl2pPr>
+            <a:lvl3pPr>
+              <a:defRPr sz="1600"/>
+            </a:lvl3pPr>
+            <a:lvl4pPr>
+              <a:defRPr sz="1600"/>
+            </a:lvl4pPr>
+            <a:lvl5pPr>
+              <a:defRPr sz="1600"/>
+            </a:lvl5pPr>
+            <a:lvl6pPr>
+              <a:defRPr sz="1600"/>
+            </a:lvl6pPr>
+            <a:lvl7pPr>
+              <a:defRPr sz="1600"/>
+            </a:lvl7pPr>
+            <a:lvl8pPr>
+              <a:defRPr sz="1600"/>
+            </a:lvl8pPr>
+            <a:lvl9pPr>
+              <a:defRPr sz="1600"/>
+            </a:lvl9pPr>
+          </a:lstStyle>
           <a:p>
             <a:pPr lvl="0"/>
             <a:r>
-              <a:rPr lang="pt-BR"/>
-              <a:t>Clique para editar os estilos de texto Mestres</a:t>
+              <a:rPr lang="pt-BR" smtClean="0"/>
+              <a:t>Editar estilos de texto Mestre</a:t>
             </a:r>
           </a:p>
           <a:p>
             <a:pPr lvl="1"/>
             <a:r>
-              <a:rPr lang="pt-BR"/>
+              <a:rPr lang="pt-BR" smtClean="0"/>
               <a:t>Segundo nível</a:t>
             </a:r>
           </a:p>
           <a:p>
             <a:pPr lvl="2"/>
             <a:r>
-              <a:rPr lang="pt-BR"/>
+              <a:rPr lang="pt-BR" smtClean="0"/>
               <a:t>Terceiro nível</a:t>
             </a:r>
           </a:p>
           <a:p>
             <a:pPr lvl="3"/>
             <a:r>
-              <a:rPr lang="pt-BR"/>
+              <a:rPr lang="pt-BR" smtClean="0"/>
               <a:t>Quarto nível</a:t>
             </a:r>
           </a:p>
           <a:p>
             <a:pPr lvl="4"/>
             <a:r>
-              <a:rPr lang="pt-BR"/>
+              <a:rPr lang="pt-BR" smtClean="0"/>
               <a:t>Quinto nível</a:t>
             </a:r>
-          </a:p>
-        </p:txBody>
-      </p:sp>
-      <p:sp>
-        <p:nvSpPr>
-          <p:cNvPr id="5" name="Espaço Reservado para Texto 4">
-            <a:extLst>
-              <a:ext uri="{FF2B5EF4-FFF2-40B4-BE49-F238E27FC236}">
-                <a16:creationId xmlns:a16="http://schemas.microsoft.com/office/drawing/2014/main" id="{DD07265A-892C-08C6-CB78-0A3B03E728C6}"/>
-              </a:ext>
-            </a:extLst>
-          </p:cNvPr>
+            <a:endParaRPr lang="en-US" dirty="0"/>
+          </a:p>
+        </p:txBody>
+      </p:sp>
+      <p:sp>
+        <p:nvSpPr>
+          <p:cNvPr id="5" name="Text Placeholder 4"/>
           <p:cNvSpPr>
             <a:spLocks noGrp="1"/>
           </p:cNvSpPr>
@@ -1684,16 +3480,24 @@
         </p:nvSpPr>
         <p:spPr>
           <a:xfrm>
-            <a:off x="6172200" y="1681163"/>
-            <a:ext cx="5183188" cy="823912"/>
+            <a:off x="6364224" y="2048256"/>
+            <a:ext cx="4754880" cy="640080"/>
           </a:xfrm>
         </p:spPr>
         <p:txBody>
-          <a:bodyPr anchor="b"/>
+          <a:bodyPr anchor="ctr">
+            <a:normAutofit/>
+          </a:bodyPr>
           <a:lstStyle>
             <a:lvl1pPr marL="0" indent="0">
               <a:buNone/>
-              <a:defRPr sz="2400" b="1"/>
+              <a:defRPr sz="2000" b="1">
+                <a:solidFill>
+                  <a:schemeClr val="accent1">
+                    <a:lumMod val="75000"/>
+                  </a:schemeClr>
+                </a:solidFill>
+              </a:defRPr>
             </a:lvl1pPr>
             <a:lvl2pPr marL="457200" indent="0">
               <a:buNone/>
@@ -1731,21 +3535,15 @@
           <a:p>
             <a:pPr lvl="0"/>
             <a:r>
-              <a:rPr lang="pt-BR"/>
-              <a:t>Clique para editar os estilos de texto Mestres</a:t>
-            </a:r>
-          </a:p>
-        </p:txBody>
-      </p:sp>
-      <p:sp>
-        <p:nvSpPr>
-          <p:cNvPr id="6" name="Espaço Reservado para Conteúdo 5">
-            <a:extLst>
-              <a:ext uri="{FF2B5EF4-FFF2-40B4-BE49-F238E27FC236}">
-                <a16:creationId xmlns:a16="http://schemas.microsoft.com/office/drawing/2014/main" id="{6BE97ADF-D67D-12DD-97C0-E47DF6855472}"/>
-              </a:ext>
-            </a:extLst>
-          </p:cNvPr>
+              <a:rPr lang="pt-BR" smtClean="0"/>
+              <a:t>Editar estilos de texto Mestre</a:t>
+            </a:r>
+          </a:p>
+        </p:txBody>
+      </p:sp>
+      <p:sp>
+        <p:nvSpPr>
+          <p:cNvPr id="6" name="Content Placeholder 5"/>
           <p:cNvSpPr>
             <a:spLocks noGrp="1"/>
           </p:cNvSpPr>
@@ -1755,59 +3553,82 @@
         </p:nvSpPr>
         <p:spPr>
           <a:xfrm>
-            <a:off x="6172200" y="2505075"/>
-            <a:ext cx="5183188" cy="3684588"/>
+            <a:off x="6364224" y="2743200"/>
+            <a:ext cx="4754880" cy="3291840"/>
           </a:xfrm>
         </p:spPr>
         <p:txBody>
           <a:bodyPr/>
-          <a:lstStyle/>
+          <a:lstStyle>
+            <a:lvl1pPr>
+              <a:defRPr sz="2000"/>
+            </a:lvl1pPr>
+            <a:lvl2pPr>
+              <a:defRPr sz="1800"/>
+            </a:lvl2pPr>
+            <a:lvl3pPr>
+              <a:defRPr sz="1600"/>
+            </a:lvl3pPr>
+            <a:lvl4pPr>
+              <a:defRPr sz="1600"/>
+            </a:lvl4pPr>
+            <a:lvl5pPr>
+              <a:defRPr sz="1600"/>
+            </a:lvl5pPr>
+            <a:lvl6pPr>
+              <a:defRPr sz="1600"/>
+            </a:lvl6pPr>
+            <a:lvl7pPr>
+              <a:defRPr sz="1600"/>
+            </a:lvl7pPr>
+            <a:lvl8pPr>
+              <a:defRPr sz="1600"/>
+            </a:lvl8pPr>
+            <a:lvl9pPr>
+              <a:defRPr sz="1600"/>
+            </a:lvl9pPr>
+          </a:lstStyle>
           <a:p>
             <a:pPr lvl="0"/>
             <a:r>
-              <a:rPr lang="pt-BR"/>
-              <a:t>Clique para editar os estilos de texto Mestres</a:t>
+              <a:rPr lang="pt-BR" smtClean="0"/>
+              <a:t>Editar estilos de texto Mestre</a:t>
             </a:r>
           </a:p>
           <a:p>
             <a:pPr lvl="1"/>
             <a:r>
-              <a:rPr lang="pt-BR"/>
+              <a:rPr lang="pt-BR" smtClean="0"/>
               <a:t>Segundo nível</a:t>
             </a:r>
           </a:p>
           <a:p>
             <a:pPr lvl="2"/>
             <a:r>
-              <a:rPr lang="pt-BR"/>
+              <a:rPr lang="pt-BR" smtClean="0"/>
               <a:t>Terceiro nível</a:t>
             </a:r>
           </a:p>
           <a:p>
             <a:pPr lvl="3"/>
             <a:r>
-              <a:rPr lang="pt-BR"/>
+              <a:rPr lang="pt-BR" smtClean="0"/>
               <a:t>Quarto nível</a:t>
             </a:r>
           </a:p>
           <a:p>
             <a:pPr lvl="4"/>
             <a:r>
-              <a:rPr lang="pt-BR"/>
+              <a:rPr lang="pt-BR" smtClean="0"/>
               <a:t>Quinto nível</a:t>
             </a:r>
-          </a:p>
-        </p:txBody>
-      </p:sp>
-      <p:sp>
-        <p:nvSpPr>
-          <p:cNvPr id="7" name="Espaço Reservado para Data 6">
-            <a:extLst>
-              <a:ext uri="{FF2B5EF4-FFF2-40B4-BE49-F238E27FC236}">
-                <a16:creationId xmlns:a16="http://schemas.microsoft.com/office/drawing/2014/main" id="{A8DF3DBB-5B0F-A8A2-30B1-BB66C8DBA49D}"/>
-              </a:ext>
-            </a:extLst>
-          </p:cNvPr>
+            <a:endParaRPr lang="en-US" dirty="0"/>
+          </a:p>
+        </p:txBody>
+      </p:sp>
+      <p:sp>
+        <p:nvSpPr>
+          <p:cNvPr id="7" name="Date Placeholder 6"/>
           <p:cNvSpPr>
             <a:spLocks noGrp="1"/>
           </p:cNvSpPr>
@@ -1822,7 +3643,7 @@
           <a:p>
             <a:fld id="{0A1764AE-7598-4101-9D63-6EC8D69CE664}" type="datetimeFigureOut">
               <a:rPr lang="pt-BR" smtClean="0"/>
-              <a:t>12/12/2023</a:t>
+              <a:t>22/01/2024</a:t>
             </a:fld>
             <a:endParaRPr lang="pt-BR"/>
           </a:p>
@@ -1830,13 +3651,7 @@
       </p:sp>
       <p:sp>
         <p:nvSpPr>
-          <p:cNvPr id="8" name="Espaço Reservado para Rodapé 7">
-            <a:extLst>
-              <a:ext uri="{FF2B5EF4-FFF2-40B4-BE49-F238E27FC236}">
-                <a16:creationId xmlns:a16="http://schemas.microsoft.com/office/drawing/2014/main" id="{47E1220E-B816-87D3-1AE8-4AD60942B491}"/>
-              </a:ext>
-            </a:extLst>
-          </p:cNvPr>
+          <p:cNvPr id="8" name="Footer Placeholder 7"/>
           <p:cNvSpPr>
             <a:spLocks noGrp="1"/>
           </p:cNvSpPr>
@@ -1855,13 +3670,7 @@
       </p:sp>
       <p:sp>
         <p:nvSpPr>
-          <p:cNvPr id="9" name="Espaço Reservado para Número de Slide 8">
-            <a:extLst>
-              <a:ext uri="{FF2B5EF4-FFF2-40B4-BE49-F238E27FC236}">
-                <a16:creationId xmlns:a16="http://schemas.microsoft.com/office/drawing/2014/main" id="{BF1EC8BA-D2C5-D8E7-6CB1-F30DCA758FAC}"/>
-              </a:ext>
-            </a:extLst>
-          </p:cNvPr>
+          <p:cNvPr id="9" name="Slide Number Placeholder 8"/>
           <p:cNvSpPr>
             <a:spLocks noGrp="1"/>
           </p:cNvSpPr>
@@ -1885,7 +3694,7 @@
     </p:spTree>
     <p:extLst>
       <p:ext uri="{BB962C8B-B14F-4D97-AF65-F5344CB8AC3E}">
-        <p14:creationId xmlns:p14="http://schemas.microsoft.com/office/powerpoint/2010/main" val="3155032841"/>
+        <p14:creationId xmlns:p14="http://schemas.microsoft.com/office/powerpoint/2010/main" val="3333334372"/>
       </p:ext>
     </p:extLst>
   </p:cSld>
@@ -1914,13 +3723,7 @@
       </p:grpSpPr>
       <p:sp>
         <p:nvSpPr>
-          <p:cNvPr id="2" name="Título 1">
-            <a:extLst>
-              <a:ext uri="{FF2B5EF4-FFF2-40B4-BE49-F238E27FC236}">
-                <a16:creationId xmlns:a16="http://schemas.microsoft.com/office/drawing/2014/main" id="{F2FF7027-5AC3-0D33-DEFE-A16A32FEC25B}"/>
-              </a:ext>
-            </a:extLst>
-          </p:cNvPr>
+          <p:cNvPr id="6" name="Title 5"/>
           <p:cNvSpPr>
             <a:spLocks noGrp="1"/>
           </p:cNvSpPr>
@@ -1934,21 +3737,16 @@
           <a:lstStyle/>
           <a:p>
             <a:r>
-              <a:rPr lang="pt-BR"/>
-              <a:t>Clique para editar o título Mestre</a:t>
-            </a:r>
-          </a:p>
-        </p:txBody>
-      </p:sp>
-      <p:sp>
-        <p:nvSpPr>
-          <p:cNvPr id="3" name="Espaço Reservado para Data 2">
-            <a:extLst>
-              <a:ext uri="{FF2B5EF4-FFF2-40B4-BE49-F238E27FC236}">
-                <a16:creationId xmlns:a16="http://schemas.microsoft.com/office/drawing/2014/main" id="{88581B13-ED44-4466-ABC1-C3B74A257FB4}"/>
-              </a:ext>
-            </a:extLst>
-          </p:cNvPr>
+              <a:rPr lang="pt-BR" smtClean="0"/>
+              <a:t>Clique para editar o título mestre</a:t>
+            </a:r>
+            <a:endParaRPr lang="en-US" dirty="0"/>
+          </a:p>
+        </p:txBody>
+      </p:sp>
+      <p:sp>
+        <p:nvSpPr>
+          <p:cNvPr id="3" name="Date Placeholder 2"/>
           <p:cNvSpPr>
             <a:spLocks noGrp="1"/>
           </p:cNvSpPr>
@@ -1963,7 +3761,7 @@
           <a:p>
             <a:fld id="{0A1764AE-7598-4101-9D63-6EC8D69CE664}" type="datetimeFigureOut">
               <a:rPr lang="pt-BR" smtClean="0"/>
-              <a:t>12/12/2023</a:t>
+              <a:t>22/01/2024</a:t>
             </a:fld>
             <a:endParaRPr lang="pt-BR"/>
           </a:p>
@@ -1971,13 +3769,7 @@
       </p:sp>
       <p:sp>
         <p:nvSpPr>
-          <p:cNvPr id="4" name="Espaço Reservado para Rodapé 3">
-            <a:extLst>
-              <a:ext uri="{FF2B5EF4-FFF2-40B4-BE49-F238E27FC236}">
-                <a16:creationId xmlns:a16="http://schemas.microsoft.com/office/drawing/2014/main" id="{FD9905B5-E3B5-C9DC-D5FF-A14DEDD66A34}"/>
-              </a:ext>
-            </a:extLst>
-          </p:cNvPr>
+          <p:cNvPr id="4" name="Footer Placeholder 3"/>
           <p:cNvSpPr>
             <a:spLocks noGrp="1"/>
           </p:cNvSpPr>
@@ -1996,13 +3788,7 @@
       </p:sp>
       <p:sp>
         <p:nvSpPr>
-          <p:cNvPr id="5" name="Espaço Reservado para Número de Slide 4">
-            <a:extLst>
-              <a:ext uri="{FF2B5EF4-FFF2-40B4-BE49-F238E27FC236}">
-                <a16:creationId xmlns:a16="http://schemas.microsoft.com/office/drawing/2014/main" id="{C2CA1CDC-7D10-64A1-3F01-DCABD3852EAC}"/>
-              </a:ext>
-            </a:extLst>
-          </p:cNvPr>
+          <p:cNvPr id="5" name="Slide Number Placeholder 4"/>
           <p:cNvSpPr>
             <a:spLocks noGrp="1"/>
           </p:cNvSpPr>
@@ -2026,7 +3812,7 @@
     </p:spTree>
     <p:extLst>
       <p:ext uri="{BB962C8B-B14F-4D97-AF65-F5344CB8AC3E}">
-        <p14:creationId xmlns:p14="http://schemas.microsoft.com/office/powerpoint/2010/main" val="1335541169"/>
+        <p14:creationId xmlns:p14="http://schemas.microsoft.com/office/powerpoint/2010/main" val="725858296"/>
       </p:ext>
     </p:extLst>
   </p:cSld>
@@ -2038,7 +3824,7 @@
 
 <file path=ppt/slideLayouts/slideLayout7.xml><?xml version="1.0" encoding="utf-8"?>
 <p:sldLayout xmlns:a="http://schemas.openxmlformats.org/drawingml/2006/main" xmlns:r="http://schemas.openxmlformats.org/officeDocument/2006/relationships" xmlns:p="http://schemas.openxmlformats.org/presentationml/2006/main" type="blank" preserve="1">
-  <p:cSld name="Em Branco">
+  <p:cSld name="Em branco">
     <p:spTree>
       <p:nvGrpSpPr>
         <p:cNvPr id="1" name=""/>
@@ -2055,13 +3841,7 @@
       </p:grpSpPr>
       <p:sp>
         <p:nvSpPr>
-          <p:cNvPr id="2" name="Espaço Reservado para Data 1">
-            <a:extLst>
-              <a:ext uri="{FF2B5EF4-FFF2-40B4-BE49-F238E27FC236}">
-                <a16:creationId xmlns:a16="http://schemas.microsoft.com/office/drawing/2014/main" id="{0FDFBB21-AA8B-1347-4822-84B111C48854}"/>
-              </a:ext>
-            </a:extLst>
-          </p:cNvPr>
+          <p:cNvPr id="2" name="Date Placeholder 1"/>
           <p:cNvSpPr>
             <a:spLocks noGrp="1"/>
           </p:cNvSpPr>
@@ -2076,7 +3856,7 @@
           <a:p>
             <a:fld id="{0A1764AE-7598-4101-9D63-6EC8D69CE664}" type="datetimeFigureOut">
               <a:rPr lang="pt-BR" smtClean="0"/>
-              <a:t>12/12/2023</a:t>
+              <a:t>22/01/2024</a:t>
             </a:fld>
             <a:endParaRPr lang="pt-BR"/>
           </a:p>
@@ -2084,13 +3864,7 @@
       </p:sp>
       <p:sp>
         <p:nvSpPr>
-          <p:cNvPr id="3" name="Espaço Reservado para Rodapé 2">
-            <a:extLst>
-              <a:ext uri="{FF2B5EF4-FFF2-40B4-BE49-F238E27FC236}">
-                <a16:creationId xmlns:a16="http://schemas.microsoft.com/office/drawing/2014/main" id="{07869940-132C-1297-7F48-04F6C4E9F534}"/>
-              </a:ext>
-            </a:extLst>
-          </p:cNvPr>
+          <p:cNvPr id="3" name="Footer Placeholder 2"/>
           <p:cNvSpPr>
             <a:spLocks noGrp="1"/>
           </p:cNvSpPr>
@@ -2109,13 +3883,7 @@
       </p:sp>
       <p:sp>
         <p:nvSpPr>
-          <p:cNvPr id="4" name="Espaço Reservado para Número de Slide 3">
-            <a:extLst>
-              <a:ext uri="{FF2B5EF4-FFF2-40B4-BE49-F238E27FC236}">
-                <a16:creationId xmlns:a16="http://schemas.microsoft.com/office/drawing/2014/main" id="{2B2A80AF-223B-9180-2B8B-510B5994C013}"/>
-              </a:ext>
-            </a:extLst>
-          </p:cNvPr>
+          <p:cNvPr id="4" name="Slide Number Placeholder 3"/>
           <p:cNvSpPr>
             <a:spLocks noGrp="1"/>
           </p:cNvSpPr>
@@ -2139,7 +3907,7 @@
     </p:spTree>
     <p:extLst>
       <p:ext uri="{BB962C8B-B14F-4D97-AF65-F5344CB8AC3E}">
-        <p14:creationId xmlns:p14="http://schemas.microsoft.com/office/powerpoint/2010/main" val="2815870051"/>
+        <p14:creationId xmlns:p14="http://schemas.microsoft.com/office/powerpoint/2010/main" val="4242450017"/>
       </p:ext>
     </p:extLst>
   </p:cSld>
@@ -2150,7 +3918,7 @@
 </file>
 
 <file path=ppt/slideLayouts/slideLayout8.xml><?xml version="1.0" encoding="utf-8"?>
-<p:sldLayout xmlns:a="http://schemas.openxmlformats.org/drawingml/2006/main" xmlns:r="http://schemas.openxmlformats.org/officeDocument/2006/relationships" xmlns:p="http://schemas.openxmlformats.org/presentationml/2006/main" type="objTx" preserve="1">
+<p:sldLayout xmlns:a="http://schemas.openxmlformats.org/drawingml/2006/main" xmlns:r="http://schemas.openxmlformats.org/officeDocument/2006/relationships" xmlns:p="http://schemas.openxmlformats.org/presentationml/2006/main" showMasterSp="0" type="objTx" preserve="1">
   <p:cSld name="Conteúdo com Legenda">
     <p:spTree>
       <p:nvGrpSpPr>
@@ -2168,50 +3936,98 @@
       </p:grpSpPr>
       <p:sp>
         <p:nvSpPr>
-          <p:cNvPr id="2" name="Título 1">
-            <a:extLst>
-              <a:ext uri="{FF2B5EF4-FFF2-40B4-BE49-F238E27FC236}">
-                <a16:creationId xmlns:a16="http://schemas.microsoft.com/office/drawing/2014/main" id="{16E4D81C-D970-2C20-5213-8F958B99E7E8}"/>
-              </a:ext>
-            </a:extLst>
-          </p:cNvPr>
-          <p:cNvSpPr>
-            <a:spLocks noGrp="1"/>
-          </p:cNvSpPr>
-          <p:nvPr>
-            <p:ph type="title"/>
-          </p:nvPr>
+          <p:cNvPr id="8" name="Rectangle 7"/>
+          <p:cNvSpPr/>
+          <p:nvPr/>
         </p:nvSpPr>
         <p:spPr>
           <a:xfrm>
-            <a:off x="839788" y="457200"/>
-            <a:ext cx="3932237" cy="1600200"/>
+            <a:off x="8303740" y="0"/>
+            <a:ext cx="3888259" cy="6857999"/>
+          </a:xfrm>
+          <a:prstGeom prst="rect">
+            <a:avLst/>
+          </a:prstGeom>
+          <a:blipFill dpi="0" rotWithShape="1">
+            <a:blip r:embed="rId2">
+              <a:alphaModFix amt="60000"/>
+              <a:lum bright="70000" contrast="-70000"/>
+              <a:extLst>
+                <a:ext uri="{BEBA8EAE-BF5A-486C-A8C5-ECC9F3942E4B}">
+                  <a14:imgProps xmlns:a14="http://schemas.microsoft.com/office/drawing/2010/main">
+                    <a14:imgLayer r:embed="rId3">
+                      <a14:imgEffect>
+                        <a14:sharpenSoften amount="61000"/>
+                      </a14:imgEffect>
+                    </a14:imgLayer>
+                  </a14:imgProps>
+                </a:ext>
+                <a:ext uri="{28A0092B-C50C-407E-A947-70E740481C1C}">
+                  <a14:useLocalDpi xmlns:a14="http://schemas.microsoft.com/office/drawing/2010/main" val="0"/>
+                </a:ext>
+              </a:extLst>
+            </a:blip>
+            <a:srcRect/>
+            <a:tile tx="0" ty="-704850" sx="92000" sy="89000" flip="xy" algn="ctr"/>
+          </a:blipFill>
+          <a:ln>
+            <a:noFill/>
+          </a:ln>
+        </p:spPr>
+        <p:style>
+          <a:lnRef idx="2">
+            <a:schemeClr val="accent1">
+              <a:shade val="50000"/>
+            </a:schemeClr>
+          </a:lnRef>
+          <a:fillRef idx="1">
+            <a:schemeClr val="accent1"/>
+          </a:fillRef>
+          <a:effectRef idx="0">
+            <a:schemeClr val="accent1"/>
+          </a:effectRef>
+          <a:fontRef idx="minor">
+            <a:schemeClr val="lt1"/>
+          </a:fontRef>
+        </p:style>
+      </p:sp>
+      <p:sp>
+        <p:nvSpPr>
+          <p:cNvPr id="2" name="Title 1"/>
+          <p:cNvSpPr>
+            <a:spLocks noGrp="1"/>
+          </p:cNvSpPr>
+          <p:nvPr>
+            <p:ph type="title"/>
+          </p:nvPr>
+        </p:nvSpPr>
+        <p:spPr>
+          <a:xfrm>
+            <a:off x="8549640" y="685800"/>
+            <a:ext cx="3200400" cy="1737360"/>
           </a:xfrm>
         </p:spPr>
         <p:txBody>
-          <a:bodyPr anchor="b"/>
+          <a:bodyPr anchor="b">
+            <a:normAutofit/>
+          </a:bodyPr>
           <a:lstStyle>
             <a:lvl1pPr>
-              <a:defRPr sz="3200"/>
+              <a:defRPr sz="3200" b="1"/>
             </a:lvl1pPr>
           </a:lstStyle>
           <a:p>
             <a:r>
-              <a:rPr lang="pt-BR"/>
-              <a:t>Clique para editar o título Mestre</a:t>
-            </a:r>
-          </a:p>
-        </p:txBody>
-      </p:sp>
-      <p:sp>
-        <p:nvSpPr>
-          <p:cNvPr id="3" name="Espaço Reservado para Conteúdo 2">
-            <a:extLst>
-              <a:ext uri="{FF2B5EF4-FFF2-40B4-BE49-F238E27FC236}">
-                <a16:creationId xmlns:a16="http://schemas.microsoft.com/office/drawing/2014/main" id="{184D3C3C-BFA2-273A-F13C-FA36E25528FE}"/>
-              </a:ext>
-            </a:extLst>
-          </p:cNvPr>
+              <a:rPr lang="pt-BR" smtClean="0"/>
+              <a:t>Clique para editar o título mestre</a:t>
+            </a:r>
+            <a:endParaRPr lang="en-US" dirty="0"/>
+          </a:p>
+        </p:txBody>
+      </p:sp>
+      <p:sp>
+        <p:nvSpPr>
+          <p:cNvPr id="3" name="Content Placeholder 2"/>
           <p:cNvSpPr>
             <a:spLocks noGrp="1"/>
           </p:cNvSpPr>
@@ -2221,87 +4037,82 @@
         </p:nvSpPr>
         <p:spPr>
           <a:xfrm>
-            <a:off x="5183188" y="987425"/>
-            <a:ext cx="6172200" cy="4873625"/>
+            <a:off x="838200" y="685800"/>
+            <a:ext cx="6711696" cy="5020056"/>
           </a:xfrm>
         </p:spPr>
         <p:txBody>
           <a:bodyPr/>
           <a:lstStyle>
             <a:lvl1pPr>
-              <a:defRPr sz="3200"/>
+              <a:defRPr sz="2000"/>
             </a:lvl1pPr>
             <a:lvl2pPr>
-              <a:defRPr sz="2800"/>
+              <a:defRPr sz="1800"/>
             </a:lvl2pPr>
             <a:lvl3pPr>
-              <a:defRPr sz="2400"/>
+              <a:defRPr sz="1600"/>
             </a:lvl3pPr>
             <a:lvl4pPr>
-              <a:defRPr sz="2000"/>
+              <a:defRPr sz="1600"/>
             </a:lvl4pPr>
             <a:lvl5pPr>
-              <a:defRPr sz="2000"/>
+              <a:defRPr sz="1600"/>
             </a:lvl5pPr>
             <a:lvl6pPr>
-              <a:defRPr sz="2000"/>
+              <a:defRPr sz="1600"/>
             </a:lvl6pPr>
             <a:lvl7pPr>
-              <a:defRPr sz="2000"/>
+              <a:defRPr sz="1600"/>
             </a:lvl7pPr>
             <a:lvl8pPr>
-              <a:defRPr sz="2000"/>
+              <a:defRPr sz="1600"/>
             </a:lvl8pPr>
             <a:lvl9pPr>
-              <a:defRPr sz="2000"/>
+              <a:defRPr sz="1600"/>
             </a:lvl9pPr>
           </a:lstStyle>
           <a:p>
             <a:pPr lvl="0"/>
             <a:r>
-              <a:rPr lang="pt-BR"/>
-              <a:t>Clique para editar os estilos de texto Mestres</a:t>
+              <a:rPr lang="pt-BR" smtClean="0"/>
+              <a:t>Editar estilos de texto Mestre</a:t>
             </a:r>
           </a:p>
           <a:p>
             <a:pPr lvl="1"/>
             <a:r>
-              <a:rPr lang="pt-BR"/>
+              <a:rPr lang="pt-BR" smtClean="0"/>
               <a:t>Segundo nível</a:t>
             </a:r>
           </a:p>
           <a:p>
             <a:pPr lvl="2"/>
             <a:r>
-              <a:rPr lang="pt-BR"/>
+              <a:rPr lang="pt-BR" smtClean="0"/>
               <a:t>Terceiro nível</a:t>
             </a:r>
           </a:p>
           <a:p>
             <a:pPr lvl="3"/>
             <a:r>
-              <a:rPr lang="pt-BR"/>
+              <a:rPr lang="pt-BR" smtClean="0"/>
               <a:t>Quarto nível</a:t>
             </a:r>
           </a:p>
           <a:p>
             <a:pPr lvl="4"/>
             <a:r>
-              <a:rPr lang="pt-BR"/>
+              <a:rPr lang="pt-BR" smtClean="0"/>
               <a:t>Quinto nível</a:t>
             </a:r>
-          </a:p>
-        </p:txBody>
-      </p:sp>
-      <p:sp>
-        <p:nvSpPr>
-          <p:cNvPr id="4" name="Espaço Reservado para Texto 3">
-            <a:extLst>
-              <a:ext uri="{FF2B5EF4-FFF2-40B4-BE49-F238E27FC236}">
-                <a16:creationId xmlns:a16="http://schemas.microsoft.com/office/drawing/2014/main" id="{56E4EAA5-304C-1E98-B7D5-0A48793C9F5E}"/>
-              </a:ext>
-            </a:extLst>
-          </p:cNvPr>
+            <a:endParaRPr lang="en-US" dirty="0"/>
+          </a:p>
+        </p:txBody>
+      </p:sp>
+      <p:sp>
+        <p:nvSpPr>
+          <p:cNvPr id="4" name="Text Placeholder 3"/>
           <p:cNvSpPr>
             <a:spLocks noGrp="1"/>
           </p:cNvSpPr>
@@ -2311,68 +4122,76 @@
         </p:nvSpPr>
         <p:spPr>
           <a:xfrm>
-            <a:off x="839788" y="2057400"/>
-            <a:ext cx="3932237" cy="3811588"/>
+            <a:off x="8549640" y="2423160"/>
+            <a:ext cx="3200400" cy="3291840"/>
           </a:xfrm>
         </p:spPr>
         <p:txBody>
-          <a:bodyPr/>
+          <a:bodyPr>
+            <a:normAutofit/>
+          </a:bodyPr>
           <a:lstStyle>
             <a:lvl1pPr marL="0" indent="0">
-              <a:buNone/>
-              <a:defRPr sz="1600"/>
+              <a:lnSpc>
+                <a:spcPct val="100000"/>
+              </a:lnSpc>
+              <a:spcBef>
+                <a:spcPts val="1000"/>
+              </a:spcBef>
+              <a:buNone/>
+              <a:defRPr sz="1400">
+                <a:solidFill>
+                  <a:schemeClr val="accent1">
+                    <a:lumMod val="75000"/>
+                  </a:schemeClr>
+                </a:solidFill>
+              </a:defRPr>
             </a:lvl1pPr>
             <a:lvl2pPr marL="457200" indent="0">
               <a:buNone/>
-              <a:defRPr sz="1400"/>
+              <a:defRPr sz="1200"/>
             </a:lvl2pPr>
             <a:lvl3pPr marL="914400" indent="0">
               <a:buNone/>
-              <a:defRPr sz="1200"/>
+              <a:defRPr sz="1000"/>
             </a:lvl3pPr>
             <a:lvl4pPr marL="1371600" indent="0">
               <a:buNone/>
-              <a:defRPr sz="1000"/>
+              <a:defRPr sz="900"/>
             </a:lvl4pPr>
             <a:lvl5pPr marL="1828800" indent="0">
               <a:buNone/>
-              <a:defRPr sz="1000"/>
+              <a:defRPr sz="900"/>
             </a:lvl5pPr>
             <a:lvl6pPr marL="2286000" indent="0">
               <a:buNone/>
-              <a:defRPr sz="1000"/>
+              <a:defRPr sz="900"/>
             </a:lvl6pPr>
             <a:lvl7pPr marL="2743200" indent="0">
               <a:buNone/>
-              <a:defRPr sz="1000"/>
+              <a:defRPr sz="900"/>
             </a:lvl7pPr>
             <a:lvl8pPr marL="3200400" indent="0">
               <a:buNone/>
-              <a:defRPr sz="1000"/>
+              <a:defRPr sz="900"/>
             </a:lvl8pPr>
             <a:lvl9pPr marL="3657600" indent="0">
               <a:buNone/>
-              <a:defRPr sz="1000"/>
+              <a:defRPr sz="900"/>
             </a:lvl9pPr>
           </a:lstStyle>
           <a:p>
             <a:pPr lvl="0"/>
             <a:r>
-              <a:rPr lang="pt-BR"/>
-              <a:t>Clique para editar os estilos de texto Mestres</a:t>
-            </a:r>
-          </a:p>
-        </p:txBody>
-      </p:sp>
-      <p:sp>
-        <p:nvSpPr>
-          <p:cNvPr id="5" name="Espaço Reservado para Data 4">
-            <a:extLst>
-              <a:ext uri="{FF2B5EF4-FFF2-40B4-BE49-F238E27FC236}">
-                <a16:creationId xmlns:a16="http://schemas.microsoft.com/office/drawing/2014/main" id="{36A81DE2-F187-B55C-1EA8-700746B78101}"/>
-              </a:ext>
-            </a:extLst>
-          </p:cNvPr>
+              <a:rPr lang="pt-BR" smtClean="0"/>
+              <a:t>Editar estilos de texto Mestre</a:t>
+            </a:r>
+          </a:p>
+        </p:txBody>
+      </p:sp>
+      <p:sp>
+        <p:nvSpPr>
+          <p:cNvPr id="5" name="Date Placeholder 4"/>
           <p:cNvSpPr>
             <a:spLocks noGrp="1"/>
           </p:cNvSpPr>
@@ -2387,7 +4206,7 @@
           <a:p>
             <a:fld id="{0A1764AE-7598-4101-9D63-6EC8D69CE664}" type="datetimeFigureOut">
               <a:rPr lang="pt-BR" smtClean="0"/>
-              <a:t>12/12/2023</a:t>
+              <a:t>22/01/2024</a:t>
             </a:fld>
             <a:endParaRPr lang="pt-BR"/>
           </a:p>
@@ -2395,13 +4214,7 @@
       </p:sp>
       <p:sp>
         <p:nvSpPr>
-          <p:cNvPr id="6" name="Espaço Reservado para Rodapé 5">
-            <a:extLst>
-              <a:ext uri="{FF2B5EF4-FFF2-40B4-BE49-F238E27FC236}">
-                <a16:creationId xmlns:a16="http://schemas.microsoft.com/office/drawing/2014/main" id="{C1AFA529-AA65-1A52-6F57-A825A250FDA5}"/>
-              </a:ext>
-            </a:extLst>
-          </p:cNvPr>
+          <p:cNvPr id="6" name="Footer Placeholder 5"/>
           <p:cNvSpPr>
             <a:spLocks noGrp="1"/>
           </p:cNvSpPr>
@@ -2418,15 +4231,98 @@
           </a:p>
         </p:txBody>
       </p:sp>
-      <p:sp>
-        <p:nvSpPr>
-          <p:cNvPr id="7" name="Espaço Reservado para Número de Slide 6">
-            <a:extLst>
-              <a:ext uri="{FF2B5EF4-FFF2-40B4-BE49-F238E27FC236}">
-                <a16:creationId xmlns:a16="http://schemas.microsoft.com/office/drawing/2014/main" id="{2E0B6899-7466-12B8-15ED-F74997CFA538}"/>
-              </a:ext>
-            </a:extLst>
-          </p:cNvPr>
+      <p:grpSp>
+        <p:nvGrpSpPr>
+          <p:cNvPr id="9" name="Group 8"/>
+          <p:cNvGrpSpPr>
+            <a:grpSpLocks noChangeAspect="1"/>
+          </p:cNvGrpSpPr>
+          <p:nvPr/>
+        </p:nvGrpSpPr>
+        <p:grpSpPr>
+          <a:xfrm>
+            <a:off x="11401725" y="6229681"/>
+            <a:ext cx="457200" cy="457200"/>
+            <a:chOff x="11361456" y="6195813"/>
+            <a:chExt cx="548640" cy="548640"/>
+          </a:xfrm>
+        </p:grpSpPr>
+        <p:sp>
+          <p:nvSpPr>
+            <p:cNvPr id="10" name="Oval 9"/>
+            <p:cNvSpPr/>
+            <p:nvPr/>
+          </p:nvSpPr>
+          <p:spPr>
+            <a:xfrm>
+              <a:off x="11361456" y="6195813"/>
+              <a:ext cx="548640" cy="548640"/>
+            </a:xfrm>
+            <a:prstGeom prst="ellipse">
+              <a:avLst/>
+            </a:prstGeom>
+            <a:blipFill dpi="0" rotWithShape="1">
+              <a:blip r:embed="rId4">
+                <a:duotone>
+                  <a:schemeClr val="accent1">
+                    <a:shade val="45000"/>
+                    <a:satMod val="135000"/>
+                  </a:schemeClr>
+                  <a:prstClr val="white"/>
+                </a:duotone>
+                <a:extLst>
+                  <a:ext uri="{BEBA8EAE-BF5A-486C-A8C5-ECC9F3942E4B}">
+                    <a14:imgProps xmlns:a14="http://schemas.microsoft.com/office/drawing/2010/main">
+                      <a14:imgLayer r:embed="rId5">
+                        <a14:imgEffect>
+                          <a14:saturation sat="95000"/>
+                        </a14:imgEffect>
+                        <a14:imgEffect>
+                          <a14:brightnessContrast bright="-40000" contrast="20000"/>
+                        </a14:imgEffect>
+                      </a14:imgLayer>
+                    </a14:imgProps>
+                  </a:ext>
+                </a:extLst>
+              </a:blip>
+              <a:srcRect/>
+              <a:tile tx="50800" ty="0" sx="85000" sy="85000" flip="none" algn="tl"/>
+            </a:blipFill>
+            <a:ln w="25400" cap="flat" cmpd="sng" algn="ctr">
+              <a:noFill/>
+              <a:prstDash val="solid"/>
+            </a:ln>
+            <a:effectLst/>
+          </p:spPr>
+        </p:sp>
+        <p:sp>
+          <p:nvSpPr>
+            <p:cNvPr id="11" name="Oval 10"/>
+            <p:cNvSpPr/>
+            <p:nvPr/>
+          </p:nvSpPr>
+          <p:spPr>
+            <a:xfrm>
+              <a:off x="11396488" y="6230844"/>
+              <a:ext cx="478576" cy="478578"/>
+            </a:xfrm>
+            <a:prstGeom prst="ellipse">
+              <a:avLst/>
+            </a:prstGeom>
+            <a:noFill/>
+            <a:ln w="12700" cap="flat" cmpd="sng" algn="ctr">
+              <a:solidFill>
+                <a:sysClr val="window" lastClr="FFFFFF"/>
+              </a:solidFill>
+              <a:prstDash val="solid"/>
+            </a:ln>
+            <a:effectLst/>
+          </p:spPr>
+        </p:sp>
+      </p:grpSp>
+      <p:sp>
+        <p:nvSpPr>
+          <p:cNvPr id="7" name="Slide Number Placeholder 6"/>
           <p:cNvSpPr>
             <a:spLocks noGrp="1"/>
           </p:cNvSpPr>
@@ -2450,7 +4346,7 @@
     </p:spTree>
     <p:extLst>
       <p:ext uri="{BB962C8B-B14F-4D97-AF65-F5344CB8AC3E}">
-        <p14:creationId xmlns:p14="http://schemas.microsoft.com/office/powerpoint/2010/main" val="2877735598"/>
+        <p14:creationId xmlns:p14="http://schemas.microsoft.com/office/powerpoint/2010/main" val="1594210962"/>
       </p:ext>
     </p:extLst>
   </p:cSld>
@@ -2461,7 +4357,7 @@
 </file>
 
 <file path=ppt/slideLayouts/slideLayout9.xml><?xml version="1.0" encoding="utf-8"?>
-<p:sldLayout xmlns:a="http://schemas.openxmlformats.org/drawingml/2006/main" xmlns:r="http://schemas.openxmlformats.org/officeDocument/2006/relationships" xmlns:p="http://schemas.openxmlformats.org/presentationml/2006/main" type="picTx" preserve="1">
+<p:sldLayout xmlns:a="http://schemas.openxmlformats.org/drawingml/2006/main" xmlns:r="http://schemas.openxmlformats.org/officeDocument/2006/relationships" xmlns:p="http://schemas.openxmlformats.org/presentationml/2006/main" showMasterSp="0" type="picTx" preserve="1">
   <p:cSld name="Imagem com Legenda">
     <p:spTree>
       <p:nvGrpSpPr>
@@ -2479,52 +4375,100 @@
       </p:grpSpPr>
       <p:sp>
         <p:nvSpPr>
-          <p:cNvPr id="2" name="Título 1">
-            <a:extLst>
-              <a:ext uri="{FF2B5EF4-FFF2-40B4-BE49-F238E27FC236}">
-                <a16:creationId xmlns:a16="http://schemas.microsoft.com/office/drawing/2014/main" id="{51888E68-36BD-37A5-BBD3-BDD2149CB8A7}"/>
-              </a:ext>
-            </a:extLst>
-          </p:cNvPr>
-          <p:cNvSpPr>
-            <a:spLocks noGrp="1"/>
-          </p:cNvSpPr>
-          <p:nvPr>
-            <p:ph type="title"/>
-          </p:nvPr>
+          <p:cNvPr id="11" name="Rectangle 10"/>
+          <p:cNvSpPr/>
+          <p:nvPr/>
         </p:nvSpPr>
         <p:spPr>
           <a:xfrm>
-            <a:off x="839788" y="457200"/>
-            <a:ext cx="3932237" cy="1600200"/>
+            <a:off x="8303740" y="0"/>
+            <a:ext cx="3888259" cy="6857999"/>
+          </a:xfrm>
+          <a:prstGeom prst="rect">
+            <a:avLst/>
+          </a:prstGeom>
+          <a:blipFill dpi="0" rotWithShape="1">
+            <a:blip r:embed="rId2">
+              <a:alphaModFix amt="60000"/>
+              <a:lum bright="70000" contrast="-70000"/>
+              <a:extLst>
+                <a:ext uri="{BEBA8EAE-BF5A-486C-A8C5-ECC9F3942E4B}">
+                  <a14:imgProps xmlns:a14="http://schemas.microsoft.com/office/drawing/2010/main">
+                    <a14:imgLayer r:embed="rId3">
+                      <a14:imgEffect>
+                        <a14:sharpenSoften amount="61000"/>
+                      </a14:imgEffect>
+                    </a14:imgLayer>
+                  </a14:imgProps>
+                </a:ext>
+                <a:ext uri="{28A0092B-C50C-407E-A947-70E740481C1C}">
+                  <a14:useLocalDpi xmlns:a14="http://schemas.microsoft.com/office/drawing/2010/main" val="0"/>
+                </a:ext>
+              </a:extLst>
+            </a:blip>
+            <a:srcRect/>
+            <a:tile tx="0" ty="-704850" sx="92000" sy="89000" flip="xy" algn="ctr"/>
+          </a:blipFill>
+          <a:ln>
+            <a:noFill/>
+          </a:ln>
+        </p:spPr>
+        <p:style>
+          <a:lnRef idx="2">
+            <a:schemeClr val="accent1">
+              <a:shade val="50000"/>
+            </a:schemeClr>
+          </a:lnRef>
+          <a:fillRef idx="1">
+            <a:schemeClr val="accent1"/>
+          </a:fillRef>
+          <a:effectRef idx="0">
+            <a:schemeClr val="accent1"/>
+          </a:effectRef>
+          <a:fontRef idx="minor">
+            <a:schemeClr val="lt1"/>
+          </a:fontRef>
+        </p:style>
+      </p:sp>
+      <p:sp>
+        <p:nvSpPr>
+          <p:cNvPr id="2" name="Title 1"/>
+          <p:cNvSpPr>
+            <a:spLocks noGrp="1"/>
+          </p:cNvSpPr>
+          <p:nvPr>
+            <p:ph type="title"/>
+          </p:nvPr>
+        </p:nvSpPr>
+        <p:spPr>
+          <a:xfrm>
+            <a:off x="8549640" y="685800"/>
+            <a:ext cx="3200400" cy="1737360"/>
           </a:xfrm>
         </p:spPr>
         <p:txBody>
-          <a:bodyPr anchor="b"/>
+          <a:bodyPr anchor="b">
+            <a:normAutofit/>
+          </a:bodyPr>
           <a:lstStyle>
             <a:lvl1pPr>
-              <a:defRPr sz="3200"/>
+              <a:defRPr sz="3200" b="1"/>
             </a:lvl1pPr>
           </a:lstStyle>
           <a:p>
             <a:r>
-              <a:rPr lang="pt-BR"/>
-              <a:t>Clique para editar o título Mestre</a:t>
-            </a:r>
-          </a:p>
-        </p:txBody>
-      </p:sp>
-      <p:sp>
-        <p:nvSpPr>
-          <p:cNvPr id="3" name="Espaço Reservado para Imagem 2">
-            <a:extLst>
-              <a:ext uri="{FF2B5EF4-FFF2-40B4-BE49-F238E27FC236}">
-                <a16:creationId xmlns:a16="http://schemas.microsoft.com/office/drawing/2014/main" id="{73D2E735-6695-28BF-3668-9AC94C5A5692}"/>
-              </a:ext>
-            </a:extLst>
-          </p:cNvPr>
-          <p:cNvSpPr>
-            <a:spLocks noGrp="1"/>
+              <a:rPr lang="pt-BR" smtClean="0"/>
+              <a:t>Clique para editar o título mestre</a:t>
+            </a:r>
+            <a:endParaRPr lang="en-US" dirty="0"/>
+          </a:p>
+        </p:txBody>
+      </p:sp>
+      <p:sp>
+        <p:nvSpPr>
+          <p:cNvPr id="3" name="Picture Placeholder 2"/>
+          <p:cNvSpPr>
+            <a:spLocks noGrp="1" noChangeAspect="1"/>
           </p:cNvSpPr>
           <p:nvPr>
             <p:ph type="pic" idx="1"/>
@@ -2532,12 +4476,18 @@
         </p:nvSpPr>
         <p:spPr>
           <a:xfrm>
-            <a:off x="5183188" y="987425"/>
-            <a:ext cx="6172200" cy="4873625"/>
+            <a:off x="0" y="0"/>
+            <a:ext cx="8303740" cy="6858000"/>
           </a:xfrm>
+          <a:solidFill>
+            <a:schemeClr val="tx2">
+              <a:lumMod val="20000"/>
+              <a:lumOff val="80000"/>
+            </a:schemeClr>
+          </a:solidFill>
         </p:spPr>
         <p:txBody>
-          <a:bodyPr/>
+          <a:bodyPr anchor="t"/>
           <a:lstStyle>
             <a:lvl1pPr marL="0" indent="0">
               <a:buNone/>
@@ -2577,19 +4527,17 @@
             </a:lvl9pPr>
           </a:lstStyle>
           <a:p>
-            <a:endParaRPr lang="pt-BR"/>
-          </a:p>
-        </p:txBody>
-      </p:sp>
-      <p:sp>
-        <p:nvSpPr>
-          <p:cNvPr id="4" name="Espaço Reservado para Texto 3">
-            <a:extLst>
-              <a:ext uri="{FF2B5EF4-FFF2-40B4-BE49-F238E27FC236}">
-                <a16:creationId xmlns:a16="http://schemas.microsoft.com/office/drawing/2014/main" id="{66AF9BE7-4E81-C55B-D975-70AD46F475F9}"/>
-              </a:ext>
-            </a:extLst>
-          </p:cNvPr>
+            <a:r>
+              <a:rPr lang="pt-BR" smtClean="0"/>
+              <a:t>Clique no ícone para adicionar uma imagem</a:t>
+            </a:r>
+            <a:endParaRPr lang="en-US" dirty="0"/>
+          </a:p>
+        </p:txBody>
+      </p:sp>
+      <p:sp>
+        <p:nvSpPr>
+          <p:cNvPr id="4" name="Text Placeholder 3"/>
           <p:cNvSpPr>
             <a:spLocks noGrp="1"/>
           </p:cNvSpPr>
@@ -2599,68 +4547,76 @@
         </p:nvSpPr>
         <p:spPr>
           <a:xfrm>
-            <a:off x="839788" y="2057400"/>
-            <a:ext cx="3932237" cy="3811588"/>
+            <a:off x="8549640" y="2423160"/>
+            <a:ext cx="3200400" cy="3291840"/>
           </a:xfrm>
         </p:spPr>
         <p:txBody>
-          <a:bodyPr/>
+          <a:bodyPr>
+            <a:normAutofit/>
+          </a:bodyPr>
           <a:lstStyle>
             <a:lvl1pPr marL="0" indent="0">
-              <a:buNone/>
-              <a:defRPr sz="1600"/>
+              <a:lnSpc>
+                <a:spcPct val="100000"/>
+              </a:lnSpc>
+              <a:spcBef>
+                <a:spcPts val="1000"/>
+              </a:spcBef>
+              <a:buNone/>
+              <a:defRPr sz="1400">
+                <a:solidFill>
+                  <a:schemeClr val="accent1">
+                    <a:lumMod val="75000"/>
+                  </a:schemeClr>
+                </a:solidFill>
+              </a:defRPr>
             </a:lvl1pPr>
             <a:lvl2pPr marL="457200" indent="0">
               <a:buNone/>
-              <a:defRPr sz="1400"/>
+              <a:defRPr sz="1200"/>
             </a:lvl2pPr>
             <a:lvl3pPr marL="914400" indent="0">
               <a:buNone/>
-              <a:defRPr sz="1200"/>
+              <a:defRPr sz="1000"/>
             </a:lvl3pPr>
             <a:lvl4pPr marL="1371600" indent="0">
               <a:buNone/>
-              <a:defRPr sz="1000"/>
+              <a:defRPr sz="900"/>
             </a:lvl4pPr>
             <a:lvl5pPr marL="1828800" indent="0">
               <a:buNone/>
-              <a:defRPr sz="1000"/>
+              <a:defRPr sz="900"/>
             </a:lvl5pPr>
             <a:lvl6pPr marL="2286000" indent="0">
               <a:buNone/>
-              <a:defRPr sz="1000"/>
+              <a:defRPr sz="900"/>
             </a:lvl6pPr>
             <a:lvl7pPr marL="2743200" indent="0">
               <a:buNone/>
-              <a:defRPr sz="1000"/>
+              <a:defRPr sz="900"/>
             </a:lvl7pPr>
             <a:lvl8pPr marL="3200400" indent="0">
               <a:buNone/>
-              <a:defRPr sz="1000"/>
+              <a:defRPr sz="900"/>
             </a:lvl8pPr>
             <a:lvl9pPr marL="3657600" indent="0">
               <a:buNone/>
-              <a:defRPr sz="1000"/>
+              <a:defRPr sz="900"/>
             </a:lvl9pPr>
           </a:lstStyle>
           <a:p>
             <a:pPr lvl="0"/>
             <a:r>
-              <a:rPr lang="pt-BR"/>
-              <a:t>Clique para editar os estilos de texto Mestres</a:t>
-            </a:r>
-          </a:p>
-        </p:txBody>
-      </p:sp>
-      <p:sp>
-        <p:nvSpPr>
-          <p:cNvPr id="5" name="Espaço Reservado para Data 4">
-            <a:extLst>
-              <a:ext uri="{FF2B5EF4-FFF2-40B4-BE49-F238E27FC236}">
-                <a16:creationId xmlns:a16="http://schemas.microsoft.com/office/drawing/2014/main" id="{CCB61098-2E02-A6FB-B524-6D33B4C216BC}"/>
-              </a:ext>
-            </a:extLst>
-          </p:cNvPr>
+              <a:rPr lang="pt-BR" smtClean="0"/>
+              <a:t>Editar estilos de texto Mestre</a:t>
+            </a:r>
+          </a:p>
+        </p:txBody>
+      </p:sp>
+      <p:sp>
+        <p:nvSpPr>
+          <p:cNvPr id="5" name="Date Placeholder 4"/>
           <p:cNvSpPr>
             <a:spLocks noGrp="1"/>
           </p:cNvSpPr>
@@ -2675,46 +4631,104 @@
           <a:p>
             <a:fld id="{0A1764AE-7598-4101-9D63-6EC8D69CE664}" type="datetimeFigureOut">
               <a:rPr lang="pt-BR" smtClean="0"/>
-              <a:t>12/12/2023</a:t>
+              <a:t>22/01/2024</a:t>
             </a:fld>
             <a:endParaRPr lang="pt-BR"/>
           </a:p>
         </p:txBody>
       </p:sp>
-      <p:sp>
-        <p:nvSpPr>
-          <p:cNvPr id="6" name="Espaço Reservado para Rodapé 5">
-            <a:extLst>
-              <a:ext uri="{FF2B5EF4-FFF2-40B4-BE49-F238E27FC236}">
-                <a16:creationId xmlns:a16="http://schemas.microsoft.com/office/drawing/2014/main" id="{3F8F8A4E-DE4D-371B-CADE-3038BCD6A33D}"/>
-              </a:ext>
-            </a:extLst>
-          </p:cNvPr>
-          <p:cNvSpPr>
-            <a:spLocks noGrp="1"/>
-          </p:cNvSpPr>
-          <p:nvPr>
-            <p:ph type="ftr" sz="quarter" idx="11"/>
-          </p:nvPr>
-        </p:nvSpPr>
-        <p:spPr/>
-        <p:txBody>
-          <a:bodyPr/>
-          <a:lstStyle/>
-          <a:p>
-            <a:endParaRPr lang="pt-BR"/>
-          </a:p>
-        </p:txBody>
-      </p:sp>
-      <p:sp>
-        <p:nvSpPr>
-          <p:cNvPr id="7" name="Espaço Reservado para Número de Slide 6">
-            <a:extLst>
-              <a:ext uri="{FF2B5EF4-FFF2-40B4-BE49-F238E27FC236}">
-                <a16:creationId xmlns:a16="http://schemas.microsoft.com/office/drawing/2014/main" id="{750B15D7-FEAC-0CD3-E7AB-A0BFACC8693C}"/>
-              </a:ext>
-            </a:extLst>
-          </p:cNvPr>
+      <p:grpSp>
+        <p:nvGrpSpPr>
+          <p:cNvPr id="8" name="Group 7"/>
+          <p:cNvGrpSpPr>
+            <a:grpSpLocks noChangeAspect="1"/>
+          </p:cNvGrpSpPr>
+          <p:nvPr/>
+        </p:nvGrpSpPr>
+        <p:grpSpPr>
+          <a:xfrm>
+            <a:off x="11401725" y="6229681"/>
+            <a:ext cx="457200" cy="457200"/>
+            <a:chOff x="11361456" y="6195813"/>
+            <a:chExt cx="548640" cy="548640"/>
+          </a:xfrm>
+        </p:grpSpPr>
+        <p:sp>
+          <p:nvSpPr>
+            <p:cNvPr id="9" name="Oval 8"/>
+            <p:cNvSpPr/>
+            <p:nvPr/>
+          </p:nvSpPr>
+          <p:spPr>
+            <a:xfrm>
+              <a:off x="11361456" y="6195813"/>
+              <a:ext cx="548640" cy="548640"/>
+            </a:xfrm>
+            <a:prstGeom prst="ellipse">
+              <a:avLst/>
+            </a:prstGeom>
+            <a:blipFill dpi="0" rotWithShape="1">
+              <a:blip r:embed="rId4">
+                <a:duotone>
+                  <a:schemeClr val="accent1">
+                    <a:shade val="45000"/>
+                    <a:satMod val="135000"/>
+                  </a:schemeClr>
+                  <a:prstClr val="white"/>
+                </a:duotone>
+                <a:extLst>
+                  <a:ext uri="{BEBA8EAE-BF5A-486C-A8C5-ECC9F3942E4B}">
+                    <a14:imgProps xmlns:a14="http://schemas.microsoft.com/office/drawing/2010/main">
+                      <a14:imgLayer r:embed="rId5">
+                        <a14:imgEffect>
+                          <a14:saturation sat="95000"/>
+                        </a14:imgEffect>
+                        <a14:imgEffect>
+                          <a14:brightnessContrast bright="-40000" contrast="20000"/>
+                        </a14:imgEffect>
+                      </a14:imgLayer>
+                    </a14:imgProps>
+                  </a:ext>
+                </a:extLst>
+              </a:blip>
+              <a:srcRect/>
+              <a:tile tx="50800" ty="0" sx="85000" sy="85000" flip="none" algn="tl"/>
+            </a:blipFill>
+            <a:ln w="25400" cap="flat" cmpd="sng" algn="ctr">
+              <a:noFill/>
+              <a:prstDash val="solid"/>
+            </a:ln>
+            <a:effectLst/>
+          </p:spPr>
+        </p:sp>
+        <p:sp>
+          <p:nvSpPr>
+            <p:cNvPr id="10" name="Oval 9"/>
+            <p:cNvSpPr/>
+            <p:nvPr/>
+          </p:nvSpPr>
+          <p:spPr>
+            <a:xfrm>
+              <a:off x="11396488" y="6230844"/>
+              <a:ext cx="478576" cy="478578"/>
+            </a:xfrm>
+            <a:prstGeom prst="ellipse">
+              <a:avLst/>
+            </a:prstGeom>
+            <a:noFill/>
+            <a:ln w="12700" cap="flat" cmpd="sng" algn="ctr">
+              <a:solidFill>
+                <a:sysClr val="window" lastClr="FFFFFF"/>
+              </a:solidFill>
+              <a:prstDash val="solid"/>
+            </a:ln>
+            <a:effectLst/>
+          </p:spPr>
+        </p:sp>
+      </p:grpSp>
+      <p:sp>
+        <p:nvSpPr>
+          <p:cNvPr id="7" name="Slide Number Placeholder 6"/>
           <p:cNvSpPr>
             <a:spLocks noGrp="1"/>
           </p:cNvSpPr>
@@ -2738,7 +4752,7 @@
     </p:spTree>
     <p:extLst>
       <p:ext uri="{BB962C8B-B14F-4D97-AF65-F5344CB8AC3E}">
-        <p14:creationId xmlns:p14="http://schemas.microsoft.com/office/powerpoint/2010/main" val="2623101394"/>
+        <p14:creationId xmlns:p14="http://schemas.microsoft.com/office/powerpoint/2010/main" val="827421850"/>
       </p:ext>
     </p:extLst>
   </p:cSld>
@@ -2772,13 +4786,7 @@
       </p:grpSpPr>
       <p:sp>
         <p:nvSpPr>
-          <p:cNvPr id="2" name="Espaço Reservado para Título 1">
-            <a:extLst>
-              <a:ext uri="{FF2B5EF4-FFF2-40B4-BE49-F238E27FC236}">
-                <a16:creationId xmlns:a16="http://schemas.microsoft.com/office/drawing/2014/main" id="{1F826B7B-E30E-597C-AB50-D23724B6E99B}"/>
-              </a:ext>
-            </a:extLst>
-          </p:cNvPr>
+          <p:cNvPr id="2" name="Title Placeholder 1"/>
           <p:cNvSpPr>
             <a:spLocks noGrp="1"/>
           </p:cNvSpPr>
@@ -2788,8 +4796,8 @@
         </p:nvSpPr>
         <p:spPr>
           <a:xfrm>
-            <a:off x="838200" y="365125"/>
-            <a:ext cx="10515600" cy="1325563"/>
+            <a:off x="1069848" y="484632"/>
+            <a:ext cx="10058400" cy="1609344"/>
           </a:xfrm>
           <a:prstGeom prst="rect">
             <a:avLst/>
@@ -2802,21 +4810,16 @@
           <a:lstStyle/>
           <a:p>
             <a:r>
-              <a:rPr lang="pt-BR"/>
-              <a:t>Clique para editar o título Mestre</a:t>
-            </a:r>
-          </a:p>
-        </p:txBody>
-      </p:sp>
-      <p:sp>
-        <p:nvSpPr>
-          <p:cNvPr id="3" name="Espaço Reservado para Texto 2">
-            <a:extLst>
-              <a:ext uri="{FF2B5EF4-FFF2-40B4-BE49-F238E27FC236}">
-                <a16:creationId xmlns:a16="http://schemas.microsoft.com/office/drawing/2014/main" id="{802C3EBF-8F01-F029-0870-E1685535A47C}"/>
-              </a:ext>
-            </a:extLst>
-          </p:cNvPr>
+              <a:rPr lang="pt-BR" smtClean="0"/>
+              <a:t>Clique para editar o título mestre</a:t>
+            </a:r>
+            <a:endParaRPr lang="en-US" dirty="0"/>
+          </a:p>
+        </p:txBody>
+      </p:sp>
+      <p:sp>
+        <p:nvSpPr>
+          <p:cNvPr id="3" name="Text Placeholder 2"/>
           <p:cNvSpPr>
             <a:spLocks noGrp="1"/>
           </p:cNvSpPr>
@@ -2826,8 +4829,8 @@
         </p:nvSpPr>
         <p:spPr>
           <a:xfrm>
-            <a:off x="838200" y="1825625"/>
-            <a:ext cx="10515600" cy="4351338"/>
+            <a:off x="1069848" y="2121408"/>
+            <a:ext cx="10058400" cy="4050792"/>
           </a:xfrm>
           <a:prstGeom prst="rect">
             <a:avLst/>
@@ -2841,49 +4844,44 @@
           <a:p>
             <a:pPr lvl="0"/>
             <a:r>
-              <a:rPr lang="pt-BR"/>
-              <a:t>Clique para editar os estilos de texto Mestres</a:t>
+              <a:rPr lang="pt-BR" smtClean="0"/>
+              <a:t>Editar estilos de texto Mestre</a:t>
             </a:r>
           </a:p>
           <a:p>
             <a:pPr lvl="1"/>
             <a:r>
-              <a:rPr lang="pt-BR"/>
+              <a:rPr lang="pt-BR" smtClean="0"/>
               <a:t>Segundo nível</a:t>
             </a:r>
           </a:p>
           <a:p>
             <a:pPr lvl="2"/>
             <a:r>
-              <a:rPr lang="pt-BR"/>
+              <a:rPr lang="pt-BR" smtClean="0"/>
               <a:t>Terceiro nível</a:t>
             </a:r>
           </a:p>
           <a:p>
             <a:pPr lvl="3"/>
             <a:r>
-              <a:rPr lang="pt-BR"/>
+              <a:rPr lang="pt-BR" smtClean="0"/>
               <a:t>Quarto nível</a:t>
             </a:r>
           </a:p>
           <a:p>
             <a:pPr lvl="4"/>
             <a:r>
-              <a:rPr lang="pt-BR"/>
+              <a:rPr lang="pt-BR" smtClean="0"/>
               <a:t>Quinto nível</a:t>
             </a:r>
-          </a:p>
-        </p:txBody>
-      </p:sp>
-      <p:sp>
-        <p:nvSpPr>
-          <p:cNvPr id="4" name="Espaço Reservado para Data 3">
-            <a:extLst>
-              <a:ext uri="{FF2B5EF4-FFF2-40B4-BE49-F238E27FC236}">
-                <a16:creationId xmlns:a16="http://schemas.microsoft.com/office/drawing/2014/main" id="{75AF944E-22A7-7B26-D84B-C76859E3ECBB}"/>
-              </a:ext>
-            </a:extLst>
-          </p:cNvPr>
+            <a:endParaRPr lang="en-US" dirty="0"/>
+          </a:p>
+        </p:txBody>
+      </p:sp>
+      <p:sp>
+        <p:nvSpPr>
+          <p:cNvPr id="4" name="Date Placeholder 3"/>
           <p:cNvSpPr>
             <a:spLocks noGrp="1"/>
           </p:cNvSpPr>
@@ -2893,8 +4891,8 @@
         </p:nvSpPr>
         <p:spPr>
           <a:xfrm>
-            <a:off x="838200" y="6356350"/>
-            <a:ext cx="2743200" cy="365125"/>
+            <a:off x="7964424" y="6272784"/>
+            <a:ext cx="3273552" cy="365125"/>
           </a:xfrm>
           <a:prstGeom prst="rect">
             <a:avLst/>
@@ -2903,12 +4901,10 @@
         <p:txBody>
           <a:bodyPr vert="horz" lIns="91440" tIns="45720" rIns="91440" bIns="45720" rtlCol="0" anchor="ctr"/>
           <a:lstStyle>
-            <a:lvl1pPr algn="l">
-              <a:defRPr sz="1200">
+            <a:lvl1pPr algn="r">
+              <a:defRPr sz="1100">
                 <a:solidFill>
-                  <a:schemeClr val="tx1">
-                    <a:tint val="75000"/>
-                  </a:schemeClr>
+                  <a:schemeClr val="tx2"/>
                 </a:solidFill>
               </a:defRPr>
             </a:lvl1pPr>
@@ -2916,7 +4912,7 @@
           <a:p>
             <a:fld id="{0A1764AE-7598-4101-9D63-6EC8D69CE664}" type="datetimeFigureOut">
               <a:rPr lang="pt-BR" smtClean="0"/>
-              <a:t>12/12/2023</a:t>
+              <a:t>22/01/2024</a:t>
             </a:fld>
             <a:endParaRPr lang="pt-BR"/>
           </a:p>
@@ -2924,13 +4920,7 @@
       </p:sp>
       <p:sp>
         <p:nvSpPr>
-          <p:cNvPr id="5" name="Espaço Reservado para Rodapé 4">
-            <a:extLst>
-              <a:ext uri="{FF2B5EF4-FFF2-40B4-BE49-F238E27FC236}">
-                <a16:creationId xmlns:a16="http://schemas.microsoft.com/office/drawing/2014/main" id="{086796B1-43E4-0AAC-7BD2-6A8DB509B4E7}"/>
-              </a:ext>
-            </a:extLst>
-          </p:cNvPr>
+          <p:cNvPr id="5" name="Footer Placeholder 4"/>
           <p:cNvSpPr>
             <a:spLocks noGrp="1"/>
           </p:cNvSpPr>
@@ -2940,8 +4930,8 @@
         </p:nvSpPr>
         <p:spPr>
           <a:xfrm>
-            <a:off x="4038600" y="6356350"/>
-            <a:ext cx="4114800" cy="365125"/>
+            <a:off x="1088136" y="6272784"/>
+            <a:ext cx="6327648" cy="365125"/>
           </a:xfrm>
           <a:prstGeom prst="rect">
             <a:avLst/>
@@ -2950,12 +4940,10 @@
         <p:txBody>
           <a:bodyPr vert="horz" lIns="91440" tIns="45720" rIns="91440" bIns="45720" rtlCol="0" anchor="ctr"/>
           <a:lstStyle>
-            <a:lvl1pPr algn="ctr">
-              <a:defRPr sz="1200">
+            <a:lvl1pPr algn="l">
+              <a:defRPr sz="1100">
                 <a:solidFill>
-                  <a:schemeClr val="tx1">
-                    <a:tint val="75000"/>
-                  </a:schemeClr>
+                  <a:schemeClr val="tx2"/>
                 </a:solidFill>
               </a:defRPr>
             </a:lvl1pPr>
@@ -2965,15 +4953,98 @@
           </a:p>
         </p:txBody>
       </p:sp>
-      <p:sp>
-        <p:nvSpPr>
-          <p:cNvPr id="6" name="Espaço Reservado para Número de Slide 5">
-            <a:extLst>
-              <a:ext uri="{FF2B5EF4-FFF2-40B4-BE49-F238E27FC236}">
-                <a16:creationId xmlns:a16="http://schemas.microsoft.com/office/drawing/2014/main" id="{A5D514A5-1270-FA9A-B8F8-1AA12AD506E6}"/>
-              </a:ext>
-            </a:extLst>
-          </p:cNvPr>
+      <p:grpSp>
+        <p:nvGrpSpPr>
+          <p:cNvPr id="7" name="Group 6"/>
+          <p:cNvGrpSpPr>
+            <a:grpSpLocks noChangeAspect="1"/>
+          </p:cNvGrpSpPr>
+          <p:nvPr/>
+        </p:nvGrpSpPr>
+        <p:grpSpPr>
+          <a:xfrm>
+            <a:off x="11401725" y="6229681"/>
+            <a:ext cx="457200" cy="457200"/>
+            <a:chOff x="11361456" y="6195813"/>
+            <a:chExt cx="548640" cy="548640"/>
+          </a:xfrm>
+        </p:grpSpPr>
+        <p:sp>
+          <p:nvSpPr>
+            <p:cNvPr id="8" name="Oval 7"/>
+            <p:cNvSpPr/>
+            <p:nvPr/>
+          </p:nvSpPr>
+          <p:spPr>
+            <a:xfrm>
+              <a:off x="11361456" y="6195813"/>
+              <a:ext cx="548640" cy="548640"/>
+            </a:xfrm>
+            <a:prstGeom prst="ellipse">
+              <a:avLst/>
+            </a:prstGeom>
+            <a:blipFill dpi="0" rotWithShape="1">
+              <a:blip r:embed="rId13">
+                <a:duotone>
+                  <a:schemeClr val="accent1">
+                    <a:shade val="45000"/>
+                    <a:satMod val="135000"/>
+                  </a:schemeClr>
+                  <a:prstClr val="white"/>
+                </a:duotone>
+                <a:extLst>
+                  <a:ext uri="{BEBA8EAE-BF5A-486C-A8C5-ECC9F3942E4B}">
+                    <a14:imgProps xmlns:a14="http://schemas.microsoft.com/office/drawing/2010/main">
+                      <a14:imgLayer r:embed="rId14">
+                        <a14:imgEffect>
+                          <a14:saturation sat="95000"/>
+                        </a14:imgEffect>
+                        <a14:imgEffect>
+                          <a14:brightnessContrast bright="-40000" contrast="20000"/>
+                        </a14:imgEffect>
+                      </a14:imgLayer>
+                    </a14:imgProps>
+                  </a:ext>
+                </a:extLst>
+              </a:blip>
+              <a:srcRect/>
+              <a:tile tx="50800" ty="0" sx="85000" sy="85000" flip="none" algn="tl"/>
+            </a:blipFill>
+            <a:ln w="25400" cap="flat" cmpd="sng" algn="ctr">
+              <a:noFill/>
+              <a:prstDash val="solid"/>
+            </a:ln>
+            <a:effectLst/>
+          </p:spPr>
+        </p:sp>
+        <p:sp>
+          <p:nvSpPr>
+            <p:cNvPr id="9" name="Oval 8"/>
+            <p:cNvSpPr/>
+            <p:nvPr/>
+          </p:nvSpPr>
+          <p:spPr>
+            <a:xfrm>
+              <a:off x="11396488" y="6230844"/>
+              <a:ext cx="478576" cy="478578"/>
+            </a:xfrm>
+            <a:prstGeom prst="ellipse">
+              <a:avLst/>
+            </a:prstGeom>
+            <a:noFill/>
+            <a:ln w="12700" cap="flat" cmpd="sng" algn="ctr">
+              <a:solidFill>
+                <a:srgbClr val="FFFFFF"/>
+              </a:solidFill>
+              <a:prstDash val="solid"/>
+            </a:ln>
+            <a:effectLst/>
+          </p:spPr>
+        </p:sp>
+      </p:grpSp>
+      <p:sp>
+        <p:nvSpPr>
+          <p:cNvPr id="6" name="Slide Number Placeholder 5"/>
           <p:cNvSpPr>
             <a:spLocks noGrp="1"/>
           </p:cNvSpPr>
@@ -2983,8 +5054,8 @@
         </p:nvSpPr>
         <p:spPr>
           <a:xfrm>
-            <a:off x="8610600" y="6356350"/>
-            <a:ext cx="2743200" cy="365125"/>
+            <a:off x="11311128" y="6272784"/>
+            <a:ext cx="640080" cy="365125"/>
           </a:xfrm>
           <a:prstGeom prst="rect">
             <a:avLst/>
@@ -2993,13 +5064,12 @@
         <p:txBody>
           <a:bodyPr vert="horz" lIns="91440" tIns="45720" rIns="91440" bIns="45720" rtlCol="0" anchor="ctr"/>
           <a:lstStyle>
-            <a:lvl1pPr algn="r">
-              <a:defRPr sz="1200">
+            <a:lvl1pPr algn="ctr">
+              <a:defRPr sz="1400" b="1">
                 <a:solidFill>
-                  <a:schemeClr val="tx1">
-                    <a:tint val="75000"/>
-                  </a:schemeClr>
+                  <a:srgbClr val="FFFFFF"/>
                 </a:solidFill>
+                <a:latin typeface="+mj-lt"/>
               </a:defRPr>
             </a:lvl1pPr>
           </a:lstStyle>
@@ -3015,23 +5085,23 @@
     </p:spTree>
     <p:extLst>
       <p:ext uri="{BB962C8B-B14F-4D97-AF65-F5344CB8AC3E}">
-        <p14:creationId xmlns:p14="http://schemas.microsoft.com/office/powerpoint/2010/main" val="3548735611"/>
+        <p14:creationId xmlns:p14="http://schemas.microsoft.com/office/powerpoint/2010/main" val="2868073601"/>
       </p:ext>
     </p:extLst>
   </p:cSld>
   <p:clrMap bg1="lt1" tx1="dk1" bg2="lt2" tx2="dk2" accent1="accent1" accent2="accent2" accent3="accent3" accent4="accent4" accent5="accent5" accent6="accent6" hlink="hlink" folHlink="folHlink"/>
   <p:sldLayoutIdLst>
-    <p:sldLayoutId id="2147483649" r:id="rId1"/>
-    <p:sldLayoutId id="2147483650" r:id="rId2"/>
-    <p:sldLayoutId id="2147483651" r:id="rId3"/>
-    <p:sldLayoutId id="2147483652" r:id="rId4"/>
-    <p:sldLayoutId id="2147483653" r:id="rId5"/>
-    <p:sldLayoutId id="2147483654" r:id="rId6"/>
-    <p:sldLayoutId id="2147483655" r:id="rId7"/>
-    <p:sldLayoutId id="2147483656" r:id="rId8"/>
-    <p:sldLayoutId id="2147483657" r:id="rId9"/>
-    <p:sldLayoutId id="2147483658" r:id="rId10"/>
-    <p:sldLayoutId id="2147483659" r:id="rId11"/>
+    <p:sldLayoutId id="2147483661" r:id="rId1"/>
+    <p:sldLayoutId id="2147483662" r:id="rId2"/>
+    <p:sldLayoutId id="2147483663" r:id="rId3"/>
+    <p:sldLayoutId id="2147483664" r:id="rId4"/>
+    <p:sldLayoutId id="2147483665" r:id="rId5"/>
+    <p:sldLayoutId id="2147483666" r:id="rId6"/>
+    <p:sldLayoutId id="2147483667" r:id="rId7"/>
+    <p:sldLayoutId id="2147483668" r:id="rId8"/>
+    <p:sldLayoutId id="2147483669" r:id="rId9"/>
+    <p:sldLayoutId id="2147483670" r:id="rId10"/>
+    <p:sldLayoutId id="2147483671" r:id="rId11"/>
   </p:sldLayoutIdLst>
   <p:txStyles>
     <p:titleStyle>
@@ -3043,10 +5113,17 @@
           <a:spcPct val="0"/>
         </a:spcBef>
         <a:buNone/>
-        <a:defRPr sz="4400" kern="1200">
-          <a:solidFill>
-            <a:schemeClr val="tx1"/>
-          </a:solidFill>
+        <a:defRPr sz="5400" kern="1200" cap="all" baseline="0">
+          <a:blipFill>
+            <a:blip r:embed="rId15">
+              <a:extLst>
+                <a:ext uri="{28A0092B-C50C-407E-A947-70E740481C1C}">
+                  <a14:useLocalDpi xmlns:a14="http://schemas.microsoft.com/office/drawing/2010/main" val="0"/>
+                </a:ext>
+              </a:extLst>
+            </a:blip>
+            <a:tile tx="6350" ty="-127000" sx="65000" sy="64000" flip="none" algn="tl"/>
+          </a:blipFill>
           <a:latin typeface="+mj-lt"/>
           <a:ea typeface="+mj-ea"/>
           <a:cs typeface="+mj-cs"/>
@@ -3054,16 +5131,22 @@
       </a:lvl1pPr>
     </p:titleStyle>
     <p:bodyStyle>
-      <a:lvl1pPr marL="228600" indent="-228600" algn="l" defTabSz="914400" rtl="0" eaLnBrk="1" latinLnBrk="0" hangingPunct="1">
+      <a:lvl1pPr marL="182880" indent="-182880" algn="l" defTabSz="914400" rtl="0" eaLnBrk="1" latinLnBrk="0" hangingPunct="1">
         <a:lnSpc>
           <a:spcPct val="90000"/>
         </a:lnSpc>
         <a:spcBef>
-          <a:spcPts val="1000"/>
+          <a:spcPts val="1200"/>
         </a:spcBef>
-        <a:buFont typeface="Arial" panose="020B0604020202020204" pitchFamily="34" charset="0"/>
-        <a:buChar char="•"/>
-        <a:defRPr sz="2800" kern="1200">
+        <a:buClr>
+          <a:schemeClr val="accent1">
+            <a:lumMod val="75000"/>
+          </a:schemeClr>
+        </a:buClr>
+        <a:buSzPct val="85000"/>
+        <a:buFont typeface="Wingdings" pitchFamily="2" charset="2"/>
+        <a:buChar char="§"/>
+        <a:defRPr sz="2000" kern="1200">
           <a:solidFill>
             <a:schemeClr val="tx1"/>
           </a:solidFill>
@@ -3072,16 +5155,25 @@
           <a:cs typeface="+mn-cs"/>
         </a:defRPr>
       </a:lvl1pPr>
-      <a:lvl2pPr marL="685800" indent="-228600" algn="l" defTabSz="914400" rtl="0" eaLnBrk="1" latinLnBrk="0" hangingPunct="1">
+      <a:lvl2pPr marL="457200" indent="-182880" algn="l" defTabSz="914400" rtl="0" eaLnBrk="1" latinLnBrk="0" hangingPunct="1">
         <a:lnSpc>
           <a:spcPct val="90000"/>
         </a:lnSpc>
         <a:spcBef>
-          <a:spcPts val="500"/>
+          <a:spcPts val="400"/>
         </a:spcBef>
-        <a:buFont typeface="Arial" panose="020B0604020202020204" pitchFamily="34" charset="0"/>
-        <a:buChar char="•"/>
-        <a:defRPr sz="2400" kern="1200">
+        <a:spcAft>
+          <a:spcPts val="200"/>
+        </a:spcAft>
+        <a:buClr>
+          <a:schemeClr val="accent1">
+            <a:lumMod val="75000"/>
+          </a:schemeClr>
+        </a:buClr>
+        <a:buSzPct val="85000"/>
+        <a:buFont typeface="Wingdings" pitchFamily="2" charset="2"/>
+        <a:buChar char="§"/>
+        <a:defRPr sz="1800" kern="1200">
           <a:solidFill>
             <a:schemeClr val="tx1"/>
           </a:solidFill>
@@ -3090,16 +5182,25 @@
           <a:cs typeface="+mn-cs"/>
         </a:defRPr>
       </a:lvl2pPr>
-      <a:lvl3pPr marL="1143000" indent="-228600" algn="l" defTabSz="914400" rtl="0" eaLnBrk="1" latinLnBrk="0" hangingPunct="1">
+      <a:lvl3pPr marL="731520" indent="-182880" algn="l" defTabSz="914400" rtl="0" eaLnBrk="1" latinLnBrk="0" hangingPunct="1">
         <a:lnSpc>
           <a:spcPct val="90000"/>
         </a:lnSpc>
         <a:spcBef>
-          <a:spcPts val="500"/>
+          <a:spcPts val="400"/>
         </a:spcBef>
-        <a:buFont typeface="Arial" panose="020B0604020202020204" pitchFamily="34" charset="0"/>
-        <a:buChar char="•"/>
-        <a:defRPr sz="2000" kern="1200">
+        <a:spcAft>
+          <a:spcPts val="200"/>
+        </a:spcAft>
+        <a:buClr>
+          <a:schemeClr val="accent1">
+            <a:lumMod val="75000"/>
+          </a:schemeClr>
+        </a:buClr>
+        <a:buSzPct val="85000"/>
+        <a:buFont typeface="Wingdings" pitchFamily="2" charset="2"/>
+        <a:buChar char="§"/>
+        <a:defRPr sz="1600" kern="1200">
           <a:solidFill>
             <a:schemeClr val="tx1"/>
           </a:solidFill>
@@ -3108,16 +5209,25 @@
           <a:cs typeface="+mn-cs"/>
         </a:defRPr>
       </a:lvl3pPr>
-      <a:lvl4pPr marL="1600200" indent="-228600" algn="l" defTabSz="914400" rtl="0" eaLnBrk="1" latinLnBrk="0" hangingPunct="1">
+      <a:lvl4pPr marL="1005840" indent="-182880" algn="l" defTabSz="914400" rtl="0" eaLnBrk="1" latinLnBrk="0" hangingPunct="1">
         <a:lnSpc>
           <a:spcPct val="90000"/>
         </a:lnSpc>
         <a:spcBef>
-          <a:spcPts val="500"/>
+          <a:spcPts val="400"/>
         </a:spcBef>
-        <a:buFont typeface="Arial" panose="020B0604020202020204" pitchFamily="34" charset="0"/>
-        <a:buChar char="•"/>
-        <a:defRPr sz="1800" kern="1200">
+        <a:spcAft>
+          <a:spcPts val="200"/>
+        </a:spcAft>
+        <a:buClr>
+          <a:schemeClr val="accent1">
+            <a:lumMod val="75000"/>
+          </a:schemeClr>
+        </a:buClr>
+        <a:buSzPct val="85000"/>
+        <a:buFont typeface="Wingdings" pitchFamily="2" charset="2"/>
+        <a:buChar char="§"/>
+        <a:defRPr sz="1600" kern="1200">
           <a:solidFill>
             <a:schemeClr val="tx1"/>
           </a:solidFill>
@@ -3126,16 +5236,25 @@
           <a:cs typeface="+mn-cs"/>
         </a:defRPr>
       </a:lvl4pPr>
-      <a:lvl5pPr marL="2057400" indent="-228600" algn="l" defTabSz="914400" rtl="0" eaLnBrk="1" latinLnBrk="0" hangingPunct="1">
+      <a:lvl5pPr marL="1280160" indent="-182880" algn="l" defTabSz="914400" rtl="0" eaLnBrk="1" latinLnBrk="0" hangingPunct="1">
         <a:lnSpc>
           <a:spcPct val="90000"/>
         </a:lnSpc>
         <a:spcBef>
-          <a:spcPts val="500"/>
+          <a:spcPts val="400"/>
         </a:spcBef>
-        <a:buFont typeface="Arial" panose="020B0604020202020204" pitchFamily="34" charset="0"/>
-        <a:buChar char="•"/>
-        <a:defRPr sz="1800" kern="1200">
+        <a:spcAft>
+          <a:spcPts val="200"/>
+        </a:spcAft>
+        <a:buClr>
+          <a:schemeClr val="accent1">
+            <a:lumMod val="75000"/>
+          </a:schemeClr>
+        </a:buClr>
+        <a:buSzPct val="85000"/>
+        <a:buFont typeface="Wingdings" pitchFamily="2" charset="2"/>
+        <a:buChar char="§"/>
+        <a:defRPr sz="1600" kern="1200">
           <a:solidFill>
             <a:schemeClr val="tx1"/>
           </a:solidFill>
@@ -3144,16 +5263,25 @@
           <a:cs typeface="+mn-cs"/>
         </a:defRPr>
       </a:lvl5pPr>
-      <a:lvl6pPr marL="2514600" indent="-228600" algn="l" defTabSz="914400" rtl="0" eaLnBrk="1" latinLnBrk="0" hangingPunct="1">
+      <a:lvl6pPr marL="1600000" indent="-228600" algn="l" defTabSz="914400" rtl="0" eaLnBrk="1" latinLnBrk="0" hangingPunct="1">
         <a:lnSpc>
           <a:spcPct val="90000"/>
         </a:lnSpc>
         <a:spcBef>
-          <a:spcPts val="500"/>
+          <a:spcPts val="400"/>
         </a:spcBef>
-        <a:buFont typeface="Arial" panose="020B0604020202020204" pitchFamily="34" charset="0"/>
-        <a:buChar char="•"/>
-        <a:defRPr sz="1800" kern="1200">
+        <a:spcAft>
+          <a:spcPts val="200"/>
+        </a:spcAft>
+        <a:buClr>
+          <a:schemeClr val="accent1">
+            <a:lumMod val="75000"/>
+          </a:schemeClr>
+        </a:buClr>
+        <a:buSzPct val="85000"/>
+        <a:buFont typeface="Wingdings" pitchFamily="2" charset="2"/>
+        <a:buChar char="§"/>
+        <a:defRPr sz="1600" kern="1200">
           <a:solidFill>
             <a:schemeClr val="tx1"/>
           </a:solidFill>
@@ -3162,16 +5290,25 @@
           <a:cs typeface="+mn-cs"/>
         </a:defRPr>
       </a:lvl6pPr>
-      <a:lvl7pPr marL="2971800" indent="-228600" algn="l" defTabSz="914400" rtl="0" eaLnBrk="1" latinLnBrk="0" hangingPunct="1">
+      <a:lvl7pPr marL="1900000" indent="-228600" algn="l" defTabSz="914400" rtl="0" eaLnBrk="1" latinLnBrk="0" hangingPunct="1">
         <a:lnSpc>
           <a:spcPct val="90000"/>
         </a:lnSpc>
         <a:spcBef>
-          <a:spcPts val="500"/>
+          <a:spcPts val="400"/>
         </a:spcBef>
-        <a:buFont typeface="Arial" panose="020B0604020202020204" pitchFamily="34" charset="0"/>
-        <a:buChar char="•"/>
-        <a:defRPr sz="1800" kern="1200">
+        <a:spcAft>
+          <a:spcPts val="200"/>
+        </a:spcAft>
+        <a:buClr>
+          <a:schemeClr val="accent1">
+            <a:lumMod val="75000"/>
+          </a:schemeClr>
+        </a:buClr>
+        <a:buSzPct val="85000"/>
+        <a:buFont typeface="Wingdings" pitchFamily="2" charset="2"/>
+        <a:buChar char="§"/>
+        <a:defRPr sz="1600" kern="1200">
           <a:solidFill>
             <a:schemeClr val="tx1"/>
           </a:solidFill>
@@ -3180,16 +5317,25 @@
           <a:cs typeface="+mn-cs"/>
         </a:defRPr>
       </a:lvl7pPr>
-      <a:lvl8pPr marL="3429000" indent="-228600" algn="l" defTabSz="914400" rtl="0" eaLnBrk="1" latinLnBrk="0" hangingPunct="1">
+      <a:lvl8pPr marL="2200000" indent="-228600" algn="l" defTabSz="914400" rtl="0" eaLnBrk="1" latinLnBrk="0" hangingPunct="1">
         <a:lnSpc>
           <a:spcPct val="90000"/>
         </a:lnSpc>
         <a:spcBef>
-          <a:spcPts val="500"/>
+          <a:spcPts val="400"/>
         </a:spcBef>
-        <a:buFont typeface="Arial" panose="020B0604020202020204" pitchFamily="34" charset="0"/>
-        <a:buChar char="•"/>
-        <a:defRPr sz="1800" kern="1200">
+        <a:spcAft>
+          <a:spcPts val="200"/>
+        </a:spcAft>
+        <a:buClr>
+          <a:schemeClr val="accent1">
+            <a:lumMod val="75000"/>
+          </a:schemeClr>
+        </a:buClr>
+        <a:buSzPct val="85000"/>
+        <a:buFont typeface="Wingdings" pitchFamily="2" charset="2"/>
+        <a:buChar char="§"/>
+        <a:defRPr sz="1600" kern="1200">
           <a:solidFill>
             <a:schemeClr val="tx1"/>
           </a:solidFill>
@@ -3198,16 +5344,25 @@
           <a:cs typeface="+mn-cs"/>
         </a:defRPr>
       </a:lvl8pPr>
-      <a:lvl9pPr marL="3886200" indent="-228600" algn="l" defTabSz="914400" rtl="0" eaLnBrk="1" latinLnBrk="0" hangingPunct="1">
+      <a:lvl9pPr marL="2500000" indent="-228600" algn="l" defTabSz="914400" rtl="0" eaLnBrk="1" latinLnBrk="0" hangingPunct="1">
         <a:lnSpc>
           <a:spcPct val="90000"/>
         </a:lnSpc>
         <a:spcBef>
-          <a:spcPts val="500"/>
+          <a:spcPts val="400"/>
         </a:spcBef>
-        <a:buFont typeface="Arial" panose="020B0604020202020204" pitchFamily="34" charset="0"/>
-        <a:buChar char="•"/>
-        <a:defRPr sz="1800" kern="1200">
+        <a:spcAft>
+          <a:spcPts val="200"/>
+        </a:spcAft>
+        <a:buClr>
+          <a:schemeClr val="accent1">
+            <a:lumMod val="75000"/>
+          </a:schemeClr>
+        </a:buClr>
+        <a:buSzPct val="85000"/>
+        <a:buFont typeface="Wingdings" pitchFamily="2" charset="2"/>
+        <a:buChar char="§"/>
+        <a:defRPr sz="1600" kern="1200">
           <a:solidFill>
             <a:schemeClr val="tx1"/>
           </a:solidFill>
@@ -3219,7 +5374,7 @@
     </p:bodyStyle>
     <p:otherStyle>
       <a:defPPr>
-        <a:defRPr lang="pt-BR"/>
+        <a:defRPr lang="en-US"/>
       </a:defPPr>
       <a:lvl1pPr marL="0" algn="l" defTabSz="914400" rtl="0" eaLnBrk="1" latinLnBrk="0" hangingPunct="1">
         <a:defRPr sz="1800" kern="1200">
@@ -3355,9 +5510,20 @@
           <a:lstStyle/>
           <a:p>
             <a:r>
-              <a:rPr lang="pt-BR" dirty="0"/>
-              <a:t>Sistema Almoxarifado</a:t>
-            </a:r>
+              <a:rPr lang="pt-BR" b="1" dirty="0">
+                <a:latin typeface="Arial Rounded MT Bold" panose="020F0704030504030204" pitchFamily="34" charset="0"/>
+              </a:rPr>
+              <a:t>Sistema </a:t>
+            </a:r>
+            <a:r>
+              <a:rPr lang="pt-BR" sz="8800" b="1" dirty="0">
+                <a:latin typeface="Arial Rounded MT Bold" panose="020F0704030504030204" pitchFamily="34" charset="0"/>
+              </a:rPr>
+              <a:t>Almoxarifado</a:t>
+            </a:r>
+            <a:endParaRPr lang="pt-BR" b="1" dirty="0">
+              <a:latin typeface="Arial Rounded MT Bold" panose="020F0704030504030204" pitchFamily="34" charset="0"/>
+            </a:endParaRPr>
           </a:p>
         </p:txBody>
       </p:sp>
@@ -3382,7 +5548,24 @@
           <a:bodyPr/>
           <a:lstStyle/>
           <a:p>
-            <a:endParaRPr lang="pt-BR"/>
+            <a:r>
+              <a:rPr lang="pt-BR" b="1" dirty="0"/>
+              <a:t>Curso: Desenvolvimento de </a:t>
+            </a:r>
+            <a:r>
+              <a:rPr lang="pt-BR" b="1" dirty="0" smtClean="0"/>
+              <a:t>Sistemas</a:t>
+            </a:r>
+            <a:endParaRPr lang="pt-BR" b="1" dirty="0" smtClean="0"/>
+          </a:p>
+          <a:p>
+            <a:r>
+              <a:rPr lang="pt-BR" b="1" dirty="0" smtClean="0"/>
+              <a:t>Aluno: Carlos Miguel Ferreira Silva</a:t>
+            </a:r>
+          </a:p>
+          <a:p>
+            <a:endParaRPr lang="pt-BR" dirty="0"/>
           </a:p>
         </p:txBody>
       </p:sp>
@@ -3390,6 +5573,2135 @@
     <p:extLst>
       <p:ext uri="{BB962C8B-B14F-4D97-AF65-F5344CB8AC3E}">
         <p14:creationId xmlns:p14="http://schemas.microsoft.com/office/powerpoint/2010/main" val="1359056639"/>
+      </p:ext>
+    </p:extLst>
+  </p:cSld>
+  <p:clrMapOvr>
+    <a:masterClrMapping/>
+  </p:clrMapOvr>
+</p:sld>
+</file>
+
+<file path=ppt/slides/slide10.xml><?xml version="1.0" encoding="utf-8"?>
+<p:sld xmlns:a="http://schemas.openxmlformats.org/drawingml/2006/main" xmlns:r="http://schemas.openxmlformats.org/officeDocument/2006/relationships" xmlns:p="http://schemas.openxmlformats.org/presentationml/2006/main">
+  <p:cSld>
+    <p:spTree>
+      <p:nvGrpSpPr>
+        <p:cNvPr id="1" name=""/>
+        <p:cNvGrpSpPr/>
+        <p:nvPr/>
+      </p:nvGrpSpPr>
+      <p:grpSpPr>
+        <a:xfrm>
+          <a:off x="0" y="0"/>
+          <a:ext cx="0" cy="0"/>
+          <a:chOff x="0" y="0"/>
+          <a:chExt cx="0" cy="0"/>
+        </a:xfrm>
+      </p:grpSpPr>
+      <p:sp>
+        <p:nvSpPr>
+          <p:cNvPr id="2" name="Título 1"/>
+          <p:cNvSpPr>
+            <a:spLocks noGrp="1"/>
+          </p:cNvSpPr>
+          <p:nvPr>
+            <p:ph type="title"/>
+          </p:nvPr>
+        </p:nvSpPr>
+        <p:spPr>
+          <a:xfrm>
+            <a:off x="841248" y="298201"/>
+            <a:ext cx="10058400" cy="1609344"/>
+          </a:xfrm>
+        </p:spPr>
+        <p:txBody>
+          <a:bodyPr/>
+          <a:lstStyle/>
+          <a:p>
+            <a:r>
+              <a:rPr lang="pt-BR" b="1" dirty="0">
+                <a:latin typeface="Arial Rounded MT Bold" panose="020F0704030504030204" pitchFamily="34" charset="0"/>
+              </a:rPr>
+              <a:t>Caso de </a:t>
+            </a:r>
+            <a:r>
+              <a:rPr lang="pt-BR" b="1" dirty="0" smtClean="0">
+                <a:latin typeface="Arial Rounded MT Bold" panose="020F0704030504030204" pitchFamily="34" charset="0"/>
+              </a:rPr>
+              <a:t>Teste</a:t>
+            </a:r>
+            <a:r>
+              <a:rPr lang="pt-BR" sz="3200" dirty="0"/>
+              <a:t/>
+            </a:r>
+            <a:br>
+              <a:rPr lang="pt-BR" sz="3200" dirty="0"/>
+            </a:br>
+            <a:endParaRPr lang="pt-BR" dirty="0"/>
+          </a:p>
+        </p:txBody>
+      </p:sp>
+      <p:sp>
+        <p:nvSpPr>
+          <p:cNvPr id="3" name="Espaço Reservado para Conteúdo 2"/>
+          <p:cNvSpPr>
+            <a:spLocks noGrp="1"/>
+          </p:cNvSpPr>
+          <p:nvPr>
+            <p:ph idx="1"/>
+          </p:nvPr>
+        </p:nvSpPr>
+        <p:spPr>
+          <a:xfrm>
+            <a:off x="841248" y="1289304"/>
+            <a:ext cx="10515600" cy="5241000"/>
+          </a:xfrm>
+        </p:spPr>
+        <p:txBody>
+          <a:bodyPr>
+            <a:normAutofit/>
+          </a:bodyPr>
+          <a:lstStyle/>
+          <a:p>
+            <a:pPr marL="0" lvl="0" indent="0">
+              <a:buNone/>
+            </a:pPr>
+            <a:r>
+              <a:rPr lang="pt-BR" b="1" dirty="0" smtClean="0"/>
+              <a:t>CT02: </a:t>
+            </a:r>
+            <a:r>
+              <a:rPr lang="pt-BR" dirty="0" smtClean="0"/>
+              <a:t>Selecionado – Campos</a:t>
+            </a:r>
+          </a:p>
+          <a:p>
+            <a:pPr marL="0" lvl="0" indent="0">
+              <a:buNone/>
+            </a:pPr>
+            <a:r>
+              <a:rPr lang="pt-BR" b="1" dirty="0" smtClean="0"/>
+              <a:t>RN: </a:t>
+            </a:r>
+            <a:r>
+              <a:rPr lang="pt-BR" dirty="0" smtClean="0"/>
+              <a:t>RN02</a:t>
+            </a:r>
+          </a:p>
+          <a:p>
+            <a:pPr marL="0" lvl="0" indent="0">
+              <a:buNone/>
+            </a:pPr>
+            <a:r>
+              <a:rPr lang="pt-BR" b="1" dirty="0" smtClean="0"/>
+              <a:t>Resultado esperado:</a:t>
+            </a:r>
+          </a:p>
+          <a:p>
+            <a:pPr marL="0" lvl="0" indent="0">
+              <a:lnSpc>
+                <a:spcPct val="100000"/>
+              </a:lnSpc>
+              <a:spcBef>
+                <a:spcPts val="0"/>
+              </a:spcBef>
+              <a:buClrTx/>
+              <a:buSzTx/>
+              <a:buNone/>
+              <a:defRPr/>
+            </a:pPr>
+            <a:r>
+              <a:rPr lang="pt-BR" dirty="0"/>
+              <a:t>Ao entrar dentro de um campo o fundo deve ficar com a cor verde.</a:t>
+            </a:r>
+          </a:p>
+          <a:p>
+            <a:pPr marL="0" lvl="0" indent="0">
+              <a:buNone/>
+            </a:pPr>
+            <a:r>
+              <a:rPr lang="pt-BR" b="1" dirty="0" smtClean="0"/>
+              <a:t>Pré-condição: </a:t>
+            </a:r>
+            <a:r>
+              <a:rPr lang="pt-BR" dirty="0" smtClean="0"/>
+              <a:t>Tela de almoxarifado, já está aberta</a:t>
+            </a:r>
+          </a:p>
+          <a:p>
+            <a:pPr marL="0" lvl="0" indent="0">
+              <a:buNone/>
+            </a:pPr>
+            <a:endParaRPr lang="pt-BR" dirty="0"/>
+          </a:p>
+          <a:p>
+            <a:pPr marL="0" lvl="0" indent="0">
+              <a:buNone/>
+            </a:pPr>
+            <a:r>
+              <a:rPr lang="pt-BR" b="1" dirty="0" smtClean="0"/>
+              <a:t>Ações:</a:t>
+            </a:r>
+          </a:p>
+          <a:p>
+            <a:pPr marL="0" lvl="0" indent="0">
+              <a:buNone/>
+            </a:pPr>
+            <a:r>
+              <a:rPr lang="pt-BR" dirty="0" smtClean="0"/>
+              <a:t>1. Entrar no campo | </a:t>
+            </a:r>
+            <a:r>
+              <a:rPr lang="pt-BR" b="1" dirty="0" smtClean="0"/>
+              <a:t>Resultado esperado: </a:t>
+            </a:r>
+            <a:r>
+              <a:rPr lang="pt-BR" dirty="0" smtClean="0"/>
+              <a:t>Campo deve ficar com fundo verde</a:t>
+            </a:r>
+          </a:p>
+          <a:p>
+            <a:pPr marL="0" indent="0">
+              <a:buNone/>
+            </a:pPr>
+            <a:endParaRPr lang="pt-BR" dirty="0"/>
+          </a:p>
+          <a:p>
+            <a:pPr marL="0" lvl="0" indent="0">
+              <a:buNone/>
+            </a:pPr>
+            <a:endParaRPr lang="pt-BR" dirty="0"/>
+          </a:p>
+        </p:txBody>
+      </p:sp>
+    </p:spTree>
+    <p:extLst>
+      <p:ext uri="{BB962C8B-B14F-4D97-AF65-F5344CB8AC3E}">
+        <p14:creationId xmlns:p14="http://schemas.microsoft.com/office/powerpoint/2010/main" val="408177676"/>
+      </p:ext>
+    </p:extLst>
+  </p:cSld>
+  <p:clrMapOvr>
+    <a:masterClrMapping/>
+  </p:clrMapOvr>
+</p:sld>
+</file>
+
+<file path=ppt/slides/slide11.xml><?xml version="1.0" encoding="utf-8"?>
+<p:sld xmlns:a="http://schemas.openxmlformats.org/drawingml/2006/main" xmlns:r="http://schemas.openxmlformats.org/officeDocument/2006/relationships" xmlns:p="http://schemas.openxmlformats.org/presentationml/2006/main">
+  <p:cSld>
+    <p:spTree>
+      <p:nvGrpSpPr>
+        <p:cNvPr id="1" name=""/>
+        <p:cNvGrpSpPr/>
+        <p:nvPr/>
+      </p:nvGrpSpPr>
+      <p:grpSpPr>
+        <a:xfrm>
+          <a:off x="0" y="0"/>
+          <a:ext cx="0" cy="0"/>
+          <a:chOff x="0" y="0"/>
+          <a:chExt cx="0" cy="0"/>
+        </a:xfrm>
+      </p:grpSpPr>
+      <p:sp>
+        <p:nvSpPr>
+          <p:cNvPr id="2" name="Título 1"/>
+          <p:cNvSpPr>
+            <a:spLocks noGrp="1"/>
+          </p:cNvSpPr>
+          <p:nvPr>
+            <p:ph type="title"/>
+          </p:nvPr>
+        </p:nvSpPr>
+        <p:spPr>
+          <a:xfrm>
+            <a:off x="841248" y="298201"/>
+            <a:ext cx="10058400" cy="1609344"/>
+          </a:xfrm>
+        </p:spPr>
+        <p:txBody>
+          <a:bodyPr/>
+          <a:lstStyle/>
+          <a:p>
+            <a:r>
+              <a:rPr lang="pt-BR" b="1" dirty="0">
+                <a:latin typeface="Arial Rounded MT Bold" panose="020F0704030504030204" pitchFamily="34" charset="0"/>
+              </a:rPr>
+              <a:t>Caso de </a:t>
+            </a:r>
+            <a:r>
+              <a:rPr lang="pt-BR" b="1" dirty="0" smtClean="0">
+                <a:latin typeface="Arial Rounded MT Bold" panose="020F0704030504030204" pitchFamily="34" charset="0"/>
+              </a:rPr>
+              <a:t>Teste</a:t>
+            </a:r>
+            <a:r>
+              <a:rPr lang="pt-BR" sz="3200" dirty="0"/>
+              <a:t/>
+            </a:r>
+            <a:br>
+              <a:rPr lang="pt-BR" sz="3200" dirty="0"/>
+            </a:br>
+            <a:endParaRPr lang="pt-BR" dirty="0"/>
+          </a:p>
+        </p:txBody>
+      </p:sp>
+      <p:sp>
+        <p:nvSpPr>
+          <p:cNvPr id="3" name="Espaço Reservado para Conteúdo 2"/>
+          <p:cNvSpPr>
+            <a:spLocks noGrp="1"/>
+          </p:cNvSpPr>
+          <p:nvPr>
+            <p:ph idx="1"/>
+          </p:nvPr>
+        </p:nvSpPr>
+        <p:spPr>
+          <a:xfrm>
+            <a:off x="841248" y="1289304"/>
+            <a:ext cx="10515600" cy="5241000"/>
+          </a:xfrm>
+        </p:spPr>
+        <p:txBody>
+          <a:bodyPr>
+            <a:normAutofit/>
+          </a:bodyPr>
+          <a:lstStyle/>
+          <a:p>
+            <a:pPr marL="0" lvl="0" indent="0">
+              <a:buNone/>
+            </a:pPr>
+            <a:r>
+              <a:rPr lang="pt-BR" b="1" dirty="0" smtClean="0"/>
+              <a:t>CT03: </a:t>
+            </a:r>
+            <a:r>
+              <a:rPr lang="pt-BR" dirty="0" smtClean="0"/>
+              <a:t>Validar Campo ID – Campo</a:t>
+            </a:r>
+          </a:p>
+          <a:p>
+            <a:pPr marL="0" lvl="0" indent="0">
+              <a:buNone/>
+            </a:pPr>
+            <a:r>
+              <a:rPr lang="pt-BR" b="1" dirty="0" smtClean="0"/>
+              <a:t>RN: </a:t>
+            </a:r>
+            <a:r>
+              <a:rPr lang="pt-BR" dirty="0" smtClean="0"/>
+              <a:t>RN03</a:t>
+            </a:r>
+          </a:p>
+          <a:p>
+            <a:pPr marL="0" lvl="0" indent="0">
+              <a:buNone/>
+            </a:pPr>
+            <a:r>
+              <a:rPr lang="pt-BR" b="1" dirty="0" smtClean="0"/>
+              <a:t>Resultado esperado:</a:t>
+            </a:r>
+          </a:p>
+          <a:p>
+            <a:pPr marL="0" lvl="0" indent="0">
+              <a:lnSpc>
+                <a:spcPct val="100000"/>
+              </a:lnSpc>
+              <a:spcBef>
+                <a:spcPts val="0"/>
+              </a:spcBef>
+              <a:buClrTx/>
+              <a:buSzTx/>
+              <a:buNone/>
+              <a:defRPr/>
+            </a:pPr>
+            <a:r>
+              <a:rPr lang="pt-BR" dirty="0"/>
+              <a:t>Os campos ID, [Quantidade] só devem aceitar valores inteiros.</a:t>
+            </a:r>
+          </a:p>
+          <a:p>
+            <a:pPr marL="0" lvl="0" indent="0">
+              <a:buNone/>
+            </a:pPr>
+            <a:r>
+              <a:rPr lang="pt-BR" b="1" dirty="0" smtClean="0"/>
+              <a:t>Pré-condição: </a:t>
+            </a:r>
+            <a:r>
+              <a:rPr lang="pt-BR" dirty="0" smtClean="0"/>
+              <a:t>Tela de almoxarifado, já está aberta</a:t>
+            </a:r>
+          </a:p>
+          <a:p>
+            <a:pPr marL="0" lvl="0" indent="0">
+              <a:buNone/>
+            </a:pPr>
+            <a:endParaRPr lang="pt-BR" dirty="0"/>
+          </a:p>
+          <a:p>
+            <a:pPr marL="0" lvl="0" indent="0">
+              <a:buNone/>
+            </a:pPr>
+            <a:r>
+              <a:rPr lang="pt-BR" b="1" dirty="0" smtClean="0"/>
+              <a:t>Ações:</a:t>
+            </a:r>
+          </a:p>
+          <a:p>
+            <a:pPr marL="0" lvl="0" indent="0">
+              <a:buNone/>
+            </a:pPr>
+            <a:r>
+              <a:rPr lang="pt-BR" dirty="0" smtClean="0"/>
+              <a:t>1. Inserir um valor no campo ID | </a:t>
+            </a:r>
+            <a:r>
+              <a:rPr lang="pt-BR" b="1" dirty="0" smtClean="0"/>
+              <a:t>Resultado esperado: </a:t>
+            </a:r>
+            <a:r>
+              <a:rPr lang="pt-BR" dirty="0" smtClean="0"/>
+              <a:t>Valor inteiro</a:t>
+            </a:r>
+          </a:p>
+          <a:p>
+            <a:pPr marL="0" indent="0">
+              <a:buNone/>
+            </a:pPr>
+            <a:endParaRPr lang="pt-BR" dirty="0"/>
+          </a:p>
+          <a:p>
+            <a:pPr marL="0" lvl="0" indent="0">
+              <a:buNone/>
+            </a:pPr>
+            <a:endParaRPr lang="pt-BR" dirty="0"/>
+          </a:p>
+        </p:txBody>
+      </p:sp>
+    </p:spTree>
+    <p:extLst>
+      <p:ext uri="{BB962C8B-B14F-4D97-AF65-F5344CB8AC3E}">
+        <p14:creationId xmlns:p14="http://schemas.microsoft.com/office/powerpoint/2010/main" val="3887470606"/>
+      </p:ext>
+    </p:extLst>
+  </p:cSld>
+  <p:clrMapOvr>
+    <a:masterClrMapping/>
+  </p:clrMapOvr>
+</p:sld>
+</file>
+
+<file path=ppt/slides/slide12.xml><?xml version="1.0" encoding="utf-8"?>
+<p:sld xmlns:a="http://schemas.openxmlformats.org/drawingml/2006/main" xmlns:r="http://schemas.openxmlformats.org/officeDocument/2006/relationships" xmlns:p="http://schemas.openxmlformats.org/presentationml/2006/main">
+  <p:cSld>
+    <p:spTree>
+      <p:nvGrpSpPr>
+        <p:cNvPr id="1" name=""/>
+        <p:cNvGrpSpPr/>
+        <p:nvPr/>
+      </p:nvGrpSpPr>
+      <p:grpSpPr>
+        <a:xfrm>
+          <a:off x="0" y="0"/>
+          <a:ext cx="0" cy="0"/>
+          <a:chOff x="0" y="0"/>
+          <a:chExt cx="0" cy="0"/>
+        </a:xfrm>
+      </p:grpSpPr>
+      <p:sp>
+        <p:nvSpPr>
+          <p:cNvPr id="2" name="Título 1"/>
+          <p:cNvSpPr>
+            <a:spLocks noGrp="1"/>
+          </p:cNvSpPr>
+          <p:nvPr>
+            <p:ph type="title"/>
+          </p:nvPr>
+        </p:nvSpPr>
+        <p:spPr>
+          <a:xfrm>
+            <a:off x="841248" y="298201"/>
+            <a:ext cx="10058400" cy="1609344"/>
+          </a:xfrm>
+        </p:spPr>
+        <p:txBody>
+          <a:bodyPr/>
+          <a:lstStyle/>
+          <a:p>
+            <a:r>
+              <a:rPr lang="pt-BR" b="1" dirty="0">
+                <a:latin typeface="Arial Rounded MT Bold" panose="020F0704030504030204" pitchFamily="34" charset="0"/>
+              </a:rPr>
+              <a:t>Caso de </a:t>
+            </a:r>
+            <a:r>
+              <a:rPr lang="pt-BR" b="1" dirty="0" smtClean="0">
+                <a:latin typeface="Arial Rounded MT Bold" panose="020F0704030504030204" pitchFamily="34" charset="0"/>
+              </a:rPr>
+              <a:t>Teste</a:t>
+            </a:r>
+            <a:r>
+              <a:rPr lang="pt-BR" sz="3200" dirty="0"/>
+              <a:t/>
+            </a:r>
+            <a:br>
+              <a:rPr lang="pt-BR" sz="3200" dirty="0"/>
+            </a:br>
+            <a:endParaRPr lang="pt-BR" dirty="0"/>
+          </a:p>
+        </p:txBody>
+      </p:sp>
+      <p:sp>
+        <p:nvSpPr>
+          <p:cNvPr id="3" name="Espaço Reservado para Conteúdo 2"/>
+          <p:cNvSpPr>
+            <a:spLocks noGrp="1"/>
+          </p:cNvSpPr>
+          <p:nvPr>
+            <p:ph idx="1"/>
+          </p:nvPr>
+        </p:nvSpPr>
+        <p:spPr>
+          <a:xfrm>
+            <a:off x="841248" y="1289304"/>
+            <a:ext cx="10515600" cy="5241000"/>
+          </a:xfrm>
+        </p:spPr>
+        <p:txBody>
+          <a:bodyPr>
+            <a:normAutofit/>
+          </a:bodyPr>
+          <a:lstStyle/>
+          <a:p>
+            <a:pPr marL="0" lvl="0" indent="0">
+              <a:buNone/>
+            </a:pPr>
+            <a:r>
+              <a:rPr lang="pt-BR" b="1" dirty="0" smtClean="0"/>
+              <a:t>CT04: </a:t>
+            </a:r>
+            <a:r>
+              <a:rPr lang="pt-BR" dirty="0" smtClean="0"/>
+              <a:t>Categoria Motivo – Campo</a:t>
+            </a:r>
+          </a:p>
+          <a:p>
+            <a:pPr marL="0" lvl="0" indent="0">
+              <a:buNone/>
+            </a:pPr>
+            <a:r>
+              <a:rPr lang="pt-BR" b="1" dirty="0" smtClean="0"/>
+              <a:t>RN: </a:t>
+            </a:r>
+            <a:r>
+              <a:rPr lang="pt-BR" dirty="0" smtClean="0"/>
+              <a:t>RN04</a:t>
+            </a:r>
+          </a:p>
+          <a:p>
+            <a:pPr marL="0" lvl="0" indent="0">
+              <a:buNone/>
+            </a:pPr>
+            <a:r>
+              <a:rPr lang="pt-BR" b="1" dirty="0" smtClean="0"/>
+              <a:t>Resultado esperado:</a:t>
+            </a:r>
+          </a:p>
+          <a:p>
+            <a:pPr marL="0" lvl="0" indent="0">
+              <a:lnSpc>
+                <a:spcPct val="100000"/>
+              </a:lnSpc>
+              <a:spcBef>
+                <a:spcPts val="0"/>
+              </a:spcBef>
+              <a:buClrTx/>
+              <a:buSzTx/>
+              <a:buNone/>
+              <a:defRPr/>
+            </a:pPr>
+            <a:r>
+              <a:rPr lang="pt-BR" dirty="0"/>
+              <a:t>Ao carregar a tela os dados da Categoria Motivo devem ser carregados da API.</a:t>
+            </a:r>
+          </a:p>
+          <a:p>
+            <a:pPr marL="0" lvl="0" indent="0">
+              <a:buNone/>
+            </a:pPr>
+            <a:r>
+              <a:rPr lang="pt-BR" b="1" dirty="0" smtClean="0"/>
+              <a:t>Pré-condição: </a:t>
+            </a:r>
+            <a:r>
+              <a:rPr lang="pt-BR" dirty="0" smtClean="0"/>
+              <a:t>Tela de almoxarifado, já está aberta</a:t>
+            </a:r>
+          </a:p>
+          <a:p>
+            <a:pPr marL="0" lvl="0" indent="0">
+              <a:buNone/>
+            </a:pPr>
+            <a:endParaRPr lang="pt-BR" dirty="0"/>
+          </a:p>
+          <a:p>
+            <a:pPr marL="0" lvl="0" indent="0">
+              <a:buNone/>
+            </a:pPr>
+            <a:r>
+              <a:rPr lang="pt-BR" b="1" dirty="0" smtClean="0"/>
+              <a:t>Ações:</a:t>
+            </a:r>
+          </a:p>
+          <a:p>
+            <a:pPr marL="0" lvl="0" indent="0">
+              <a:buNone/>
+            </a:pPr>
+            <a:r>
+              <a:rPr lang="pt-BR" dirty="0" smtClean="0"/>
+              <a:t>1. Clicar em Categoria Motivo| </a:t>
+            </a:r>
+            <a:r>
+              <a:rPr lang="pt-BR" b="1" dirty="0" smtClean="0"/>
+              <a:t>Resultado esperado: </a:t>
+            </a:r>
+            <a:r>
+              <a:rPr lang="pt-BR" dirty="0" smtClean="0"/>
+              <a:t>Dados já forem carregados pela API</a:t>
+            </a:r>
+          </a:p>
+          <a:p>
+            <a:pPr marL="0" indent="0">
+              <a:buNone/>
+            </a:pPr>
+            <a:endParaRPr lang="pt-BR" dirty="0"/>
+          </a:p>
+          <a:p>
+            <a:pPr marL="0" lvl="0" indent="0">
+              <a:buNone/>
+            </a:pPr>
+            <a:endParaRPr lang="pt-BR" dirty="0"/>
+          </a:p>
+        </p:txBody>
+      </p:sp>
+    </p:spTree>
+    <p:extLst>
+      <p:ext uri="{BB962C8B-B14F-4D97-AF65-F5344CB8AC3E}">
+        <p14:creationId xmlns:p14="http://schemas.microsoft.com/office/powerpoint/2010/main" val="2154465143"/>
+      </p:ext>
+    </p:extLst>
+  </p:cSld>
+  <p:clrMapOvr>
+    <a:masterClrMapping/>
+  </p:clrMapOvr>
+</p:sld>
+</file>
+
+<file path=ppt/slides/slide13.xml><?xml version="1.0" encoding="utf-8"?>
+<p:sld xmlns:a="http://schemas.openxmlformats.org/drawingml/2006/main" xmlns:r="http://schemas.openxmlformats.org/officeDocument/2006/relationships" xmlns:p="http://schemas.openxmlformats.org/presentationml/2006/main">
+  <p:cSld>
+    <p:spTree>
+      <p:nvGrpSpPr>
+        <p:cNvPr id="1" name=""/>
+        <p:cNvGrpSpPr/>
+        <p:nvPr/>
+      </p:nvGrpSpPr>
+      <p:grpSpPr>
+        <a:xfrm>
+          <a:off x="0" y="0"/>
+          <a:ext cx="0" cy="0"/>
+          <a:chOff x="0" y="0"/>
+          <a:chExt cx="0" cy="0"/>
+        </a:xfrm>
+      </p:grpSpPr>
+      <p:sp>
+        <p:nvSpPr>
+          <p:cNvPr id="2" name="Título 1"/>
+          <p:cNvSpPr>
+            <a:spLocks noGrp="1"/>
+          </p:cNvSpPr>
+          <p:nvPr>
+            <p:ph type="title"/>
+          </p:nvPr>
+        </p:nvSpPr>
+        <p:spPr>
+          <a:xfrm>
+            <a:off x="841248" y="298201"/>
+            <a:ext cx="10058400" cy="1609344"/>
+          </a:xfrm>
+        </p:spPr>
+        <p:txBody>
+          <a:bodyPr/>
+          <a:lstStyle/>
+          <a:p>
+            <a:r>
+              <a:rPr lang="pt-BR" b="1" dirty="0">
+                <a:latin typeface="Arial Rounded MT Bold" panose="020F0704030504030204" pitchFamily="34" charset="0"/>
+              </a:rPr>
+              <a:t>Caso de </a:t>
+            </a:r>
+            <a:r>
+              <a:rPr lang="pt-BR" b="1" dirty="0" smtClean="0">
+                <a:latin typeface="Arial Rounded MT Bold" panose="020F0704030504030204" pitchFamily="34" charset="0"/>
+              </a:rPr>
+              <a:t>Teste</a:t>
+            </a:r>
+            <a:r>
+              <a:rPr lang="pt-BR" sz="3200" dirty="0"/>
+              <a:t/>
+            </a:r>
+            <a:br>
+              <a:rPr lang="pt-BR" sz="3200" dirty="0"/>
+            </a:br>
+            <a:endParaRPr lang="pt-BR" dirty="0"/>
+          </a:p>
+        </p:txBody>
+      </p:sp>
+      <p:sp>
+        <p:nvSpPr>
+          <p:cNvPr id="3" name="Espaço Reservado para Conteúdo 2"/>
+          <p:cNvSpPr>
+            <a:spLocks noGrp="1"/>
+          </p:cNvSpPr>
+          <p:nvPr>
+            <p:ph idx="1"/>
+          </p:nvPr>
+        </p:nvSpPr>
+        <p:spPr>
+          <a:xfrm>
+            <a:off x="841248" y="1289304"/>
+            <a:ext cx="10515600" cy="5241000"/>
+          </a:xfrm>
+        </p:spPr>
+        <p:txBody>
+          <a:bodyPr>
+            <a:normAutofit/>
+          </a:bodyPr>
+          <a:lstStyle/>
+          <a:p>
+            <a:pPr marL="0" lvl="0" indent="0">
+              <a:buNone/>
+            </a:pPr>
+            <a:r>
+              <a:rPr lang="pt-BR" b="1" dirty="0" smtClean="0"/>
+              <a:t>CT05: </a:t>
+            </a:r>
+            <a:r>
+              <a:rPr lang="pt-BR" dirty="0" smtClean="0"/>
+              <a:t>Motivo – Campo</a:t>
+            </a:r>
+          </a:p>
+          <a:p>
+            <a:pPr marL="0" lvl="0" indent="0">
+              <a:buNone/>
+            </a:pPr>
+            <a:r>
+              <a:rPr lang="pt-BR" b="1" dirty="0" smtClean="0"/>
+              <a:t>RN: </a:t>
+            </a:r>
+            <a:r>
+              <a:rPr lang="pt-BR" dirty="0" smtClean="0"/>
+              <a:t>RN05</a:t>
+            </a:r>
+          </a:p>
+          <a:p>
+            <a:pPr marL="0" lvl="0" indent="0">
+              <a:buNone/>
+            </a:pPr>
+            <a:r>
+              <a:rPr lang="pt-BR" b="1" dirty="0" smtClean="0"/>
+              <a:t>Resultado esperado:</a:t>
+            </a:r>
+          </a:p>
+          <a:p>
+            <a:pPr marL="0" lvl="0" indent="0">
+              <a:lnSpc>
+                <a:spcPct val="100000"/>
+              </a:lnSpc>
+              <a:spcBef>
+                <a:spcPts val="0"/>
+              </a:spcBef>
+              <a:buClrTx/>
+              <a:buSzTx/>
+              <a:buNone/>
+              <a:defRPr/>
+            </a:pPr>
+            <a:r>
+              <a:rPr lang="pt-BR" dirty="0"/>
+              <a:t>Todo motivo está atrelado a uma Categoria de Motivo. Ao alterar os dados de uma categoria do motivo o campo motivo deve exibir somente os motivos da categoria selecionada.</a:t>
+            </a:r>
+          </a:p>
+          <a:p>
+            <a:pPr marL="0" lvl="0" indent="0">
+              <a:buNone/>
+            </a:pPr>
+            <a:r>
+              <a:rPr lang="pt-BR" b="1" dirty="0" smtClean="0"/>
+              <a:t>Pré-condição: </a:t>
+            </a:r>
+            <a:r>
+              <a:rPr lang="pt-BR" dirty="0" smtClean="0"/>
+              <a:t>Tela de almoxarifado, já está aberta</a:t>
+            </a:r>
+          </a:p>
+          <a:p>
+            <a:pPr marL="0" lvl="0" indent="0">
+              <a:buNone/>
+            </a:pPr>
+            <a:endParaRPr lang="pt-BR" dirty="0"/>
+          </a:p>
+          <a:p>
+            <a:pPr marL="0" lvl="0" indent="0">
+              <a:buNone/>
+            </a:pPr>
+            <a:r>
+              <a:rPr lang="pt-BR" b="1" dirty="0" smtClean="0"/>
+              <a:t>Ações:</a:t>
+            </a:r>
+          </a:p>
+          <a:p>
+            <a:pPr marL="0" lvl="0" indent="0">
+              <a:buNone/>
+            </a:pPr>
+            <a:r>
+              <a:rPr lang="pt-BR" dirty="0" smtClean="0"/>
+              <a:t>1. Clicar em Categoria Motivo| </a:t>
+            </a:r>
+            <a:r>
+              <a:rPr lang="pt-BR" b="1" dirty="0" smtClean="0"/>
+              <a:t>Resultado esperado: </a:t>
+            </a:r>
+            <a:r>
+              <a:rPr lang="pt-BR" dirty="0" smtClean="0"/>
+              <a:t>Selecionado algum dado da Categoria Motivo</a:t>
+            </a:r>
+          </a:p>
+          <a:p>
+            <a:pPr marL="0" lvl="0" indent="0">
+              <a:buNone/>
+            </a:pPr>
+            <a:r>
+              <a:rPr lang="pt-BR" dirty="0" smtClean="0"/>
+              <a:t>2. Clicar em Motivo | </a:t>
+            </a:r>
+            <a:r>
+              <a:rPr lang="pt-BR" b="1" dirty="0" smtClean="0"/>
+              <a:t>Resultado esperado: </a:t>
+            </a:r>
+            <a:r>
+              <a:rPr lang="pt-BR" dirty="0" smtClean="0"/>
+              <a:t>Mostrar apenas os motivos relacionadas a </a:t>
+            </a:r>
+            <a:r>
+              <a:rPr lang="pt-BR" dirty="0"/>
+              <a:t>C</a:t>
+            </a:r>
+            <a:r>
+              <a:rPr lang="pt-BR" dirty="0" smtClean="0"/>
+              <a:t>ategoria Motivo selecionada</a:t>
+            </a:r>
+            <a:endParaRPr lang="pt-BR" b="1" dirty="0"/>
+          </a:p>
+          <a:p>
+            <a:pPr marL="0" lvl="0" indent="0">
+              <a:buNone/>
+            </a:pPr>
+            <a:endParaRPr lang="pt-BR" dirty="0"/>
+          </a:p>
+        </p:txBody>
+      </p:sp>
+    </p:spTree>
+    <p:extLst>
+      <p:ext uri="{BB962C8B-B14F-4D97-AF65-F5344CB8AC3E}">
+        <p14:creationId xmlns:p14="http://schemas.microsoft.com/office/powerpoint/2010/main" val="3438833756"/>
+      </p:ext>
+    </p:extLst>
+  </p:cSld>
+  <p:clrMapOvr>
+    <a:masterClrMapping/>
+  </p:clrMapOvr>
+</p:sld>
+</file>
+
+<file path=ppt/slides/slide14.xml><?xml version="1.0" encoding="utf-8"?>
+<p:sld xmlns:a="http://schemas.openxmlformats.org/drawingml/2006/main" xmlns:r="http://schemas.openxmlformats.org/officeDocument/2006/relationships" xmlns:p="http://schemas.openxmlformats.org/presentationml/2006/main">
+  <p:cSld>
+    <p:spTree>
+      <p:nvGrpSpPr>
+        <p:cNvPr id="1" name=""/>
+        <p:cNvGrpSpPr/>
+        <p:nvPr/>
+      </p:nvGrpSpPr>
+      <p:grpSpPr>
+        <a:xfrm>
+          <a:off x="0" y="0"/>
+          <a:ext cx="0" cy="0"/>
+          <a:chOff x="0" y="0"/>
+          <a:chExt cx="0" cy="0"/>
+        </a:xfrm>
+      </p:grpSpPr>
+      <p:sp>
+        <p:nvSpPr>
+          <p:cNvPr id="2" name="Título 1"/>
+          <p:cNvSpPr>
+            <a:spLocks noGrp="1"/>
+          </p:cNvSpPr>
+          <p:nvPr>
+            <p:ph type="title"/>
+          </p:nvPr>
+        </p:nvSpPr>
+        <p:spPr>
+          <a:xfrm>
+            <a:off x="841248" y="298201"/>
+            <a:ext cx="10058400" cy="1609344"/>
+          </a:xfrm>
+        </p:spPr>
+        <p:txBody>
+          <a:bodyPr/>
+          <a:lstStyle/>
+          <a:p>
+            <a:r>
+              <a:rPr lang="pt-BR" b="1" dirty="0">
+                <a:latin typeface="Arial Rounded MT Bold" panose="020F0704030504030204" pitchFamily="34" charset="0"/>
+              </a:rPr>
+              <a:t>Caso de </a:t>
+            </a:r>
+            <a:r>
+              <a:rPr lang="pt-BR" b="1" dirty="0" smtClean="0">
+                <a:latin typeface="Arial Rounded MT Bold" panose="020F0704030504030204" pitchFamily="34" charset="0"/>
+              </a:rPr>
+              <a:t>Teste</a:t>
+            </a:r>
+            <a:r>
+              <a:rPr lang="pt-BR" sz="3200" dirty="0"/>
+              <a:t/>
+            </a:r>
+            <a:br>
+              <a:rPr lang="pt-BR" sz="3200" dirty="0"/>
+            </a:br>
+            <a:endParaRPr lang="pt-BR" dirty="0"/>
+          </a:p>
+        </p:txBody>
+      </p:sp>
+      <p:sp>
+        <p:nvSpPr>
+          <p:cNvPr id="3" name="Espaço Reservado para Conteúdo 2"/>
+          <p:cNvSpPr>
+            <a:spLocks noGrp="1"/>
+          </p:cNvSpPr>
+          <p:nvPr>
+            <p:ph idx="1"/>
+          </p:nvPr>
+        </p:nvSpPr>
+        <p:spPr>
+          <a:xfrm>
+            <a:off x="841248" y="1289304"/>
+            <a:ext cx="10515600" cy="5241000"/>
+          </a:xfrm>
+        </p:spPr>
+        <p:txBody>
+          <a:bodyPr>
+            <a:normAutofit/>
+          </a:bodyPr>
+          <a:lstStyle/>
+          <a:p>
+            <a:pPr marL="0" lvl="0" indent="0">
+              <a:buNone/>
+            </a:pPr>
+            <a:r>
+              <a:rPr lang="pt-BR" b="1" dirty="0" smtClean="0"/>
+              <a:t>CT06: </a:t>
+            </a:r>
+            <a:r>
+              <a:rPr lang="pt-BR" dirty="0" smtClean="0"/>
+              <a:t>Departamento – Campo</a:t>
+            </a:r>
+          </a:p>
+          <a:p>
+            <a:pPr marL="0" lvl="0" indent="0">
+              <a:buNone/>
+            </a:pPr>
+            <a:r>
+              <a:rPr lang="pt-BR" b="1" dirty="0" smtClean="0"/>
+              <a:t>RN: </a:t>
+            </a:r>
+            <a:r>
+              <a:rPr lang="pt-BR" dirty="0" smtClean="0"/>
+              <a:t>RN06</a:t>
+            </a:r>
+          </a:p>
+          <a:p>
+            <a:pPr marL="0" lvl="0" indent="0">
+              <a:buNone/>
+            </a:pPr>
+            <a:r>
+              <a:rPr lang="pt-BR" b="1" dirty="0" smtClean="0"/>
+              <a:t>Resultado esperado:</a:t>
+            </a:r>
+          </a:p>
+          <a:p>
+            <a:pPr marL="0" lvl="0" indent="0">
+              <a:lnSpc>
+                <a:spcPct val="100000"/>
+              </a:lnSpc>
+              <a:spcBef>
+                <a:spcPts val="0"/>
+              </a:spcBef>
+              <a:buClrTx/>
+              <a:buSzTx/>
+              <a:buNone/>
+              <a:defRPr/>
+            </a:pPr>
+            <a:r>
+              <a:rPr lang="pt-BR" dirty="0"/>
+              <a:t>Ao digitar um código no campo [ID] e esse existe na base de dados ou API o sistema deve exibir a descrição do departamento no campo Departamento. Se ao digitar um código, o mesmo não existir, logo a descrição deverá está vazia do campo Departamento.</a:t>
+            </a:r>
+          </a:p>
+          <a:p>
+            <a:pPr marL="0" lvl="0" indent="0">
+              <a:buNone/>
+            </a:pPr>
+            <a:r>
+              <a:rPr lang="pt-BR" b="1" dirty="0" smtClean="0"/>
+              <a:t>Pré-condição: </a:t>
+            </a:r>
+            <a:r>
+              <a:rPr lang="pt-BR" dirty="0" smtClean="0"/>
+              <a:t>Tela de almoxarifado, já está aberta</a:t>
+            </a:r>
+          </a:p>
+          <a:p>
+            <a:pPr marL="0" lvl="0" indent="0">
+              <a:buNone/>
+            </a:pPr>
+            <a:endParaRPr lang="pt-BR" dirty="0"/>
+          </a:p>
+          <a:p>
+            <a:pPr marL="0" lvl="0" indent="0">
+              <a:buNone/>
+            </a:pPr>
+            <a:r>
+              <a:rPr lang="pt-BR" b="1" dirty="0" smtClean="0"/>
+              <a:t>Ações:</a:t>
+            </a:r>
+          </a:p>
+          <a:p>
+            <a:pPr marL="0" lvl="0" indent="0">
+              <a:buNone/>
+            </a:pPr>
+            <a:r>
+              <a:rPr lang="pt-BR" dirty="0" smtClean="0"/>
+              <a:t>1. Inserir valor no campo ID| </a:t>
+            </a:r>
+            <a:r>
+              <a:rPr lang="pt-BR" b="1" dirty="0" smtClean="0"/>
+              <a:t>Resultado esperado: </a:t>
+            </a:r>
+            <a:r>
+              <a:rPr lang="pt-BR" dirty="0" smtClean="0"/>
+              <a:t>Se já existir no banco de dados, exibir a descrição no </a:t>
+            </a:r>
+            <a:r>
+              <a:rPr lang="pt-BR" dirty="0"/>
+              <a:t>c</a:t>
+            </a:r>
+            <a:r>
+              <a:rPr lang="pt-BR" dirty="0" smtClean="0"/>
+              <a:t>ampo relacionado, se não o campo estará vazio</a:t>
+            </a:r>
+            <a:endParaRPr lang="pt-BR" dirty="0"/>
+          </a:p>
+        </p:txBody>
+      </p:sp>
+    </p:spTree>
+    <p:extLst>
+      <p:ext uri="{BB962C8B-B14F-4D97-AF65-F5344CB8AC3E}">
+        <p14:creationId xmlns:p14="http://schemas.microsoft.com/office/powerpoint/2010/main" val="611617258"/>
+      </p:ext>
+    </p:extLst>
+  </p:cSld>
+  <p:clrMapOvr>
+    <a:masterClrMapping/>
+  </p:clrMapOvr>
+</p:sld>
+</file>
+
+<file path=ppt/slides/slide15.xml><?xml version="1.0" encoding="utf-8"?>
+<p:sld xmlns:a="http://schemas.openxmlformats.org/drawingml/2006/main" xmlns:r="http://schemas.openxmlformats.org/officeDocument/2006/relationships" xmlns:p="http://schemas.openxmlformats.org/presentationml/2006/main">
+  <p:cSld>
+    <p:spTree>
+      <p:nvGrpSpPr>
+        <p:cNvPr id="1" name=""/>
+        <p:cNvGrpSpPr/>
+        <p:nvPr/>
+      </p:nvGrpSpPr>
+      <p:grpSpPr>
+        <a:xfrm>
+          <a:off x="0" y="0"/>
+          <a:ext cx="0" cy="0"/>
+          <a:chOff x="0" y="0"/>
+          <a:chExt cx="0" cy="0"/>
+        </a:xfrm>
+      </p:grpSpPr>
+      <p:sp>
+        <p:nvSpPr>
+          <p:cNvPr id="2" name="Título 1"/>
+          <p:cNvSpPr>
+            <a:spLocks noGrp="1"/>
+          </p:cNvSpPr>
+          <p:nvPr>
+            <p:ph type="title"/>
+          </p:nvPr>
+        </p:nvSpPr>
+        <p:spPr>
+          <a:xfrm>
+            <a:off x="841248" y="298201"/>
+            <a:ext cx="10058400" cy="1609344"/>
+          </a:xfrm>
+        </p:spPr>
+        <p:txBody>
+          <a:bodyPr/>
+          <a:lstStyle/>
+          <a:p>
+            <a:r>
+              <a:rPr lang="pt-BR" b="1" dirty="0">
+                <a:latin typeface="Arial Rounded MT Bold" panose="020F0704030504030204" pitchFamily="34" charset="0"/>
+              </a:rPr>
+              <a:t>Caso de </a:t>
+            </a:r>
+            <a:r>
+              <a:rPr lang="pt-BR" b="1" dirty="0" smtClean="0">
+                <a:latin typeface="Arial Rounded MT Bold" panose="020F0704030504030204" pitchFamily="34" charset="0"/>
+              </a:rPr>
+              <a:t>Teste</a:t>
+            </a:r>
+            <a:r>
+              <a:rPr lang="pt-BR" sz="3200" dirty="0"/>
+              <a:t/>
+            </a:r>
+            <a:br>
+              <a:rPr lang="pt-BR" sz="3200" dirty="0"/>
+            </a:br>
+            <a:endParaRPr lang="pt-BR" dirty="0"/>
+          </a:p>
+        </p:txBody>
+      </p:sp>
+      <p:sp>
+        <p:nvSpPr>
+          <p:cNvPr id="3" name="Espaço Reservado para Conteúdo 2"/>
+          <p:cNvSpPr>
+            <a:spLocks noGrp="1"/>
+          </p:cNvSpPr>
+          <p:nvPr>
+            <p:ph idx="1"/>
+          </p:nvPr>
+        </p:nvSpPr>
+        <p:spPr>
+          <a:xfrm>
+            <a:off x="841248" y="1289304"/>
+            <a:ext cx="10515600" cy="5241000"/>
+          </a:xfrm>
+        </p:spPr>
+        <p:txBody>
+          <a:bodyPr>
+            <a:normAutofit/>
+          </a:bodyPr>
+          <a:lstStyle/>
+          <a:p>
+            <a:pPr marL="0" lvl="0" indent="0">
+              <a:buNone/>
+            </a:pPr>
+            <a:r>
+              <a:rPr lang="pt-BR" b="1" dirty="0" smtClean="0"/>
+              <a:t>CT07: </a:t>
+            </a:r>
+            <a:r>
+              <a:rPr lang="pt-BR" dirty="0" smtClean="0"/>
+              <a:t>Funcionário – Campo</a:t>
+            </a:r>
+          </a:p>
+          <a:p>
+            <a:pPr marL="0" lvl="0" indent="0">
+              <a:buNone/>
+            </a:pPr>
+            <a:r>
+              <a:rPr lang="pt-BR" b="1" dirty="0" smtClean="0"/>
+              <a:t>RN: </a:t>
+            </a:r>
+            <a:r>
+              <a:rPr lang="pt-BR" dirty="0" smtClean="0"/>
+              <a:t>RN07</a:t>
+            </a:r>
+          </a:p>
+          <a:p>
+            <a:pPr marL="0" lvl="0" indent="0">
+              <a:buNone/>
+            </a:pPr>
+            <a:r>
+              <a:rPr lang="pt-BR" b="1" dirty="0" smtClean="0"/>
+              <a:t>Resultado esperado:</a:t>
+            </a:r>
+          </a:p>
+          <a:p>
+            <a:pPr marL="0" lvl="0" indent="0">
+              <a:lnSpc>
+                <a:spcPct val="100000"/>
+              </a:lnSpc>
+              <a:spcBef>
+                <a:spcPts val="0"/>
+              </a:spcBef>
+              <a:buClrTx/>
+              <a:buSzTx/>
+              <a:buNone/>
+              <a:defRPr/>
+            </a:pPr>
+            <a:r>
+              <a:rPr lang="pt-BR" dirty="0"/>
+              <a:t>Ao digitar um código no campo ID </a:t>
+            </a:r>
+            <a:r>
+              <a:rPr lang="pt-BR" dirty="0" err="1"/>
+              <a:t>Func</a:t>
+            </a:r>
+            <a:r>
+              <a:rPr lang="pt-BR" dirty="0"/>
+              <a:t> e esse existe na base de dados ou API o sistema deve exibir o nome do funcionário no campo [Nome  </a:t>
+            </a:r>
+            <a:r>
+              <a:rPr lang="pt-BR" dirty="0" smtClean="0"/>
+              <a:t>Funcionário]. </a:t>
+            </a:r>
+            <a:r>
+              <a:rPr lang="pt-BR" dirty="0"/>
+              <a:t>Se ao digitar um código, o mesmo não existir, logo o campo [Nome </a:t>
+            </a:r>
+            <a:r>
+              <a:rPr lang="pt-BR" dirty="0" smtClean="0"/>
+              <a:t>Funcionário] </a:t>
+            </a:r>
+            <a:r>
+              <a:rPr lang="pt-BR" dirty="0"/>
+              <a:t>fica vazio.</a:t>
+            </a:r>
+          </a:p>
+          <a:p>
+            <a:pPr marL="0" lvl="0" indent="0">
+              <a:buNone/>
+            </a:pPr>
+            <a:r>
+              <a:rPr lang="pt-BR" b="1" dirty="0" smtClean="0"/>
+              <a:t>Pré-condição: </a:t>
+            </a:r>
+            <a:r>
+              <a:rPr lang="pt-BR" dirty="0" smtClean="0"/>
+              <a:t>Tela de almoxarifado, já está aberta</a:t>
+            </a:r>
+          </a:p>
+          <a:p>
+            <a:pPr marL="0" lvl="0" indent="0">
+              <a:buNone/>
+            </a:pPr>
+            <a:endParaRPr lang="pt-BR" dirty="0"/>
+          </a:p>
+          <a:p>
+            <a:pPr marL="0" lvl="0" indent="0">
+              <a:buNone/>
+            </a:pPr>
+            <a:r>
+              <a:rPr lang="pt-BR" b="1" dirty="0" smtClean="0"/>
+              <a:t>Ações:</a:t>
+            </a:r>
+          </a:p>
+          <a:p>
+            <a:pPr marL="0" lvl="0" indent="0">
+              <a:buNone/>
+            </a:pPr>
+            <a:r>
+              <a:rPr lang="pt-BR" dirty="0" smtClean="0"/>
+              <a:t>1. Inserir valor no campo ID funcionário| </a:t>
+            </a:r>
+            <a:r>
+              <a:rPr lang="pt-BR" b="1" dirty="0" smtClean="0"/>
+              <a:t>Resultado esperado: </a:t>
+            </a:r>
+            <a:r>
+              <a:rPr lang="pt-BR" dirty="0" smtClean="0"/>
+              <a:t>Se já existir no banco de dados, exibir o nome do funcionário no </a:t>
+            </a:r>
+            <a:r>
+              <a:rPr lang="pt-BR" dirty="0"/>
+              <a:t>c</a:t>
+            </a:r>
+            <a:r>
+              <a:rPr lang="pt-BR" dirty="0" smtClean="0"/>
+              <a:t>ampo relacionado, se não o campo estará vazio</a:t>
+            </a:r>
+            <a:endParaRPr lang="pt-BR" dirty="0"/>
+          </a:p>
+        </p:txBody>
+      </p:sp>
+    </p:spTree>
+    <p:extLst>
+      <p:ext uri="{BB962C8B-B14F-4D97-AF65-F5344CB8AC3E}">
+        <p14:creationId xmlns:p14="http://schemas.microsoft.com/office/powerpoint/2010/main" val="645975666"/>
+      </p:ext>
+    </p:extLst>
+  </p:cSld>
+  <p:clrMapOvr>
+    <a:masterClrMapping/>
+  </p:clrMapOvr>
+</p:sld>
+</file>
+
+<file path=ppt/slides/slide16.xml><?xml version="1.0" encoding="utf-8"?>
+<p:sld xmlns:a="http://schemas.openxmlformats.org/drawingml/2006/main" xmlns:r="http://schemas.openxmlformats.org/officeDocument/2006/relationships" xmlns:p="http://schemas.openxmlformats.org/presentationml/2006/main">
+  <p:cSld>
+    <p:spTree>
+      <p:nvGrpSpPr>
+        <p:cNvPr id="1" name=""/>
+        <p:cNvGrpSpPr/>
+        <p:nvPr/>
+      </p:nvGrpSpPr>
+      <p:grpSpPr>
+        <a:xfrm>
+          <a:off x="0" y="0"/>
+          <a:ext cx="0" cy="0"/>
+          <a:chOff x="0" y="0"/>
+          <a:chExt cx="0" cy="0"/>
+        </a:xfrm>
+      </p:grpSpPr>
+      <p:sp>
+        <p:nvSpPr>
+          <p:cNvPr id="2" name="Título 1"/>
+          <p:cNvSpPr>
+            <a:spLocks noGrp="1"/>
+          </p:cNvSpPr>
+          <p:nvPr>
+            <p:ph type="title"/>
+          </p:nvPr>
+        </p:nvSpPr>
+        <p:spPr>
+          <a:xfrm>
+            <a:off x="841248" y="298201"/>
+            <a:ext cx="10058400" cy="1609344"/>
+          </a:xfrm>
+        </p:spPr>
+        <p:txBody>
+          <a:bodyPr/>
+          <a:lstStyle/>
+          <a:p>
+            <a:r>
+              <a:rPr lang="pt-BR" b="1" dirty="0">
+                <a:latin typeface="Arial Rounded MT Bold" panose="020F0704030504030204" pitchFamily="34" charset="0"/>
+              </a:rPr>
+              <a:t>Caso de </a:t>
+            </a:r>
+            <a:r>
+              <a:rPr lang="pt-BR" b="1" dirty="0" smtClean="0">
+                <a:latin typeface="Arial Rounded MT Bold" panose="020F0704030504030204" pitchFamily="34" charset="0"/>
+              </a:rPr>
+              <a:t>Teste</a:t>
+            </a:r>
+            <a:r>
+              <a:rPr lang="pt-BR" sz="3200" dirty="0"/>
+              <a:t/>
+            </a:r>
+            <a:br>
+              <a:rPr lang="pt-BR" sz="3200" dirty="0"/>
+            </a:br>
+            <a:endParaRPr lang="pt-BR" dirty="0"/>
+          </a:p>
+        </p:txBody>
+      </p:sp>
+      <p:sp>
+        <p:nvSpPr>
+          <p:cNvPr id="3" name="Espaço Reservado para Conteúdo 2"/>
+          <p:cNvSpPr>
+            <a:spLocks noGrp="1"/>
+          </p:cNvSpPr>
+          <p:nvPr>
+            <p:ph idx="1"/>
+          </p:nvPr>
+        </p:nvSpPr>
+        <p:spPr>
+          <a:xfrm>
+            <a:off x="841248" y="1289304"/>
+            <a:ext cx="10515600" cy="5241000"/>
+          </a:xfrm>
+        </p:spPr>
+        <p:txBody>
+          <a:bodyPr>
+            <a:normAutofit/>
+          </a:bodyPr>
+          <a:lstStyle/>
+          <a:p>
+            <a:pPr marL="0" lvl="0" indent="0">
+              <a:buNone/>
+            </a:pPr>
+            <a:r>
+              <a:rPr lang="pt-BR" b="1" dirty="0" smtClean="0"/>
+              <a:t>CT08: </a:t>
+            </a:r>
+            <a:r>
+              <a:rPr lang="pt-BR" dirty="0" smtClean="0"/>
+              <a:t>Produto – Campo</a:t>
+            </a:r>
+          </a:p>
+          <a:p>
+            <a:pPr marL="0" lvl="0" indent="0">
+              <a:buNone/>
+            </a:pPr>
+            <a:r>
+              <a:rPr lang="pt-BR" b="1" dirty="0" smtClean="0"/>
+              <a:t>RN: </a:t>
+            </a:r>
+            <a:r>
+              <a:rPr lang="pt-BR" dirty="0" smtClean="0"/>
+              <a:t>RN08</a:t>
+            </a:r>
+          </a:p>
+          <a:p>
+            <a:pPr marL="0" lvl="0" indent="0">
+              <a:buNone/>
+            </a:pPr>
+            <a:r>
+              <a:rPr lang="pt-BR" b="1" dirty="0" smtClean="0"/>
+              <a:t>Resultado esperado:</a:t>
+            </a:r>
+          </a:p>
+          <a:p>
+            <a:pPr marL="0" lvl="0" indent="0">
+              <a:lnSpc>
+                <a:spcPct val="100000"/>
+              </a:lnSpc>
+              <a:spcBef>
+                <a:spcPts val="0"/>
+              </a:spcBef>
+              <a:buClrTx/>
+              <a:buSzTx/>
+              <a:buNone/>
+              <a:defRPr/>
+            </a:pPr>
+            <a:r>
+              <a:rPr lang="pt-BR" dirty="0"/>
+              <a:t>Ao digitar um código no campo </a:t>
+            </a:r>
+            <a:r>
+              <a:rPr lang="pt-BR" dirty="0" err="1"/>
+              <a:t>Cod</a:t>
+            </a:r>
+            <a:r>
+              <a:rPr lang="pt-BR" dirty="0"/>
+              <a:t> Produto e esse existe na base de dados ou API o sistema deve exibir o nome do Produto e no campo [Estoque] a quantidade de itens em seu estoque. Se o código não existir, os campos Descrição do Produto e Estoque devem ficar em brancos.</a:t>
+            </a:r>
+          </a:p>
+          <a:p>
+            <a:pPr marL="0" lvl="0" indent="0">
+              <a:buNone/>
+            </a:pPr>
+            <a:r>
+              <a:rPr lang="pt-BR" b="1" dirty="0" smtClean="0"/>
+              <a:t>Pré-condição: </a:t>
+            </a:r>
+            <a:r>
+              <a:rPr lang="pt-BR" dirty="0" smtClean="0"/>
+              <a:t>Tela de almoxarifado, já está aberta</a:t>
+            </a:r>
+          </a:p>
+          <a:p>
+            <a:pPr marL="0" lvl="0" indent="0">
+              <a:buNone/>
+            </a:pPr>
+            <a:endParaRPr lang="pt-BR" dirty="0"/>
+          </a:p>
+          <a:p>
+            <a:pPr marL="0" lvl="0" indent="0">
+              <a:buNone/>
+            </a:pPr>
+            <a:r>
+              <a:rPr lang="pt-BR" b="1" dirty="0" smtClean="0"/>
+              <a:t>Ações:</a:t>
+            </a:r>
+          </a:p>
+          <a:p>
+            <a:pPr marL="0" lvl="0" indent="0">
+              <a:buNone/>
+            </a:pPr>
+            <a:r>
+              <a:rPr lang="pt-BR" dirty="0" smtClean="0"/>
+              <a:t>1. Inserir valor no campo </a:t>
+            </a:r>
+            <a:r>
+              <a:rPr lang="pt-BR" dirty="0" err="1" smtClean="0"/>
+              <a:t>Cod</a:t>
+            </a:r>
+            <a:r>
+              <a:rPr lang="pt-BR" dirty="0" smtClean="0"/>
+              <a:t> Produto| </a:t>
+            </a:r>
+            <a:r>
+              <a:rPr lang="pt-BR" b="1" dirty="0" smtClean="0"/>
+              <a:t>Resultado esperado: </a:t>
+            </a:r>
+            <a:r>
+              <a:rPr lang="pt-BR" dirty="0" smtClean="0"/>
+              <a:t>Se já existir no banco de dados, exibir o nome do Produto no </a:t>
+            </a:r>
+            <a:r>
+              <a:rPr lang="pt-BR" dirty="0"/>
+              <a:t>c</a:t>
+            </a:r>
+            <a:r>
+              <a:rPr lang="pt-BR" dirty="0" smtClean="0"/>
+              <a:t>ampo relacionado e no campo Estoque a quantidade de itens em seu estoque, se não os campos </a:t>
+            </a:r>
+            <a:r>
+              <a:rPr lang="pt-BR" dirty="0" err="1" smtClean="0"/>
+              <a:t>estaram</a:t>
+            </a:r>
+            <a:r>
+              <a:rPr lang="pt-BR" dirty="0" smtClean="0"/>
+              <a:t> vazio</a:t>
+            </a:r>
+            <a:endParaRPr lang="pt-BR" dirty="0"/>
+          </a:p>
+        </p:txBody>
+      </p:sp>
+    </p:spTree>
+    <p:extLst>
+      <p:ext uri="{BB962C8B-B14F-4D97-AF65-F5344CB8AC3E}">
+        <p14:creationId xmlns:p14="http://schemas.microsoft.com/office/powerpoint/2010/main" val="2022840477"/>
+      </p:ext>
+    </p:extLst>
+  </p:cSld>
+  <p:clrMapOvr>
+    <a:masterClrMapping/>
+  </p:clrMapOvr>
+</p:sld>
+</file>
+
+<file path=ppt/slides/slide17.xml><?xml version="1.0" encoding="utf-8"?>
+<p:sld xmlns:a="http://schemas.openxmlformats.org/drawingml/2006/main" xmlns:r="http://schemas.openxmlformats.org/officeDocument/2006/relationships" xmlns:p="http://schemas.openxmlformats.org/presentationml/2006/main">
+  <p:cSld>
+    <p:spTree>
+      <p:nvGrpSpPr>
+        <p:cNvPr id="1" name=""/>
+        <p:cNvGrpSpPr/>
+        <p:nvPr/>
+      </p:nvGrpSpPr>
+      <p:grpSpPr>
+        <a:xfrm>
+          <a:off x="0" y="0"/>
+          <a:ext cx="0" cy="0"/>
+          <a:chOff x="0" y="0"/>
+          <a:chExt cx="0" cy="0"/>
+        </a:xfrm>
+      </p:grpSpPr>
+      <p:sp>
+        <p:nvSpPr>
+          <p:cNvPr id="2" name="Título 1"/>
+          <p:cNvSpPr>
+            <a:spLocks noGrp="1"/>
+          </p:cNvSpPr>
+          <p:nvPr>
+            <p:ph type="title"/>
+          </p:nvPr>
+        </p:nvSpPr>
+        <p:spPr>
+          <a:xfrm>
+            <a:off x="841248" y="298201"/>
+            <a:ext cx="10058400" cy="1609344"/>
+          </a:xfrm>
+        </p:spPr>
+        <p:txBody>
+          <a:bodyPr/>
+          <a:lstStyle/>
+          <a:p>
+            <a:r>
+              <a:rPr lang="pt-BR" b="1" dirty="0">
+                <a:latin typeface="Arial Rounded MT Bold" panose="020F0704030504030204" pitchFamily="34" charset="0"/>
+              </a:rPr>
+              <a:t>Caso de </a:t>
+            </a:r>
+            <a:r>
+              <a:rPr lang="pt-BR" b="1" dirty="0" smtClean="0">
+                <a:latin typeface="Arial Rounded MT Bold" panose="020F0704030504030204" pitchFamily="34" charset="0"/>
+              </a:rPr>
+              <a:t>Teste</a:t>
+            </a:r>
+            <a:r>
+              <a:rPr lang="pt-BR" sz="3200" dirty="0"/>
+              <a:t/>
+            </a:r>
+            <a:br>
+              <a:rPr lang="pt-BR" sz="3200" dirty="0"/>
+            </a:br>
+            <a:endParaRPr lang="pt-BR" dirty="0"/>
+          </a:p>
+        </p:txBody>
+      </p:sp>
+      <p:sp>
+        <p:nvSpPr>
+          <p:cNvPr id="3" name="Espaço Reservado para Conteúdo 2"/>
+          <p:cNvSpPr>
+            <a:spLocks noGrp="1"/>
+          </p:cNvSpPr>
+          <p:nvPr>
+            <p:ph idx="1"/>
+          </p:nvPr>
+        </p:nvSpPr>
+        <p:spPr>
+          <a:xfrm>
+            <a:off x="841248" y="1289304"/>
+            <a:ext cx="10515600" cy="5241000"/>
+          </a:xfrm>
+        </p:spPr>
+        <p:txBody>
+          <a:bodyPr>
+            <a:normAutofit/>
+          </a:bodyPr>
+          <a:lstStyle/>
+          <a:p>
+            <a:pPr marL="0" lvl="0" indent="0">
+              <a:buNone/>
+            </a:pPr>
+            <a:r>
+              <a:rPr lang="pt-BR" b="1" dirty="0" smtClean="0"/>
+              <a:t>CT09: </a:t>
+            </a:r>
+            <a:r>
+              <a:rPr lang="pt-BR" dirty="0" smtClean="0"/>
+              <a:t>Quantidade – Campo</a:t>
+            </a:r>
+          </a:p>
+          <a:p>
+            <a:pPr marL="0" lvl="0" indent="0">
+              <a:buNone/>
+            </a:pPr>
+            <a:r>
+              <a:rPr lang="pt-BR" b="1" dirty="0" smtClean="0"/>
+              <a:t>RN: </a:t>
+            </a:r>
+            <a:r>
+              <a:rPr lang="pt-BR" dirty="0" smtClean="0"/>
+              <a:t>RN09</a:t>
+            </a:r>
+          </a:p>
+          <a:p>
+            <a:pPr marL="0" lvl="0" indent="0">
+              <a:buNone/>
+            </a:pPr>
+            <a:r>
+              <a:rPr lang="pt-BR" b="1" dirty="0" smtClean="0"/>
+              <a:t>Resultado esperado:</a:t>
+            </a:r>
+          </a:p>
+          <a:p>
+            <a:pPr marL="0" lvl="0" indent="0">
+              <a:lnSpc>
+                <a:spcPct val="100000"/>
+              </a:lnSpc>
+              <a:spcBef>
+                <a:spcPts val="0"/>
+              </a:spcBef>
+              <a:buClrTx/>
+              <a:buSzTx/>
+              <a:buNone/>
+              <a:defRPr/>
+            </a:pPr>
+            <a:r>
+              <a:rPr lang="pt-BR" dirty="0"/>
+              <a:t>Campo quantidade só é habilitado, depois que um produto for localizado e quantidade em estoque for maior que zero.</a:t>
+            </a:r>
+          </a:p>
+          <a:p>
+            <a:pPr marL="0" lvl="0" indent="0">
+              <a:buNone/>
+            </a:pPr>
+            <a:r>
+              <a:rPr lang="pt-BR" b="1" dirty="0" smtClean="0"/>
+              <a:t>Pré-condição: </a:t>
+            </a:r>
+            <a:r>
+              <a:rPr lang="pt-BR" dirty="0" smtClean="0"/>
+              <a:t>Tela de almoxarifado, já está aberta</a:t>
+            </a:r>
+          </a:p>
+          <a:p>
+            <a:pPr marL="0" lvl="0" indent="0">
+              <a:buNone/>
+            </a:pPr>
+            <a:endParaRPr lang="pt-BR" dirty="0"/>
+          </a:p>
+          <a:p>
+            <a:pPr marL="0" lvl="0" indent="0">
+              <a:buNone/>
+            </a:pPr>
+            <a:r>
+              <a:rPr lang="pt-BR" b="1" dirty="0" smtClean="0"/>
+              <a:t>Ações:</a:t>
+            </a:r>
+          </a:p>
+          <a:p>
+            <a:pPr marL="0" lvl="0" indent="0">
+              <a:buNone/>
+            </a:pPr>
+            <a:r>
+              <a:rPr lang="pt-BR" dirty="0" smtClean="0"/>
+              <a:t>1. Inserir valor no campo </a:t>
+            </a:r>
+            <a:r>
+              <a:rPr lang="pt-BR" dirty="0" err="1" smtClean="0"/>
+              <a:t>Cod</a:t>
+            </a:r>
+            <a:r>
+              <a:rPr lang="pt-BR" dirty="0" smtClean="0"/>
+              <a:t> Produto| </a:t>
+            </a:r>
+            <a:r>
+              <a:rPr lang="pt-BR" b="1" dirty="0" smtClean="0"/>
+              <a:t>Resultado esperado: </a:t>
+            </a:r>
+            <a:r>
+              <a:rPr lang="pt-BR" dirty="0" smtClean="0"/>
+              <a:t>Produto localizado e quantidade maior que zero o campo quantidade vai ser habilitado</a:t>
+            </a:r>
+          </a:p>
+          <a:p>
+            <a:pPr marL="0" lvl="0" indent="0">
+              <a:buNone/>
+            </a:pPr>
+            <a:endParaRPr lang="pt-BR" dirty="0"/>
+          </a:p>
+        </p:txBody>
+      </p:sp>
+    </p:spTree>
+    <p:extLst>
+      <p:ext uri="{BB962C8B-B14F-4D97-AF65-F5344CB8AC3E}">
+        <p14:creationId xmlns:p14="http://schemas.microsoft.com/office/powerpoint/2010/main" val="3902175607"/>
+      </p:ext>
+    </p:extLst>
+  </p:cSld>
+  <p:clrMapOvr>
+    <a:masterClrMapping/>
+  </p:clrMapOvr>
+</p:sld>
+</file>
+
+<file path=ppt/slides/slide18.xml><?xml version="1.0" encoding="utf-8"?>
+<p:sld xmlns:a="http://schemas.openxmlformats.org/drawingml/2006/main" xmlns:r="http://schemas.openxmlformats.org/officeDocument/2006/relationships" xmlns:p="http://schemas.openxmlformats.org/presentationml/2006/main">
+  <p:cSld>
+    <p:spTree>
+      <p:nvGrpSpPr>
+        <p:cNvPr id="1" name=""/>
+        <p:cNvGrpSpPr/>
+        <p:nvPr/>
+      </p:nvGrpSpPr>
+      <p:grpSpPr>
+        <a:xfrm>
+          <a:off x="0" y="0"/>
+          <a:ext cx="0" cy="0"/>
+          <a:chOff x="0" y="0"/>
+          <a:chExt cx="0" cy="0"/>
+        </a:xfrm>
+      </p:grpSpPr>
+      <p:sp>
+        <p:nvSpPr>
+          <p:cNvPr id="2" name="Título 1"/>
+          <p:cNvSpPr>
+            <a:spLocks noGrp="1"/>
+          </p:cNvSpPr>
+          <p:nvPr>
+            <p:ph type="title"/>
+          </p:nvPr>
+        </p:nvSpPr>
+        <p:spPr>
+          <a:xfrm>
+            <a:off x="841248" y="298201"/>
+            <a:ext cx="10058400" cy="1609344"/>
+          </a:xfrm>
+        </p:spPr>
+        <p:txBody>
+          <a:bodyPr/>
+          <a:lstStyle/>
+          <a:p>
+            <a:r>
+              <a:rPr lang="pt-BR" b="1" dirty="0">
+                <a:latin typeface="Arial Rounded MT Bold" panose="020F0704030504030204" pitchFamily="34" charset="0"/>
+              </a:rPr>
+              <a:t>Caso de </a:t>
+            </a:r>
+            <a:r>
+              <a:rPr lang="pt-BR" b="1" dirty="0" smtClean="0">
+                <a:latin typeface="Arial Rounded MT Bold" panose="020F0704030504030204" pitchFamily="34" charset="0"/>
+              </a:rPr>
+              <a:t>Teste</a:t>
+            </a:r>
+            <a:r>
+              <a:rPr lang="pt-BR" sz="3200" dirty="0"/>
+              <a:t/>
+            </a:r>
+            <a:br>
+              <a:rPr lang="pt-BR" sz="3200" dirty="0"/>
+            </a:br>
+            <a:endParaRPr lang="pt-BR" dirty="0"/>
+          </a:p>
+        </p:txBody>
+      </p:sp>
+      <p:sp>
+        <p:nvSpPr>
+          <p:cNvPr id="3" name="Espaço Reservado para Conteúdo 2"/>
+          <p:cNvSpPr>
+            <a:spLocks noGrp="1"/>
+          </p:cNvSpPr>
+          <p:nvPr>
+            <p:ph idx="1"/>
+          </p:nvPr>
+        </p:nvSpPr>
+        <p:spPr>
+          <a:xfrm>
+            <a:off x="841248" y="1289304"/>
+            <a:ext cx="10515600" cy="5241000"/>
+          </a:xfrm>
+        </p:spPr>
+        <p:txBody>
+          <a:bodyPr>
+            <a:normAutofit/>
+          </a:bodyPr>
+          <a:lstStyle/>
+          <a:p>
+            <a:pPr marL="0" lvl="0" indent="0">
+              <a:buNone/>
+            </a:pPr>
+            <a:r>
+              <a:rPr lang="pt-BR" b="1" dirty="0" smtClean="0"/>
+              <a:t>CT10: </a:t>
+            </a:r>
+            <a:r>
+              <a:rPr lang="pt-BR" dirty="0" smtClean="0"/>
+              <a:t>Validar Campo Quantidade – Campo</a:t>
+            </a:r>
+          </a:p>
+          <a:p>
+            <a:pPr marL="0" lvl="0" indent="0">
+              <a:buNone/>
+            </a:pPr>
+            <a:r>
+              <a:rPr lang="pt-BR" b="1" dirty="0" smtClean="0"/>
+              <a:t>RN: </a:t>
+            </a:r>
+            <a:r>
+              <a:rPr lang="pt-BR" dirty="0" smtClean="0"/>
+              <a:t>RN10</a:t>
+            </a:r>
+          </a:p>
+          <a:p>
+            <a:pPr marL="0" lvl="0" indent="0">
+              <a:buNone/>
+            </a:pPr>
+            <a:r>
+              <a:rPr lang="pt-BR" b="1" dirty="0" smtClean="0"/>
+              <a:t>Resultado esperado:</a:t>
+            </a:r>
+          </a:p>
+          <a:p>
+            <a:pPr marL="0" lvl="0" indent="0">
+              <a:lnSpc>
+                <a:spcPct val="100000"/>
+              </a:lnSpc>
+              <a:spcBef>
+                <a:spcPts val="0"/>
+              </a:spcBef>
+              <a:buClrTx/>
+              <a:buSzTx/>
+              <a:buNone/>
+              <a:defRPr/>
+            </a:pPr>
+            <a:r>
+              <a:rPr lang="pt-BR" dirty="0"/>
+              <a:t>O campo Quantidade só deve aceitar valores inteiros maior que zero.</a:t>
+            </a:r>
+          </a:p>
+          <a:p>
+            <a:pPr marL="0" lvl="0" indent="0">
+              <a:buNone/>
+            </a:pPr>
+            <a:r>
+              <a:rPr lang="pt-BR" b="1" dirty="0" smtClean="0"/>
+              <a:t>Pré-condição: </a:t>
+            </a:r>
+            <a:r>
+              <a:rPr lang="pt-BR" dirty="0" smtClean="0"/>
+              <a:t>Tela de almoxarifado, já está aberta</a:t>
+            </a:r>
+          </a:p>
+          <a:p>
+            <a:pPr marL="0" lvl="0" indent="0">
+              <a:buNone/>
+            </a:pPr>
+            <a:endParaRPr lang="pt-BR" dirty="0"/>
+          </a:p>
+          <a:p>
+            <a:pPr marL="0" lvl="0" indent="0">
+              <a:buNone/>
+            </a:pPr>
+            <a:r>
+              <a:rPr lang="pt-BR" b="1" dirty="0" smtClean="0"/>
+              <a:t>Ações:</a:t>
+            </a:r>
+          </a:p>
+          <a:p>
+            <a:pPr marL="0" lvl="0" indent="0">
+              <a:buNone/>
+            </a:pPr>
+            <a:r>
+              <a:rPr lang="pt-BR" dirty="0" smtClean="0"/>
+              <a:t>1. Inserir valor no campo </a:t>
+            </a:r>
+            <a:r>
+              <a:rPr lang="pt-BR" dirty="0" err="1" smtClean="0"/>
+              <a:t>Cod</a:t>
+            </a:r>
+            <a:r>
+              <a:rPr lang="pt-BR" dirty="0" smtClean="0"/>
+              <a:t> Produto| </a:t>
+            </a:r>
+            <a:r>
+              <a:rPr lang="pt-BR" b="1" dirty="0" smtClean="0"/>
+              <a:t>Resultado esperado: </a:t>
+            </a:r>
+            <a:r>
+              <a:rPr lang="pt-BR" dirty="0" smtClean="0"/>
+              <a:t>Produto localizado e quantidade maior que zero o campo quantidade vai ser habilitado e </a:t>
+            </a:r>
+            <a:r>
+              <a:rPr lang="pt-BR" dirty="0" err="1" smtClean="0"/>
+              <a:t>so</a:t>
+            </a:r>
+            <a:r>
+              <a:rPr lang="pt-BR" dirty="0" smtClean="0"/>
+              <a:t> vai ser aceito valores maiores que zero</a:t>
+            </a:r>
+          </a:p>
+          <a:p>
+            <a:pPr marL="0" lvl="0" indent="0">
+              <a:buNone/>
+            </a:pPr>
+            <a:endParaRPr lang="pt-BR" dirty="0"/>
+          </a:p>
+        </p:txBody>
+      </p:sp>
+    </p:spTree>
+    <p:extLst>
+      <p:ext uri="{BB962C8B-B14F-4D97-AF65-F5344CB8AC3E}">
+        <p14:creationId xmlns:p14="http://schemas.microsoft.com/office/powerpoint/2010/main" val="1103961087"/>
+      </p:ext>
+    </p:extLst>
+  </p:cSld>
+  <p:clrMapOvr>
+    <a:masterClrMapping/>
+  </p:clrMapOvr>
+</p:sld>
+</file>
+
+<file path=ppt/slides/slide19.xml><?xml version="1.0" encoding="utf-8"?>
+<p:sld xmlns:a="http://schemas.openxmlformats.org/drawingml/2006/main" xmlns:r="http://schemas.openxmlformats.org/officeDocument/2006/relationships" xmlns:p="http://schemas.openxmlformats.org/presentationml/2006/main">
+  <p:cSld>
+    <p:spTree>
+      <p:nvGrpSpPr>
+        <p:cNvPr id="1" name=""/>
+        <p:cNvGrpSpPr/>
+        <p:nvPr/>
+      </p:nvGrpSpPr>
+      <p:grpSpPr>
+        <a:xfrm>
+          <a:off x="0" y="0"/>
+          <a:ext cx="0" cy="0"/>
+          <a:chOff x="0" y="0"/>
+          <a:chExt cx="0" cy="0"/>
+        </a:xfrm>
+      </p:grpSpPr>
+      <p:sp>
+        <p:nvSpPr>
+          <p:cNvPr id="2" name="Título 1"/>
+          <p:cNvSpPr>
+            <a:spLocks noGrp="1"/>
+          </p:cNvSpPr>
+          <p:nvPr>
+            <p:ph type="title"/>
+          </p:nvPr>
+        </p:nvSpPr>
+        <p:spPr>
+          <a:xfrm>
+            <a:off x="841248" y="298201"/>
+            <a:ext cx="10058400" cy="1609344"/>
+          </a:xfrm>
+        </p:spPr>
+        <p:txBody>
+          <a:bodyPr/>
+          <a:lstStyle/>
+          <a:p>
+            <a:r>
+              <a:rPr lang="pt-BR" b="1" dirty="0">
+                <a:latin typeface="Arial Rounded MT Bold" panose="020F0704030504030204" pitchFamily="34" charset="0"/>
+              </a:rPr>
+              <a:t>Caso de </a:t>
+            </a:r>
+            <a:r>
+              <a:rPr lang="pt-BR" b="1" dirty="0" smtClean="0">
+                <a:latin typeface="Arial Rounded MT Bold" panose="020F0704030504030204" pitchFamily="34" charset="0"/>
+              </a:rPr>
+              <a:t>Teste</a:t>
+            </a:r>
+            <a:r>
+              <a:rPr lang="pt-BR" sz="3200" dirty="0"/>
+              <a:t/>
+            </a:r>
+            <a:br>
+              <a:rPr lang="pt-BR" sz="3200" dirty="0"/>
+            </a:br>
+            <a:endParaRPr lang="pt-BR" dirty="0"/>
+          </a:p>
+        </p:txBody>
+      </p:sp>
+      <p:sp>
+        <p:nvSpPr>
+          <p:cNvPr id="3" name="Espaço Reservado para Conteúdo 2"/>
+          <p:cNvSpPr>
+            <a:spLocks noGrp="1"/>
+          </p:cNvSpPr>
+          <p:nvPr>
+            <p:ph idx="1"/>
+          </p:nvPr>
+        </p:nvSpPr>
+        <p:spPr>
+          <a:xfrm>
+            <a:off x="841248" y="1289304"/>
+            <a:ext cx="10515600" cy="5241000"/>
+          </a:xfrm>
+        </p:spPr>
+        <p:txBody>
+          <a:bodyPr>
+            <a:normAutofit/>
+          </a:bodyPr>
+          <a:lstStyle/>
+          <a:p>
+            <a:pPr marL="0" lvl="0" indent="0">
+              <a:buNone/>
+            </a:pPr>
+            <a:r>
+              <a:rPr lang="pt-BR" b="1" dirty="0" smtClean="0"/>
+              <a:t>CT11: </a:t>
+            </a:r>
+            <a:r>
+              <a:rPr lang="pt-BR" dirty="0" smtClean="0"/>
+              <a:t>Botão Gravar – Campo</a:t>
+            </a:r>
+          </a:p>
+          <a:p>
+            <a:pPr marL="0" lvl="0" indent="0">
+              <a:buNone/>
+            </a:pPr>
+            <a:r>
+              <a:rPr lang="pt-BR" b="1" dirty="0" smtClean="0"/>
+              <a:t>RN: </a:t>
+            </a:r>
+            <a:r>
+              <a:rPr lang="pt-BR" dirty="0" smtClean="0"/>
+              <a:t>RN11</a:t>
+            </a:r>
+          </a:p>
+          <a:p>
+            <a:pPr marL="0" lvl="0" indent="0">
+              <a:buNone/>
+            </a:pPr>
+            <a:r>
+              <a:rPr lang="pt-BR" b="1" dirty="0" smtClean="0"/>
+              <a:t>Resultado esperado:</a:t>
+            </a:r>
+          </a:p>
+          <a:p>
+            <a:pPr marL="0" lvl="0" indent="0">
+              <a:lnSpc>
+                <a:spcPct val="100000"/>
+              </a:lnSpc>
+              <a:spcBef>
+                <a:spcPts val="0"/>
+              </a:spcBef>
+              <a:buClrTx/>
+              <a:buSzTx/>
+              <a:buNone/>
+              <a:defRPr/>
+            </a:pPr>
+            <a:r>
+              <a:rPr lang="pt-BR" dirty="0"/>
+              <a:t>O botão gravar só deve ficar ativo depois que o valor da quantidade informada for maior que zero  e se a quantidade for menor ou igual ao valor exibido no estoque.</a:t>
+            </a:r>
+          </a:p>
+          <a:p>
+            <a:pPr marL="0" lvl="0" indent="0">
+              <a:buNone/>
+            </a:pPr>
+            <a:r>
+              <a:rPr lang="pt-BR" b="1" dirty="0" smtClean="0"/>
+              <a:t>Pré-condição: </a:t>
+            </a:r>
+            <a:r>
+              <a:rPr lang="pt-BR" dirty="0" smtClean="0"/>
+              <a:t>Tela de almoxarifado, já está aberta</a:t>
+            </a:r>
+          </a:p>
+          <a:p>
+            <a:pPr marL="0" lvl="0" indent="0">
+              <a:buNone/>
+            </a:pPr>
+            <a:endParaRPr lang="pt-BR" dirty="0"/>
+          </a:p>
+          <a:p>
+            <a:pPr marL="0" lvl="0" indent="0">
+              <a:buNone/>
+            </a:pPr>
+            <a:r>
+              <a:rPr lang="pt-BR" b="1" dirty="0" smtClean="0"/>
+              <a:t>Ações:</a:t>
+            </a:r>
+          </a:p>
+          <a:p>
+            <a:pPr marL="0" lvl="0" indent="0">
+              <a:buNone/>
+            </a:pPr>
+            <a:r>
+              <a:rPr lang="pt-BR" dirty="0" smtClean="0"/>
+              <a:t>1. Quantidade informada </a:t>
+            </a:r>
+            <a:r>
+              <a:rPr lang="pt-BR" dirty="0"/>
+              <a:t>| </a:t>
+            </a:r>
+            <a:r>
+              <a:rPr lang="pt-BR" b="1" dirty="0"/>
+              <a:t>Resultado esperado: </a:t>
+            </a:r>
+            <a:r>
+              <a:rPr lang="pt-BR" dirty="0" smtClean="0"/>
+              <a:t>Valor informada maior que zero e a quantidade menor ou igual ao valor exibido no estoque, após o botão grava irá ficar ativo</a:t>
+            </a:r>
+          </a:p>
+          <a:p>
+            <a:pPr marL="0" lvl="0" indent="0">
+              <a:buNone/>
+            </a:pPr>
+            <a:endParaRPr lang="pt-BR" dirty="0"/>
+          </a:p>
+        </p:txBody>
+      </p:sp>
+    </p:spTree>
+    <p:extLst>
+      <p:ext uri="{BB962C8B-B14F-4D97-AF65-F5344CB8AC3E}">
+        <p14:creationId xmlns:p14="http://schemas.microsoft.com/office/powerpoint/2010/main" val="4269611809"/>
       </p:ext>
     </p:extLst>
   </p:cSld>
@@ -3438,34 +7750,11 @@
           <a:lstStyle/>
           <a:p>
             <a:r>
-              <a:rPr lang="pt-BR" dirty="0"/>
+              <a:rPr lang="pt-BR" b="1" dirty="0">
+                <a:latin typeface="Arial Rounded MT Bold" panose="020F0704030504030204" pitchFamily="34" charset="0"/>
+              </a:rPr>
               <a:t>Requisição</a:t>
             </a:r>
-          </a:p>
-        </p:txBody>
-      </p:sp>
-      <p:sp>
-        <p:nvSpPr>
-          <p:cNvPr id="3" name="Espaço Reservado para Texto 2">
-            <a:extLst>
-              <a:ext uri="{FF2B5EF4-FFF2-40B4-BE49-F238E27FC236}">
-                <a16:creationId xmlns:a16="http://schemas.microsoft.com/office/drawing/2014/main" id="{308EA377-7DDE-636E-679A-6B9F4C2A5CAD}"/>
-              </a:ext>
-            </a:extLst>
-          </p:cNvPr>
-          <p:cNvSpPr>
-            <a:spLocks noGrp="1"/>
-          </p:cNvSpPr>
-          <p:nvPr>
-            <p:ph type="body" idx="1"/>
-          </p:nvPr>
-        </p:nvSpPr>
-        <p:spPr/>
-        <p:txBody>
-          <a:bodyPr/>
-          <a:lstStyle/>
-          <a:p>
-            <a:endParaRPr lang="pt-BR"/>
           </a:p>
         </p:txBody>
       </p:sp>
@@ -3473,6 +7762,786 @@
     <p:extLst>
       <p:ext uri="{BB962C8B-B14F-4D97-AF65-F5344CB8AC3E}">
         <p14:creationId xmlns:p14="http://schemas.microsoft.com/office/powerpoint/2010/main" val="1222528831"/>
+      </p:ext>
+    </p:extLst>
+  </p:cSld>
+  <p:clrMapOvr>
+    <a:masterClrMapping/>
+  </p:clrMapOvr>
+</p:sld>
+</file>
+
+<file path=ppt/slides/slide20.xml><?xml version="1.0" encoding="utf-8"?>
+<p:sld xmlns:a="http://schemas.openxmlformats.org/drawingml/2006/main" xmlns:r="http://schemas.openxmlformats.org/officeDocument/2006/relationships" xmlns:p="http://schemas.openxmlformats.org/presentationml/2006/main">
+  <p:cSld>
+    <p:spTree>
+      <p:nvGrpSpPr>
+        <p:cNvPr id="1" name=""/>
+        <p:cNvGrpSpPr/>
+        <p:nvPr/>
+      </p:nvGrpSpPr>
+      <p:grpSpPr>
+        <a:xfrm>
+          <a:off x="0" y="0"/>
+          <a:ext cx="0" cy="0"/>
+          <a:chOff x="0" y="0"/>
+          <a:chExt cx="0" cy="0"/>
+        </a:xfrm>
+      </p:grpSpPr>
+      <p:sp>
+        <p:nvSpPr>
+          <p:cNvPr id="2" name="Título 1"/>
+          <p:cNvSpPr>
+            <a:spLocks noGrp="1"/>
+          </p:cNvSpPr>
+          <p:nvPr>
+            <p:ph type="title"/>
+          </p:nvPr>
+        </p:nvSpPr>
+        <p:spPr>
+          <a:xfrm>
+            <a:off x="838200" y="236057"/>
+            <a:ext cx="10058400" cy="1609344"/>
+          </a:xfrm>
+        </p:spPr>
+        <p:txBody>
+          <a:bodyPr/>
+          <a:lstStyle/>
+          <a:p>
+            <a:r>
+              <a:rPr lang="pt-BR" b="1" dirty="0">
+                <a:latin typeface="Arial Rounded MT Bold" panose="020F0704030504030204" pitchFamily="34" charset="0"/>
+              </a:rPr>
+              <a:t>Caso de </a:t>
+            </a:r>
+            <a:r>
+              <a:rPr lang="pt-BR" b="1" dirty="0" smtClean="0">
+                <a:latin typeface="Arial Rounded MT Bold" panose="020F0704030504030204" pitchFamily="34" charset="0"/>
+              </a:rPr>
+              <a:t>Teste</a:t>
+            </a:r>
+            <a:r>
+              <a:rPr lang="pt-BR" sz="3200" dirty="0"/>
+              <a:t/>
+            </a:r>
+            <a:br>
+              <a:rPr lang="pt-BR" sz="3200" dirty="0"/>
+            </a:br>
+            <a:endParaRPr lang="pt-BR" dirty="0"/>
+          </a:p>
+        </p:txBody>
+      </p:sp>
+      <p:sp>
+        <p:nvSpPr>
+          <p:cNvPr id="3" name="Espaço Reservado para Conteúdo 2"/>
+          <p:cNvSpPr>
+            <a:spLocks noGrp="1"/>
+          </p:cNvSpPr>
+          <p:nvPr>
+            <p:ph idx="1"/>
+          </p:nvPr>
+        </p:nvSpPr>
+        <p:spPr>
+          <a:xfrm>
+            <a:off x="838200" y="1204188"/>
+            <a:ext cx="10515600" cy="5241000"/>
+          </a:xfrm>
+        </p:spPr>
+        <p:txBody>
+          <a:bodyPr>
+            <a:normAutofit/>
+          </a:bodyPr>
+          <a:lstStyle/>
+          <a:p>
+            <a:pPr marL="0" lvl="0" indent="0">
+              <a:buNone/>
+            </a:pPr>
+            <a:r>
+              <a:rPr lang="pt-BR" b="1" dirty="0" smtClean="0"/>
+              <a:t>CT12: </a:t>
+            </a:r>
+            <a:r>
+              <a:rPr lang="pt-BR" dirty="0" smtClean="0"/>
+              <a:t>Validar Nível</a:t>
+            </a:r>
+            <a:r>
+              <a:rPr lang="pt-BR" dirty="0"/>
+              <a:t> </a:t>
+            </a:r>
+            <a:r>
+              <a:rPr lang="pt-BR" dirty="0" smtClean="0"/>
+              <a:t>de Prioridade – Cores</a:t>
+            </a:r>
+          </a:p>
+          <a:p>
+            <a:pPr marL="0" lvl="0" indent="0">
+              <a:buNone/>
+            </a:pPr>
+            <a:r>
+              <a:rPr lang="pt-BR" b="1" dirty="0" smtClean="0"/>
+              <a:t>RN: </a:t>
+            </a:r>
+            <a:r>
+              <a:rPr lang="pt-BR" dirty="0" smtClean="0"/>
+              <a:t>RN12</a:t>
+            </a:r>
+          </a:p>
+          <a:p>
+            <a:pPr marL="0" lvl="0" indent="0">
+              <a:buNone/>
+            </a:pPr>
+            <a:r>
+              <a:rPr lang="pt-BR" b="1" dirty="0" smtClean="0"/>
+              <a:t>Resultado esperado:</a:t>
+            </a:r>
+          </a:p>
+          <a:p>
+            <a:pPr marL="0" lvl="0" indent="0">
+              <a:buNone/>
+            </a:pPr>
+            <a:r>
+              <a:rPr lang="pt-BR" dirty="0" smtClean="0"/>
+              <a:t>Para cada nível ao clicar apresentar sua cor correspondente</a:t>
+            </a:r>
+          </a:p>
+          <a:p>
+            <a:pPr marL="0" lvl="0" indent="0">
+              <a:buNone/>
+            </a:pPr>
+            <a:r>
+              <a:rPr lang="pt-BR" dirty="0" smtClean="0"/>
+              <a:t>(Urgente – Vermelho, Médio – Amarelo, Baixo – Verde)</a:t>
+            </a:r>
+          </a:p>
+          <a:p>
+            <a:pPr marL="0" lvl="0" indent="0">
+              <a:buNone/>
+            </a:pPr>
+            <a:r>
+              <a:rPr lang="pt-BR" b="1" dirty="0" smtClean="0"/>
+              <a:t>Pré-condição: </a:t>
+            </a:r>
+            <a:r>
+              <a:rPr lang="pt-BR" dirty="0" smtClean="0"/>
+              <a:t>Tela de almoxarifado, já está aberta</a:t>
+            </a:r>
+          </a:p>
+          <a:p>
+            <a:pPr marL="0" lvl="0" indent="0">
+              <a:buNone/>
+            </a:pPr>
+            <a:endParaRPr lang="pt-BR" dirty="0"/>
+          </a:p>
+          <a:p>
+            <a:pPr marL="0" lvl="0" indent="0">
+              <a:buNone/>
+            </a:pPr>
+            <a:r>
+              <a:rPr lang="pt-BR" b="1" dirty="0" smtClean="0"/>
+              <a:t>Ações:</a:t>
+            </a:r>
+          </a:p>
+          <a:p>
+            <a:pPr marL="0" lvl="0" indent="0">
+              <a:buNone/>
+            </a:pPr>
+            <a:r>
+              <a:rPr lang="pt-BR" dirty="0" smtClean="0"/>
+              <a:t>1.Clicar em urgente | </a:t>
+            </a:r>
+            <a:r>
+              <a:rPr lang="pt-BR" b="1" dirty="0" smtClean="0"/>
+              <a:t>Resultado esperado: </a:t>
+            </a:r>
+            <a:r>
+              <a:rPr lang="pt-BR" dirty="0" smtClean="0"/>
+              <a:t>circulo ficar com a cor vermelha</a:t>
+            </a:r>
+          </a:p>
+          <a:p>
+            <a:pPr marL="0" indent="0">
+              <a:buNone/>
+            </a:pPr>
+            <a:r>
+              <a:rPr lang="pt-BR" dirty="0" smtClean="0"/>
+              <a:t>2.Clicar </a:t>
+            </a:r>
+            <a:r>
+              <a:rPr lang="pt-BR" dirty="0"/>
+              <a:t>em </a:t>
+            </a:r>
+            <a:r>
+              <a:rPr lang="pt-BR" dirty="0" smtClean="0"/>
+              <a:t>médio </a:t>
+            </a:r>
+            <a:r>
+              <a:rPr lang="pt-BR" dirty="0"/>
+              <a:t>| </a:t>
+            </a:r>
+            <a:r>
+              <a:rPr lang="pt-BR" b="1" dirty="0" smtClean="0"/>
+              <a:t>Resultado </a:t>
+            </a:r>
+            <a:r>
+              <a:rPr lang="pt-BR" b="1" dirty="0"/>
+              <a:t>esperado: </a:t>
+            </a:r>
+            <a:r>
+              <a:rPr lang="pt-BR" dirty="0"/>
+              <a:t>circulo ficar com a cor </a:t>
+            </a:r>
+            <a:r>
+              <a:rPr lang="pt-BR" dirty="0" smtClean="0"/>
+              <a:t>amarela</a:t>
+            </a:r>
+          </a:p>
+          <a:p>
+            <a:pPr marL="0" indent="0">
+              <a:buNone/>
+            </a:pPr>
+            <a:r>
+              <a:rPr lang="pt-BR" dirty="0" smtClean="0"/>
+              <a:t>3.Clicar </a:t>
+            </a:r>
+            <a:r>
+              <a:rPr lang="pt-BR" dirty="0"/>
+              <a:t>em </a:t>
+            </a:r>
+            <a:r>
+              <a:rPr lang="pt-BR" dirty="0" smtClean="0"/>
+              <a:t>baixo </a:t>
+            </a:r>
+            <a:r>
+              <a:rPr lang="pt-BR" dirty="0"/>
+              <a:t>| </a:t>
+            </a:r>
+            <a:r>
+              <a:rPr lang="pt-BR" b="1" dirty="0" smtClean="0"/>
+              <a:t>Resultado </a:t>
+            </a:r>
+            <a:r>
+              <a:rPr lang="pt-BR" b="1" dirty="0"/>
+              <a:t>esperado: </a:t>
+            </a:r>
+            <a:r>
+              <a:rPr lang="pt-BR" dirty="0"/>
+              <a:t>circulo ficar com a cor </a:t>
+            </a:r>
+            <a:r>
+              <a:rPr lang="pt-BR" dirty="0" smtClean="0"/>
+              <a:t>verde</a:t>
+            </a:r>
+            <a:endParaRPr lang="pt-BR" dirty="0"/>
+          </a:p>
+          <a:p>
+            <a:pPr marL="0" indent="0">
+              <a:buNone/>
+            </a:pPr>
+            <a:endParaRPr lang="pt-BR" dirty="0"/>
+          </a:p>
+          <a:p>
+            <a:pPr marL="0" lvl="0" indent="0">
+              <a:buNone/>
+            </a:pPr>
+            <a:endParaRPr lang="pt-BR" dirty="0"/>
+          </a:p>
+        </p:txBody>
+      </p:sp>
+    </p:spTree>
+    <p:extLst>
+      <p:ext uri="{BB962C8B-B14F-4D97-AF65-F5344CB8AC3E}">
+        <p14:creationId xmlns:p14="http://schemas.microsoft.com/office/powerpoint/2010/main" val="2895420746"/>
+      </p:ext>
+    </p:extLst>
+  </p:cSld>
+  <p:clrMapOvr>
+    <a:masterClrMapping/>
+  </p:clrMapOvr>
+</p:sld>
+</file>
+
+<file path=ppt/slides/slide21.xml><?xml version="1.0" encoding="utf-8"?>
+<p:sld xmlns:a="http://schemas.openxmlformats.org/drawingml/2006/main" xmlns:r="http://schemas.openxmlformats.org/officeDocument/2006/relationships" xmlns:p="http://schemas.openxmlformats.org/presentationml/2006/main">
+  <p:cSld>
+    <p:spTree>
+      <p:nvGrpSpPr>
+        <p:cNvPr id="1" name=""/>
+        <p:cNvGrpSpPr/>
+        <p:nvPr/>
+      </p:nvGrpSpPr>
+      <p:grpSpPr>
+        <a:xfrm>
+          <a:off x="0" y="0"/>
+          <a:ext cx="0" cy="0"/>
+          <a:chOff x="0" y="0"/>
+          <a:chExt cx="0" cy="0"/>
+        </a:xfrm>
+      </p:grpSpPr>
+      <p:sp>
+        <p:nvSpPr>
+          <p:cNvPr id="2" name="Título 1"/>
+          <p:cNvSpPr>
+            <a:spLocks noGrp="1"/>
+          </p:cNvSpPr>
+          <p:nvPr>
+            <p:ph type="title"/>
+          </p:nvPr>
+        </p:nvSpPr>
+        <p:spPr>
+          <a:xfrm>
+            <a:off x="841248" y="298201"/>
+            <a:ext cx="10058400" cy="1609344"/>
+          </a:xfrm>
+        </p:spPr>
+        <p:txBody>
+          <a:bodyPr/>
+          <a:lstStyle/>
+          <a:p>
+            <a:r>
+              <a:rPr lang="pt-BR" b="1" dirty="0">
+                <a:latin typeface="Arial Rounded MT Bold" panose="020F0704030504030204" pitchFamily="34" charset="0"/>
+              </a:rPr>
+              <a:t>Caso de </a:t>
+            </a:r>
+            <a:r>
+              <a:rPr lang="pt-BR" b="1" dirty="0" smtClean="0">
+                <a:latin typeface="Arial Rounded MT Bold" panose="020F0704030504030204" pitchFamily="34" charset="0"/>
+              </a:rPr>
+              <a:t>Teste</a:t>
+            </a:r>
+            <a:r>
+              <a:rPr lang="pt-BR" sz="3200" dirty="0"/>
+              <a:t/>
+            </a:r>
+            <a:br>
+              <a:rPr lang="pt-BR" sz="3200" dirty="0"/>
+            </a:br>
+            <a:endParaRPr lang="pt-BR" dirty="0"/>
+          </a:p>
+        </p:txBody>
+      </p:sp>
+      <p:sp>
+        <p:nvSpPr>
+          <p:cNvPr id="3" name="Espaço Reservado para Conteúdo 2"/>
+          <p:cNvSpPr>
+            <a:spLocks noGrp="1"/>
+          </p:cNvSpPr>
+          <p:nvPr>
+            <p:ph idx="1"/>
+          </p:nvPr>
+        </p:nvSpPr>
+        <p:spPr>
+          <a:xfrm>
+            <a:off x="841248" y="1289304"/>
+            <a:ext cx="10515600" cy="5241000"/>
+          </a:xfrm>
+        </p:spPr>
+        <p:txBody>
+          <a:bodyPr>
+            <a:normAutofit/>
+          </a:bodyPr>
+          <a:lstStyle/>
+          <a:p>
+            <a:pPr marL="0" lvl="0" indent="0">
+              <a:buNone/>
+            </a:pPr>
+            <a:r>
+              <a:rPr lang="pt-BR" b="1" dirty="0" smtClean="0"/>
+              <a:t>CT13: </a:t>
+            </a:r>
+            <a:r>
+              <a:rPr lang="pt-BR" dirty="0" smtClean="0"/>
+              <a:t>Estoque – Campo</a:t>
+            </a:r>
+          </a:p>
+          <a:p>
+            <a:pPr marL="0" lvl="0" indent="0">
+              <a:buNone/>
+            </a:pPr>
+            <a:r>
+              <a:rPr lang="pt-BR" b="1" dirty="0" smtClean="0"/>
+              <a:t>RN: </a:t>
+            </a:r>
+            <a:r>
+              <a:rPr lang="pt-BR" dirty="0" smtClean="0"/>
+              <a:t>RN13</a:t>
+            </a:r>
+          </a:p>
+          <a:p>
+            <a:pPr marL="0" lvl="0" indent="0">
+              <a:buNone/>
+            </a:pPr>
+            <a:r>
+              <a:rPr lang="pt-BR" b="1" dirty="0" smtClean="0"/>
+              <a:t>Resultado esperado:</a:t>
+            </a:r>
+          </a:p>
+          <a:p>
+            <a:pPr marL="0" lvl="0" indent="0">
+              <a:lnSpc>
+                <a:spcPct val="100000"/>
+              </a:lnSpc>
+              <a:spcBef>
+                <a:spcPts val="0"/>
+              </a:spcBef>
+              <a:buClrTx/>
+              <a:buSzTx/>
+              <a:buNone/>
+              <a:defRPr/>
+            </a:pPr>
+            <a:r>
+              <a:rPr lang="pt-BR" dirty="0"/>
+              <a:t>O elemento Status Estoque é o retângulo exibido ao lado do campo quantidade e deve ficar com as cores a seguir e conforme legenda.</a:t>
+            </a:r>
+          </a:p>
+          <a:p>
+            <a:pPr marL="0" lvl="0" indent="0">
+              <a:buNone/>
+            </a:pPr>
+            <a:r>
+              <a:rPr lang="pt-BR" b="1" dirty="0" smtClean="0"/>
+              <a:t>Pré-condição: </a:t>
+            </a:r>
+            <a:r>
+              <a:rPr lang="pt-BR" dirty="0" smtClean="0"/>
+              <a:t>Tela de almoxarifado, já está aberta</a:t>
+            </a:r>
+          </a:p>
+          <a:p>
+            <a:pPr marL="0" lvl="0" indent="0">
+              <a:buNone/>
+            </a:pPr>
+            <a:endParaRPr lang="pt-BR" dirty="0"/>
+          </a:p>
+          <a:p>
+            <a:pPr marL="0" lvl="0" indent="0">
+              <a:buNone/>
+            </a:pPr>
+            <a:r>
+              <a:rPr lang="pt-BR" b="1" dirty="0" smtClean="0"/>
+              <a:t>Ações:</a:t>
+            </a:r>
+          </a:p>
+          <a:p>
+            <a:pPr marL="0" lvl="0" indent="0">
+              <a:buNone/>
+            </a:pPr>
+            <a:r>
+              <a:rPr lang="pt-BR" dirty="0" smtClean="0"/>
+              <a:t>1. Estoque acima 10% do estoque mínimo| </a:t>
+            </a:r>
+            <a:r>
+              <a:rPr lang="pt-BR" b="1" dirty="0"/>
+              <a:t>Resultado </a:t>
+            </a:r>
+            <a:r>
+              <a:rPr lang="pt-BR" b="1" dirty="0" smtClean="0"/>
+              <a:t>esperado: </a:t>
+            </a:r>
+            <a:r>
+              <a:rPr lang="pt-BR" dirty="0" smtClean="0"/>
+              <a:t>Retângulo preenchida com a cor verde</a:t>
+            </a:r>
+          </a:p>
+          <a:p>
+            <a:pPr marL="0" indent="0">
+              <a:buNone/>
+            </a:pPr>
+            <a:r>
+              <a:rPr lang="pt-BR" dirty="0" smtClean="0"/>
+              <a:t>2. </a:t>
+            </a:r>
+            <a:r>
+              <a:rPr lang="pt-BR" dirty="0"/>
+              <a:t>Estoque </a:t>
+            </a:r>
+            <a:r>
+              <a:rPr lang="pt-BR" dirty="0" smtClean="0"/>
+              <a:t>abaixo </a:t>
+            </a:r>
+            <a:r>
+              <a:rPr lang="pt-BR" dirty="0"/>
+              <a:t>10% do estoque mínimo| </a:t>
+            </a:r>
+            <a:r>
+              <a:rPr lang="pt-BR" b="1" dirty="0"/>
+              <a:t>Resultado esperado: </a:t>
+            </a:r>
+            <a:r>
+              <a:rPr lang="pt-BR" dirty="0"/>
+              <a:t>Retângulo preenchida com a cor </a:t>
+            </a:r>
+            <a:r>
+              <a:rPr lang="pt-BR" dirty="0" smtClean="0"/>
+              <a:t>amarela</a:t>
+            </a:r>
+            <a:endParaRPr lang="pt-BR" dirty="0"/>
+          </a:p>
+          <a:p>
+            <a:pPr marL="0" indent="0">
+              <a:buNone/>
+            </a:pPr>
+            <a:r>
+              <a:rPr lang="pt-BR" dirty="0" smtClean="0"/>
+              <a:t>3. </a:t>
+            </a:r>
+            <a:r>
+              <a:rPr lang="pt-BR" dirty="0"/>
+              <a:t>Estoque </a:t>
+            </a:r>
+            <a:r>
+              <a:rPr lang="pt-BR" dirty="0" smtClean="0"/>
+              <a:t>abaixo </a:t>
+            </a:r>
+            <a:r>
+              <a:rPr lang="pt-BR" dirty="0"/>
+              <a:t>do estoque mínimo| </a:t>
+            </a:r>
+            <a:r>
+              <a:rPr lang="pt-BR" b="1" dirty="0"/>
+              <a:t>Resultado esperado: </a:t>
+            </a:r>
+            <a:r>
+              <a:rPr lang="pt-BR" dirty="0"/>
+              <a:t>Retângulo preenchida com a cor </a:t>
+            </a:r>
+            <a:r>
+              <a:rPr lang="pt-BR" dirty="0" smtClean="0"/>
+              <a:t>vermelha</a:t>
+            </a:r>
+            <a:endParaRPr lang="pt-BR" dirty="0"/>
+          </a:p>
+          <a:p>
+            <a:pPr marL="0" lvl="0" indent="0">
+              <a:buNone/>
+            </a:pPr>
+            <a:endParaRPr lang="pt-BR" dirty="0"/>
+          </a:p>
+        </p:txBody>
+      </p:sp>
+    </p:spTree>
+    <p:extLst>
+      <p:ext uri="{BB962C8B-B14F-4D97-AF65-F5344CB8AC3E}">
+        <p14:creationId xmlns:p14="http://schemas.microsoft.com/office/powerpoint/2010/main" val="1958868270"/>
+      </p:ext>
+    </p:extLst>
+  </p:cSld>
+  <p:clrMapOvr>
+    <a:masterClrMapping/>
+  </p:clrMapOvr>
+</p:sld>
+</file>
+
+<file path=ppt/slides/slide22.xml><?xml version="1.0" encoding="utf-8"?>
+<p:sld xmlns:a="http://schemas.openxmlformats.org/drawingml/2006/main" xmlns:r="http://schemas.openxmlformats.org/officeDocument/2006/relationships" xmlns:p="http://schemas.openxmlformats.org/presentationml/2006/main">
+  <p:cSld>
+    <p:spTree>
+      <p:nvGrpSpPr>
+        <p:cNvPr id="1" name=""/>
+        <p:cNvGrpSpPr/>
+        <p:nvPr/>
+      </p:nvGrpSpPr>
+      <p:grpSpPr>
+        <a:xfrm>
+          <a:off x="0" y="0"/>
+          <a:ext cx="0" cy="0"/>
+          <a:chOff x="0" y="0"/>
+          <a:chExt cx="0" cy="0"/>
+        </a:xfrm>
+      </p:grpSpPr>
+      <p:sp>
+        <p:nvSpPr>
+          <p:cNvPr id="2" name="Título 1"/>
+          <p:cNvSpPr>
+            <a:spLocks noGrp="1"/>
+          </p:cNvSpPr>
+          <p:nvPr>
+            <p:ph type="title"/>
+          </p:nvPr>
+        </p:nvSpPr>
+        <p:spPr>
+          <a:xfrm>
+            <a:off x="841248" y="298201"/>
+            <a:ext cx="10058400" cy="1609344"/>
+          </a:xfrm>
+        </p:spPr>
+        <p:txBody>
+          <a:bodyPr/>
+          <a:lstStyle/>
+          <a:p>
+            <a:r>
+              <a:rPr lang="pt-BR" b="1" dirty="0">
+                <a:latin typeface="Arial Rounded MT Bold" panose="020F0704030504030204" pitchFamily="34" charset="0"/>
+              </a:rPr>
+              <a:t>Caso de </a:t>
+            </a:r>
+            <a:r>
+              <a:rPr lang="pt-BR" b="1" dirty="0" smtClean="0">
+                <a:latin typeface="Arial Rounded MT Bold" panose="020F0704030504030204" pitchFamily="34" charset="0"/>
+              </a:rPr>
+              <a:t>Teste</a:t>
+            </a:r>
+            <a:r>
+              <a:rPr lang="pt-BR" sz="3200" dirty="0"/>
+              <a:t/>
+            </a:r>
+            <a:br>
+              <a:rPr lang="pt-BR" sz="3200" dirty="0"/>
+            </a:br>
+            <a:endParaRPr lang="pt-BR" dirty="0"/>
+          </a:p>
+        </p:txBody>
+      </p:sp>
+      <p:sp>
+        <p:nvSpPr>
+          <p:cNvPr id="3" name="Espaço Reservado para Conteúdo 2"/>
+          <p:cNvSpPr>
+            <a:spLocks noGrp="1"/>
+          </p:cNvSpPr>
+          <p:nvPr>
+            <p:ph idx="1"/>
+          </p:nvPr>
+        </p:nvSpPr>
+        <p:spPr>
+          <a:xfrm>
+            <a:off x="841248" y="1289304"/>
+            <a:ext cx="10515600" cy="5241000"/>
+          </a:xfrm>
+        </p:spPr>
+        <p:txBody>
+          <a:bodyPr>
+            <a:normAutofit/>
+          </a:bodyPr>
+          <a:lstStyle/>
+          <a:p>
+            <a:pPr marL="0" lvl="0" indent="0">
+              <a:buNone/>
+            </a:pPr>
+            <a:r>
+              <a:rPr lang="pt-BR" b="1" dirty="0" smtClean="0"/>
+              <a:t>CT14: </a:t>
+            </a:r>
+            <a:r>
+              <a:rPr lang="pt-BR" dirty="0" smtClean="0"/>
+              <a:t>Estoque </a:t>
+            </a:r>
+            <a:r>
+              <a:rPr lang="pt-BR" dirty="0" err="1" smtClean="0"/>
+              <a:t>ToolTip</a:t>
+            </a:r>
+            <a:r>
+              <a:rPr lang="pt-BR" dirty="0" smtClean="0"/>
+              <a:t> – Campo</a:t>
+            </a:r>
+          </a:p>
+          <a:p>
+            <a:pPr marL="0" lvl="0" indent="0">
+              <a:buNone/>
+            </a:pPr>
+            <a:r>
+              <a:rPr lang="pt-BR" b="1" dirty="0" smtClean="0"/>
+              <a:t>RN: </a:t>
+            </a:r>
+            <a:r>
+              <a:rPr lang="pt-BR" dirty="0" smtClean="0"/>
+              <a:t>RN14</a:t>
+            </a:r>
+          </a:p>
+          <a:p>
+            <a:pPr marL="0" lvl="0" indent="0">
+              <a:buNone/>
+            </a:pPr>
+            <a:r>
+              <a:rPr lang="pt-BR" b="1" dirty="0" smtClean="0"/>
+              <a:t>Resultado esperado:</a:t>
+            </a:r>
+          </a:p>
+          <a:p>
+            <a:pPr marL="0" lvl="0" indent="0">
+              <a:lnSpc>
+                <a:spcPct val="100000"/>
+              </a:lnSpc>
+              <a:spcBef>
+                <a:spcPts val="0"/>
+              </a:spcBef>
+              <a:buClrTx/>
+              <a:buSzTx/>
+              <a:buNone/>
+              <a:defRPr/>
+            </a:pPr>
+            <a:r>
+              <a:rPr lang="pt-BR" dirty="0"/>
+              <a:t>Ao colocar o mouse sobre o elemento Status Estoque (retângulo) deve ser exibido a legenda a seguir.</a:t>
+            </a:r>
+          </a:p>
+          <a:p>
+            <a:pPr marL="0" lvl="0" indent="0">
+              <a:buNone/>
+            </a:pPr>
+            <a:r>
+              <a:rPr lang="pt-BR" b="1" dirty="0" smtClean="0"/>
+              <a:t>Pré-condição: </a:t>
+            </a:r>
+            <a:r>
+              <a:rPr lang="pt-BR" dirty="0" smtClean="0"/>
+              <a:t>Tela de almoxarifado, já está aberta</a:t>
+            </a:r>
+          </a:p>
+          <a:p>
+            <a:pPr marL="0" lvl="0" indent="0">
+              <a:buNone/>
+            </a:pPr>
+            <a:endParaRPr lang="pt-BR" dirty="0"/>
+          </a:p>
+          <a:p>
+            <a:pPr marL="0" lvl="0" indent="0">
+              <a:buNone/>
+            </a:pPr>
+            <a:r>
+              <a:rPr lang="pt-BR" b="1" dirty="0" smtClean="0"/>
+              <a:t>Ações:</a:t>
+            </a:r>
+          </a:p>
+          <a:p>
+            <a:pPr marL="0" lvl="0" indent="0">
+              <a:buNone/>
+            </a:pPr>
+            <a:r>
+              <a:rPr lang="pt-BR" dirty="0" smtClean="0"/>
+              <a:t>1. Mouse com </a:t>
+            </a:r>
+            <a:r>
+              <a:rPr lang="pt-BR" dirty="0" err="1" smtClean="0"/>
+              <a:t>hover</a:t>
+            </a:r>
+            <a:r>
+              <a:rPr lang="pt-BR" dirty="0" smtClean="0"/>
+              <a:t> no campo quantidade </a:t>
+            </a:r>
+            <a:r>
+              <a:rPr lang="pt-BR" dirty="0"/>
+              <a:t>| </a:t>
+            </a:r>
+            <a:r>
+              <a:rPr lang="pt-BR" b="1" dirty="0"/>
+              <a:t>Resultado </a:t>
+            </a:r>
+            <a:r>
+              <a:rPr lang="pt-BR" b="1" dirty="0" smtClean="0"/>
+              <a:t>esperado: </a:t>
+            </a:r>
+            <a:r>
+              <a:rPr lang="pt-BR" dirty="0" smtClean="0"/>
+              <a:t>Retângulo com as cores e legenda preenchidas</a:t>
+            </a:r>
+            <a:endParaRPr lang="pt-BR" dirty="0"/>
+          </a:p>
+        </p:txBody>
+      </p:sp>
+    </p:spTree>
+    <p:extLst>
+      <p:ext uri="{BB962C8B-B14F-4D97-AF65-F5344CB8AC3E}">
+        <p14:creationId xmlns:p14="http://schemas.microsoft.com/office/powerpoint/2010/main" val="2204703557"/>
       </p:ext>
     </p:extLst>
   </p:cSld>
@@ -3558,10 +8627,14 @@
           <a:lstStyle/>
           <a:p>
             <a:r>
-              <a:rPr lang="pt-BR" dirty="0" err="1"/>
+              <a:rPr lang="pt-BR" b="1" dirty="0" err="1">
+                <a:latin typeface="Arial Rounded MT Bold" panose="020F0704030504030204" pitchFamily="34" charset="0"/>
+              </a:rPr>
               <a:t>Wireframe</a:t>
             </a:r>
-            <a:endParaRPr lang="pt-BR" dirty="0"/>
+            <a:endParaRPr lang="pt-BR" b="1" dirty="0">
+              <a:latin typeface="Arial Rounded MT Bold" panose="020F0704030504030204" pitchFamily="34" charset="0"/>
+            </a:endParaRPr>
           </a:p>
         </p:txBody>
       </p:sp>
@@ -3744,7 +8817,9 @@
           <a:lstStyle/>
           <a:p>
             <a:r>
-              <a:rPr lang="pt-BR" dirty="0"/>
+              <a:rPr lang="pt-BR" b="1" dirty="0">
+                <a:latin typeface="Arial Rounded MT Bold" panose="020F0704030504030204" pitchFamily="34" charset="0"/>
+              </a:rPr>
               <a:t>Regras Requisição</a:t>
             </a:r>
           </a:p>
@@ -3773,7 +8848,7 @@
         </p:nvGraphicFramePr>
         <p:xfrm>
           <a:off x="581891" y="982475"/>
-          <a:ext cx="11329060" cy="5401044"/>
+          <a:ext cx="11329060" cy="5949684"/>
         </p:xfrm>
         <a:graphic>
           <a:graphicData uri="http://schemas.openxmlformats.org/drawingml/2006/table">
@@ -4368,7 +9443,9 @@
           <a:lstStyle/>
           <a:p>
             <a:r>
-              <a:rPr lang="pt-BR" dirty="0"/>
+              <a:rPr lang="pt-BR" b="1" dirty="0">
+                <a:latin typeface="Arial Rounded MT Bold" panose="020F0704030504030204" pitchFamily="34" charset="0"/>
+              </a:rPr>
               <a:t>Regras Requisição</a:t>
             </a:r>
           </a:p>
@@ -4826,7 +9903,9 @@
           <a:lstStyle/>
           <a:p>
             <a:r>
-              <a:rPr lang="pt-BR" dirty="0"/>
+              <a:rPr lang="pt-BR" b="1" dirty="0">
+                <a:latin typeface="Arial Rounded MT Bold" panose="020F0704030504030204" pitchFamily="34" charset="0"/>
+              </a:rPr>
               <a:t>Regras Requisição</a:t>
             </a:r>
           </a:p>
@@ -4855,7 +9934,7 @@
         </p:nvGraphicFramePr>
         <p:xfrm>
           <a:off x="581891" y="982475"/>
-          <a:ext cx="11329060" cy="5126724"/>
+          <a:ext cx="11329060" cy="5757576"/>
         </p:xfrm>
         <a:graphic>
           <a:graphicData uri="http://schemas.openxmlformats.org/drawingml/2006/table">
@@ -5300,7 +10379,9 @@
           <a:lstStyle/>
           <a:p>
             <a:r>
-              <a:rPr lang="pt-BR" dirty="0"/>
+              <a:rPr lang="pt-BR" b="1" dirty="0">
+                <a:latin typeface="Arial Rounded MT Bold" panose="020F0704030504030204" pitchFamily="34" charset="0"/>
+              </a:rPr>
               <a:t>Regras Requisição</a:t>
             </a:r>
           </a:p>
@@ -5626,7 +10707,7 @@
         </p:blipFill>
         <p:spPr>
           <a:xfrm>
-            <a:off x="4288327" y="2179007"/>
+            <a:off x="4227870" y="2676040"/>
             <a:ext cx="2018551" cy="683599"/>
           </a:xfrm>
           <a:prstGeom prst="rect">
@@ -5656,7 +10737,7 @@
         </p:blipFill>
         <p:spPr>
           <a:xfrm>
-            <a:off x="6586326" y="2179007"/>
+            <a:off x="6595204" y="2660388"/>
             <a:ext cx="2018551" cy="714904"/>
           </a:xfrm>
           <a:prstGeom prst="rect">
@@ -5686,7 +10767,7 @@
         </p:blipFill>
         <p:spPr>
           <a:xfrm>
-            <a:off x="8784417" y="2188747"/>
+            <a:off x="8962538" y="2660388"/>
             <a:ext cx="2563521" cy="725337"/>
           </a:xfrm>
           <a:prstGeom prst="rect">
@@ -5715,7 +10796,7 @@
         </p:blipFill>
         <p:spPr>
           <a:xfrm>
-            <a:off x="5439676" y="4597621"/>
+            <a:off x="5932108" y="4633131"/>
             <a:ext cx="3344741" cy="1614168"/>
           </a:xfrm>
           <a:prstGeom prst="rect">
@@ -5782,7 +10863,9 @@
           <a:lstStyle/>
           <a:p>
             <a:r>
-              <a:rPr lang="pt-BR" dirty="0"/>
+              <a:rPr lang="pt-BR" b="1" dirty="0">
+                <a:latin typeface="Arial Rounded MT Bold" panose="020F0704030504030204" pitchFamily="34" charset="0"/>
+              </a:rPr>
               <a:t>Regras Requisição</a:t>
             </a:r>
           </a:p>
@@ -6022,7 +11105,469 @@
 </p:sld>
 </file>
 
+<file path=ppt/slides/slide9.xml><?xml version="1.0" encoding="utf-8"?>
+<p:sld xmlns:a="http://schemas.openxmlformats.org/drawingml/2006/main" xmlns:r="http://schemas.openxmlformats.org/officeDocument/2006/relationships" xmlns:p="http://schemas.openxmlformats.org/presentationml/2006/main">
+  <p:cSld>
+    <p:spTree>
+      <p:nvGrpSpPr>
+        <p:cNvPr id="1" name=""/>
+        <p:cNvGrpSpPr/>
+        <p:nvPr/>
+      </p:nvGrpSpPr>
+      <p:grpSpPr>
+        <a:xfrm>
+          <a:off x="0" y="0"/>
+          <a:ext cx="0" cy="0"/>
+          <a:chOff x="0" y="0"/>
+          <a:chExt cx="0" cy="0"/>
+        </a:xfrm>
+      </p:grpSpPr>
+      <p:sp>
+        <p:nvSpPr>
+          <p:cNvPr id="2" name="Título 1"/>
+          <p:cNvSpPr>
+            <a:spLocks noGrp="1"/>
+          </p:cNvSpPr>
+          <p:nvPr>
+            <p:ph type="title"/>
+          </p:nvPr>
+        </p:nvSpPr>
+        <p:spPr>
+          <a:xfrm>
+            <a:off x="841248" y="298201"/>
+            <a:ext cx="10058400" cy="1609344"/>
+          </a:xfrm>
+        </p:spPr>
+        <p:txBody>
+          <a:bodyPr/>
+          <a:lstStyle/>
+          <a:p>
+            <a:r>
+              <a:rPr lang="pt-BR" b="1" dirty="0">
+                <a:latin typeface="Arial Rounded MT Bold" panose="020F0704030504030204" pitchFamily="34" charset="0"/>
+              </a:rPr>
+              <a:t>Caso de </a:t>
+            </a:r>
+            <a:r>
+              <a:rPr lang="pt-BR" b="1" dirty="0" smtClean="0">
+                <a:latin typeface="Arial Rounded MT Bold" panose="020F0704030504030204" pitchFamily="34" charset="0"/>
+              </a:rPr>
+              <a:t>Teste</a:t>
+            </a:r>
+            <a:r>
+              <a:rPr lang="pt-BR" sz="3200" dirty="0"/>
+              <a:t/>
+            </a:r>
+            <a:br>
+              <a:rPr lang="pt-BR" sz="3200" dirty="0"/>
+            </a:br>
+            <a:endParaRPr lang="pt-BR" dirty="0"/>
+          </a:p>
+        </p:txBody>
+      </p:sp>
+      <p:sp>
+        <p:nvSpPr>
+          <p:cNvPr id="3" name="Espaço Reservado para Conteúdo 2"/>
+          <p:cNvSpPr>
+            <a:spLocks noGrp="1"/>
+          </p:cNvSpPr>
+          <p:nvPr>
+            <p:ph idx="1"/>
+          </p:nvPr>
+        </p:nvSpPr>
+        <p:spPr>
+          <a:xfrm>
+            <a:off x="841248" y="1289304"/>
+            <a:ext cx="10515600" cy="5241000"/>
+          </a:xfrm>
+        </p:spPr>
+        <p:txBody>
+          <a:bodyPr>
+            <a:normAutofit/>
+          </a:bodyPr>
+          <a:lstStyle/>
+          <a:p>
+            <a:pPr marL="0" lvl="0" indent="0">
+              <a:buNone/>
+            </a:pPr>
+            <a:r>
+              <a:rPr lang="pt-BR" b="1" dirty="0" smtClean="0"/>
+              <a:t>CT01: </a:t>
+            </a:r>
+            <a:r>
+              <a:rPr lang="pt-BR" dirty="0" smtClean="0"/>
+              <a:t>Validar Tela de Requisição – Campos</a:t>
+            </a:r>
+          </a:p>
+          <a:p>
+            <a:pPr marL="0" lvl="0" indent="0">
+              <a:buNone/>
+            </a:pPr>
+            <a:r>
+              <a:rPr lang="pt-BR" b="1" dirty="0" smtClean="0"/>
+              <a:t>RN: </a:t>
+            </a:r>
+            <a:r>
+              <a:rPr lang="pt-BR" dirty="0" smtClean="0"/>
+              <a:t>RN01</a:t>
+            </a:r>
+          </a:p>
+          <a:p>
+            <a:pPr marL="0" lvl="0" indent="0">
+              <a:buNone/>
+            </a:pPr>
+            <a:r>
+              <a:rPr lang="pt-BR" b="1" dirty="0" smtClean="0"/>
+              <a:t>Resultado esperado:</a:t>
+            </a:r>
+          </a:p>
+          <a:p>
+            <a:pPr marL="0" lvl="0" indent="0">
+              <a:lnSpc>
+                <a:spcPct val="100000"/>
+              </a:lnSpc>
+              <a:spcBef>
+                <a:spcPts val="0"/>
+              </a:spcBef>
+              <a:buNone/>
+              <a:defRPr/>
+            </a:pPr>
+            <a:r>
+              <a:rPr lang="pt-BR" dirty="0" smtClean="0"/>
+              <a:t>Sistema deve verificar se existe campos obrigatórios e não preenchidos</a:t>
+            </a:r>
+          </a:p>
+          <a:p>
+            <a:pPr marL="0" indent="0">
+              <a:lnSpc>
+                <a:spcPct val="100000"/>
+              </a:lnSpc>
+              <a:spcBef>
+                <a:spcPts val="0"/>
+              </a:spcBef>
+              <a:buNone/>
+              <a:defRPr/>
+            </a:pPr>
+            <a:r>
+              <a:rPr lang="pt-BR" dirty="0" smtClean="0"/>
+              <a:t>se existir, esses campos devem ficar com a cor de fundo vermelha.</a:t>
+            </a:r>
+          </a:p>
+          <a:p>
+            <a:pPr marL="0" lvl="0" indent="0">
+              <a:buNone/>
+            </a:pPr>
+            <a:r>
+              <a:rPr lang="pt-BR" b="1" dirty="0" smtClean="0"/>
+              <a:t>Pré-condição: </a:t>
+            </a:r>
+            <a:r>
+              <a:rPr lang="pt-BR" dirty="0" smtClean="0"/>
+              <a:t>Tela de almoxarifado, já está aberta</a:t>
+            </a:r>
+          </a:p>
+          <a:p>
+            <a:pPr marL="0" lvl="0" indent="0">
+              <a:buNone/>
+            </a:pPr>
+            <a:endParaRPr lang="pt-BR" dirty="0"/>
+          </a:p>
+          <a:p>
+            <a:pPr marL="0" lvl="0" indent="0">
+              <a:buNone/>
+            </a:pPr>
+            <a:r>
+              <a:rPr lang="pt-BR" b="1" dirty="0" smtClean="0"/>
+              <a:t>Ações:</a:t>
+            </a:r>
+          </a:p>
+          <a:p>
+            <a:pPr marL="0" lvl="0" indent="0">
+              <a:buNone/>
+            </a:pPr>
+            <a:r>
+              <a:rPr lang="pt-BR" dirty="0" smtClean="0"/>
+              <a:t>1. Clicar em botão gravar </a:t>
+            </a:r>
+            <a:r>
+              <a:rPr lang="pt-BR" dirty="0"/>
+              <a:t>| </a:t>
+            </a:r>
+            <a:r>
+              <a:rPr lang="pt-BR" b="1" dirty="0"/>
+              <a:t>Resultado esperado: </a:t>
+            </a:r>
+            <a:r>
+              <a:rPr lang="pt-BR" dirty="0" smtClean="0"/>
+              <a:t>Validar os campos</a:t>
+            </a:r>
+          </a:p>
+          <a:p>
+            <a:pPr marL="0" lvl="0" indent="0">
+              <a:buNone/>
+            </a:pPr>
+            <a:r>
+              <a:rPr lang="pt-BR" dirty="0" smtClean="0"/>
+              <a:t>1.1. Se houver algum campo obrigatório ele irá ficar com o fundo vermelho</a:t>
+            </a:r>
+          </a:p>
+          <a:p>
+            <a:pPr marL="0" indent="0">
+              <a:buNone/>
+            </a:pPr>
+            <a:endParaRPr lang="pt-BR" dirty="0"/>
+          </a:p>
+          <a:p>
+            <a:pPr marL="0" lvl="0" indent="0">
+              <a:buNone/>
+            </a:pPr>
+            <a:endParaRPr lang="pt-BR" dirty="0"/>
+          </a:p>
+        </p:txBody>
+      </p:sp>
+    </p:spTree>
+    <p:extLst>
+      <p:ext uri="{BB962C8B-B14F-4D97-AF65-F5344CB8AC3E}">
+        <p14:creationId xmlns:p14="http://schemas.microsoft.com/office/powerpoint/2010/main" val="3735712528"/>
+      </p:ext>
+    </p:extLst>
+  </p:cSld>
+  <p:clrMapOvr>
+    <a:masterClrMapping/>
+  </p:clrMapOvr>
+</p:sld>
+</file>
+
 <file path=ppt/theme/theme1.xml><?xml version="1.0" encoding="utf-8"?>
+<a:theme xmlns:a="http://schemas.openxmlformats.org/drawingml/2006/main" name="Tipo de Madeira">
+  <a:themeElements>
+    <a:clrScheme name="Tipo de Madeira">
+      <a:dk1>
+        <a:sysClr val="windowText" lastClr="000000"/>
+      </a:dk1>
+      <a:lt1>
+        <a:sysClr val="window" lastClr="FFFFFF"/>
+      </a:lt1>
+      <a:dk2>
+        <a:srgbClr val="696464"/>
+      </a:dk2>
+      <a:lt2>
+        <a:srgbClr val="E9E5DC"/>
+      </a:lt2>
+      <a:accent1>
+        <a:srgbClr val="D34817"/>
+      </a:accent1>
+      <a:accent2>
+        <a:srgbClr val="9B2D1F"/>
+      </a:accent2>
+      <a:accent3>
+        <a:srgbClr val="A28E6A"/>
+      </a:accent3>
+      <a:accent4>
+        <a:srgbClr val="956251"/>
+      </a:accent4>
+      <a:accent5>
+        <a:srgbClr val="918485"/>
+      </a:accent5>
+      <a:accent6>
+        <a:srgbClr val="855D5D"/>
+      </a:accent6>
+      <a:hlink>
+        <a:srgbClr val="CC9900"/>
+      </a:hlink>
+      <a:folHlink>
+        <a:srgbClr val="96A9A9"/>
+      </a:folHlink>
+    </a:clrScheme>
+    <a:fontScheme name="Tipo de Madeira">
+      <a:majorFont>
+        <a:latin typeface="Rockwell Condensed" panose="02060603050405020104"/>
+        <a:ea typeface=""/>
+        <a:cs typeface=""/>
+        <a:font script="Grek" typeface="Cambria"/>
+        <a:font script="Cyrl" typeface="Cambria"/>
+        <a:font script="Jpan" typeface="HG明朝B"/>
+        <a:font script="Hang" typeface="바탕"/>
+        <a:font script="Hans" typeface="方正姚体"/>
+        <a:font script="Hant" typeface="微軟正黑體"/>
+        <a:font script="Arab" typeface="Times New Roman"/>
+        <a:font script="Hebr" typeface="David"/>
+        <a:font script="Thai" typeface="JasmineUPC"/>
+        <a:font script="Ethi" typeface="Nyala"/>
+        <a:font script="Beng" typeface="Vrinda"/>
+        <a:font script="Gujr" typeface="Shruti"/>
+        <a:font script="Khmr" typeface="MoolBoran"/>
+        <a:font script="Knda" typeface="Tunga"/>
+        <a:font script="Guru" typeface="Raavi"/>
+        <a:font script="Cans" typeface="Euphemia"/>
+        <a:font script="Cher" typeface="Plantagenet Cherokee"/>
+        <a:font script="Yiii" typeface="Microsoft Yi Baiti"/>
+        <a:font script="Tibt" typeface="Microsoft Himalaya"/>
+        <a:font script="Thaa" typeface="MV Boli"/>
+        <a:font script="Deva" typeface="Mangal"/>
+        <a:font script="Telu" typeface="Gautami"/>
+        <a:font script="Taml" typeface="Latha"/>
+        <a:font script="Syrc" typeface="Estrangelo Edessa"/>
+        <a:font script="Orya" typeface="Kalinga"/>
+        <a:font script="Mlym" typeface="Kartika"/>
+        <a:font script="Laoo" typeface="DokChampa"/>
+        <a:font script="Sinh" typeface="Iskoola Pota"/>
+        <a:font script="Mong" typeface="Mongolian Baiti"/>
+        <a:font script="Viet" typeface="Arial"/>
+        <a:font script="Uigh" typeface="Microsoft Uighur"/>
+      </a:majorFont>
+      <a:minorFont>
+        <a:latin typeface="Rockwell" panose="02060603020205020403"/>
+        <a:ea typeface=""/>
+        <a:cs typeface=""/>
+        <a:font script="Grek" typeface="Cambria"/>
+        <a:font script="Cyrl" typeface="Cambria"/>
+        <a:font script="Jpan" typeface="HG明朝B"/>
+        <a:font script="Hang" typeface="바탕"/>
+        <a:font script="Hans" typeface="方正姚体"/>
+        <a:font script="Hant" typeface="標楷體"/>
+        <a:font script="Arab" typeface="Times New Roman"/>
+        <a:font script="Hebr" typeface="David"/>
+        <a:font script="Thai" typeface="JasmineUPC"/>
+        <a:font script="Ethi" typeface="Nyala"/>
+        <a:font script="Beng" typeface="Vrinda"/>
+        <a:font script="Gujr" typeface="Shruti"/>
+        <a:font script="Khmr" typeface="MoolBoran"/>
+        <a:font script="Knda" typeface="Tunga"/>
+        <a:font script="Guru" typeface="Raavi"/>
+        <a:font script="Cans" typeface="Euphemia"/>
+        <a:font script="Cher" typeface="Plantagenet Cherokee"/>
+        <a:font script="Yiii" typeface="Microsoft Yi Baiti"/>
+        <a:font script="Tibt" typeface="Microsoft Himalaya"/>
+        <a:font script="Thaa" typeface="MV Boli"/>
+        <a:font script="Deva" typeface="Mangal"/>
+        <a:font script="Telu" typeface="Gautami"/>
+        <a:font script="Taml" typeface="Latha"/>
+        <a:font script="Syrc" typeface="Estrangelo Edessa"/>
+        <a:font script="Orya" typeface="Kalinga"/>
+        <a:font script="Mlym" typeface="Kartika"/>
+        <a:font script="Laoo" typeface="DokChampa"/>
+        <a:font script="Sinh" typeface="Iskoola Pota"/>
+        <a:font script="Mong" typeface="Mongolian Baiti"/>
+        <a:font script="Viet" typeface="Times New Roman"/>
+        <a:font script="Uigh" typeface="Microsoft Uighur"/>
+      </a:minorFont>
+    </a:fontScheme>
+    <a:fmtScheme name="Tipo de Madeira">
+      <a:fillStyleLst>
+        <a:solidFill>
+          <a:schemeClr val="phClr"/>
+        </a:solidFill>
+        <a:blipFill rotWithShape="1">
+          <a:blip xmlns:r="http://schemas.openxmlformats.org/officeDocument/2006/relationships" r:embed="rId1">
+            <a:duotone>
+              <a:schemeClr val="phClr">
+                <a:tint val="70000"/>
+                <a:shade val="63000"/>
+              </a:schemeClr>
+              <a:schemeClr val="phClr">
+                <a:tint val="10000"/>
+                <a:satMod val="150000"/>
+              </a:schemeClr>
+            </a:duotone>
+          </a:blip>
+          <a:tile tx="0" ty="0" sx="60000" sy="59000" flip="none" algn="tl"/>
+        </a:blipFill>
+        <a:blipFill rotWithShape="1">
+          <a:blip xmlns:r="http://schemas.openxmlformats.org/officeDocument/2006/relationships" r:embed="rId1">
+            <a:duotone>
+              <a:schemeClr val="phClr">
+                <a:shade val="36000"/>
+                <a:satMod val="120000"/>
+              </a:schemeClr>
+              <a:schemeClr val="phClr">
+                <a:tint val="40000"/>
+              </a:schemeClr>
+            </a:duotone>
+          </a:blip>
+          <a:tile tx="0" ty="0" sx="60000" sy="59000" flip="none" algn="tl"/>
+        </a:blipFill>
+      </a:fillStyleLst>
+      <a:lnStyleLst>
+        <a:ln w="6350" cap="flat" cmpd="sng" algn="ctr">
+          <a:solidFill>
+            <a:schemeClr val="phClr"/>
+          </a:solidFill>
+          <a:prstDash val="solid"/>
+        </a:ln>
+        <a:ln w="12700" cap="flat" cmpd="sng" algn="ctr">
+          <a:solidFill>
+            <a:schemeClr val="phClr"/>
+          </a:solidFill>
+          <a:prstDash val="solid"/>
+        </a:ln>
+        <a:ln w="19050" cap="flat" cmpd="sng" algn="ctr">
+          <a:solidFill>
+            <a:schemeClr val="phClr"/>
+          </a:solidFill>
+          <a:prstDash val="solid"/>
+        </a:ln>
+      </a:lnStyleLst>
+      <a:effectStyleLst>
+        <a:effectStyle>
+          <a:effectLst/>
+        </a:effectStyle>
+        <a:effectStyle>
+          <a:effectLst>
+            <a:softEdge rad="12700"/>
+          </a:effectLst>
+        </a:effectStyle>
+        <a:effectStyle>
+          <a:effectLst>
+            <a:outerShdw blurRad="50800" dist="19050" dir="5400000" algn="tl" rotWithShape="0">
+              <a:srgbClr val="000000">
+                <a:alpha val="60000"/>
+              </a:srgbClr>
+            </a:outerShdw>
+            <a:softEdge rad="12700"/>
+          </a:effectLst>
+        </a:effectStyle>
+      </a:effectStyleLst>
+      <a:bgFillStyleLst>
+        <a:solidFill>
+          <a:schemeClr val="phClr"/>
+        </a:solidFill>
+        <a:solidFill>
+          <a:schemeClr val="phClr">
+            <a:shade val="97000"/>
+            <a:satMod val="150000"/>
+          </a:schemeClr>
+        </a:solidFill>
+        <a:blipFill rotWithShape="1">
+          <a:blip xmlns:r="http://schemas.openxmlformats.org/officeDocument/2006/relationships" r:embed="rId1">
+            <a:duotone>
+              <a:schemeClr val="phClr">
+                <a:tint val="75000"/>
+                <a:shade val="58000"/>
+                <a:satMod val="120000"/>
+              </a:schemeClr>
+              <a:schemeClr val="phClr">
+                <a:tint val="50000"/>
+                <a:shade val="96000"/>
+              </a:schemeClr>
+            </a:duotone>
+          </a:blip>
+          <a:tile tx="0" ty="0" sx="100000" sy="100000" flip="none" algn="tl"/>
+        </a:blipFill>
+      </a:bgFillStyleLst>
+    </a:fmtScheme>
+  </a:themeElements>
+  <a:objectDefaults/>
+  <a:extraClrSchemeLst/>
+  <a:extLst>
+    <a:ext uri="{05A4C25C-085E-4340-85A3-A5531E510DB2}">
+      <thm15:themeFamily xmlns:thm15="http://schemas.microsoft.com/office/thememl/2012/main" name="Wood Type" id="{7ACABC62-BF99-48CF-A9DC-4DB89C7B13DC}" vid="{142A1326-48AB-42A9-8428-CB14AA30176D}"/>
+    </a:ext>
+  </a:extLst>
+</a:theme>
+</file>
+
+<file path=ppt/theme/theme2.xml><?xml version="1.0" encoding="utf-8"?>
 <a:theme xmlns:a="http://schemas.openxmlformats.org/drawingml/2006/main" name="Tema do Office">
   <a:themeElements>
     <a:clrScheme name="Office">
@@ -6039,7 +11584,7 @@
         <a:srgbClr val="E7E6E6"/>
       </a:lt2>
       <a:accent1>
-        <a:srgbClr val="4472C4"/>
+        <a:srgbClr val="5B9BD5"/>
       </a:accent1>
       <a:accent2>
         <a:srgbClr val="ED7D31"/>
@@ -6051,7 +11596,7 @@
         <a:srgbClr val="FFC000"/>
       </a:accent4>
       <a:accent5>
-        <a:srgbClr val="5B9BD5"/>
+        <a:srgbClr val="4472C4"/>
       </a:accent5>
       <a:accent6>
         <a:srgbClr val="70AD47"/>
@@ -6098,23 +11643,6 @@
         <a:font script="Viet" typeface="Times New Roman"/>
         <a:font script="Uigh" typeface="Microsoft Uighur"/>
         <a:font script="Geor" typeface="Sylfaen"/>
-        <a:font script="Armn" typeface="Arial"/>
-        <a:font script="Bugi" typeface="Leelawadee UI"/>
-        <a:font script="Bopo" typeface="Microsoft JhengHei"/>
-        <a:font script="Java" typeface="Javanese Text"/>
-        <a:font script="Lisu" typeface="Segoe UI"/>
-        <a:font script="Mymr" typeface="Myanmar Text"/>
-        <a:font script="Nkoo" typeface="Ebrima"/>
-        <a:font script="Olck" typeface="Nirmala UI"/>
-        <a:font script="Osma" typeface="Ebrima"/>
-        <a:font script="Phag" typeface="Phagspa"/>
-        <a:font script="Syrn" typeface="Estrangelo Edessa"/>
-        <a:font script="Syrj" typeface="Estrangelo Edessa"/>
-        <a:font script="Syre" typeface="Estrangelo Edessa"/>
-        <a:font script="Sora" typeface="Nirmala UI"/>
-        <a:font script="Tale" typeface="Microsoft Tai Le"/>
-        <a:font script="Talu" typeface="Microsoft New Tai Lue"/>
-        <a:font script="Tfng" typeface="Ebrima"/>
       </a:majorFont>
       <a:minorFont>
         <a:latin typeface="Calibri" panose="020F0502020204030204"/>
@@ -6150,23 +11678,6 @@
         <a:font script="Viet" typeface="Arial"/>
         <a:font script="Uigh" typeface="Microsoft Uighur"/>
         <a:font script="Geor" typeface="Sylfaen"/>
-        <a:font script="Armn" typeface="Arial"/>
-        <a:font script="Bugi" typeface="Leelawadee UI"/>
-        <a:font script="Bopo" typeface="Microsoft JhengHei"/>
-        <a:font script="Java" typeface="Javanese Text"/>
-        <a:font script="Lisu" typeface="Segoe UI"/>
-        <a:font script="Mymr" typeface="Myanmar Text"/>
-        <a:font script="Nkoo" typeface="Ebrima"/>
-        <a:font script="Olck" typeface="Nirmala UI"/>
-        <a:font script="Osma" typeface="Ebrima"/>
-        <a:font script="Phag" typeface="Phagspa"/>
-        <a:font script="Syrn" typeface="Estrangelo Edessa"/>
-        <a:font script="Syrj" typeface="Estrangelo Edessa"/>
-        <a:font script="Syre" typeface="Estrangelo Edessa"/>
-        <a:font script="Sora" typeface="Nirmala UI"/>
-        <a:font script="Tale" typeface="Microsoft Tai Le"/>
-        <a:font script="Talu" typeface="Microsoft New Tai Lue"/>
-        <a:font script="Tfng" typeface="Ebrima"/>
       </a:minorFont>
     </a:fontScheme>
     <a:fmtScheme name="Office">

--- a/RegrasNegocio/RN_Requisitos.pptx
+++ b/RegrasNegocio/RN_Requisitos.pptx
@@ -218,7 +218,7 @@
           <a:p>
             <a:fld id="{7BE5F2B4-302C-40F1-87F6-1DD0D7C29049}" type="datetimeFigureOut">
               <a:rPr lang="pt-BR" smtClean="0"/>
-              <a:t>22/01/2024</a:t>
+              <a:t>31/01/2024</a:t>
             </a:fld>
             <a:endParaRPr lang="pt-BR"/>
           </a:p>
@@ -1981,7 +1981,7 @@
           <a:p>
             <a:fld id="{0A1764AE-7598-4101-9D63-6EC8D69CE664}" type="datetimeFigureOut">
               <a:rPr lang="pt-BR" smtClean="0"/>
-              <a:t>22/01/2024</a:t>
+              <a:t>31/01/2024</a:t>
             </a:fld>
             <a:endParaRPr lang="pt-BR"/>
           </a:p>
@@ -2160,7 +2160,7 @@
           <a:p>
             <a:fld id="{0A1764AE-7598-4101-9D63-6EC8D69CE664}" type="datetimeFigureOut">
               <a:rPr lang="pt-BR" smtClean="0"/>
-              <a:t>22/01/2024</a:t>
+              <a:t>31/01/2024</a:t>
             </a:fld>
             <a:endParaRPr lang="pt-BR"/>
           </a:p>
@@ -2340,7 +2340,7 @@
           <a:p>
             <a:fld id="{0A1764AE-7598-4101-9D63-6EC8D69CE664}" type="datetimeFigureOut">
               <a:rPr lang="pt-BR" smtClean="0"/>
-              <a:t>22/01/2024</a:t>
+              <a:t>31/01/2024</a:t>
             </a:fld>
             <a:endParaRPr lang="pt-BR"/>
           </a:p>
@@ -2510,7 +2510,7 @@
           <a:p>
             <a:fld id="{0A1764AE-7598-4101-9D63-6EC8D69CE664}" type="datetimeFigureOut">
               <a:rPr lang="pt-BR" smtClean="0"/>
-              <a:t>22/01/2024</a:t>
+              <a:t>31/01/2024</a:t>
             </a:fld>
             <a:endParaRPr lang="pt-BR"/>
           </a:p>
@@ -2823,7 +2823,7 @@
           <a:p>
             <a:fld id="{0A1764AE-7598-4101-9D63-6EC8D69CE664}" type="datetimeFigureOut">
               <a:rPr lang="pt-BR" smtClean="0"/>
-              <a:t>22/01/2024</a:t>
+              <a:t>31/01/2024</a:t>
             </a:fld>
             <a:endParaRPr lang="pt-BR"/>
           </a:p>
@@ -3209,7 +3209,7 @@
           <a:p>
             <a:fld id="{0A1764AE-7598-4101-9D63-6EC8D69CE664}" type="datetimeFigureOut">
               <a:rPr lang="pt-BR" smtClean="0"/>
-              <a:t>22/01/2024</a:t>
+              <a:t>31/01/2024</a:t>
             </a:fld>
             <a:endParaRPr lang="pt-BR"/>
           </a:p>
@@ -3643,7 +3643,7 @@
           <a:p>
             <a:fld id="{0A1764AE-7598-4101-9D63-6EC8D69CE664}" type="datetimeFigureOut">
               <a:rPr lang="pt-BR" smtClean="0"/>
-              <a:t>22/01/2024</a:t>
+              <a:t>31/01/2024</a:t>
             </a:fld>
             <a:endParaRPr lang="pt-BR"/>
           </a:p>
@@ -3761,7 +3761,7 @@
           <a:p>
             <a:fld id="{0A1764AE-7598-4101-9D63-6EC8D69CE664}" type="datetimeFigureOut">
               <a:rPr lang="pt-BR" smtClean="0"/>
-              <a:t>22/01/2024</a:t>
+              <a:t>31/01/2024</a:t>
             </a:fld>
             <a:endParaRPr lang="pt-BR"/>
           </a:p>
@@ -3856,7 +3856,7 @@
           <a:p>
             <a:fld id="{0A1764AE-7598-4101-9D63-6EC8D69CE664}" type="datetimeFigureOut">
               <a:rPr lang="pt-BR" smtClean="0"/>
-              <a:t>22/01/2024</a:t>
+              <a:t>31/01/2024</a:t>
             </a:fld>
             <a:endParaRPr lang="pt-BR"/>
           </a:p>
@@ -4206,7 +4206,7 @@
           <a:p>
             <a:fld id="{0A1764AE-7598-4101-9D63-6EC8D69CE664}" type="datetimeFigureOut">
               <a:rPr lang="pt-BR" smtClean="0"/>
-              <a:t>22/01/2024</a:t>
+              <a:t>31/01/2024</a:t>
             </a:fld>
             <a:endParaRPr lang="pt-BR"/>
           </a:p>
@@ -4631,7 +4631,7 @@
           <a:p>
             <a:fld id="{0A1764AE-7598-4101-9D63-6EC8D69CE664}" type="datetimeFigureOut">
               <a:rPr lang="pt-BR" smtClean="0"/>
-              <a:t>22/01/2024</a:t>
+              <a:t>31/01/2024</a:t>
             </a:fld>
             <a:endParaRPr lang="pt-BR"/>
           </a:p>
@@ -4912,7 +4912,7 @@
           <a:p>
             <a:fld id="{0A1764AE-7598-4101-9D63-6EC8D69CE664}" type="datetimeFigureOut">
               <a:rPr lang="pt-BR" smtClean="0"/>
-              <a:t>22/01/2024</a:t>
+              <a:t>31/01/2024</a:t>
             </a:fld>
             <a:endParaRPr lang="pt-BR"/>
           </a:p>
@@ -5556,7 +5556,6 @@
               <a:rPr lang="pt-BR" b="1" dirty="0" smtClean="0"/>
               <a:t>Sistemas</a:t>
             </a:r>
-            <a:endParaRPr lang="pt-BR" b="1" dirty="0" smtClean="0"/>
           </a:p>
           <a:p>
             <a:r>
@@ -5672,8 +5671,16 @@
               <a:t>CT02: </a:t>
             </a:r>
             <a:r>
+              <a:rPr lang="pt-BR" dirty="0" err="1" smtClean="0"/>
+              <a:t>SelecionadoVerde</a:t>
+            </a:r>
+            <a:r>
               <a:rPr lang="pt-BR" dirty="0" smtClean="0"/>
-              <a:t>Selecionado – Campos</a:t>
+              <a:t> </a:t>
+            </a:r>
+            <a:r>
+              <a:rPr lang="pt-BR" dirty="0" smtClean="0"/>
+              <a:t>– Campos</a:t>
             </a:r>
           </a:p>
           <a:p>
